--- a/slides/SLIDE 04 - NOCOES BASICAS PHP 02.pptx
+++ b/slides/SLIDE 04 - NOCOES BASICAS PHP 02.pptx
@@ -157,7 +157,18 @@
   </p:defaultTextStyle>
   <p:extLst>
     <p:ext uri="{EFAFB233-063F-42B5-8137-9DF3F51BA10A}">
-      <p15:sldGuideLst xmlns="" xmlns:p15="http://schemas.microsoft.com/office/powerpoint/2012/main"/>
+      <p15:sldGuideLst xmlns:p15="http://schemas.microsoft.com/office/powerpoint/2012/main">
+        <p15:guide id="1" orient="horz" pos="2160">
+          <p15:clr>
+            <a:srgbClr val="A4A3A4"/>
+          </p15:clr>
+        </p15:guide>
+        <p15:guide id="2" pos="2880">
+          <p15:clr>
+            <a:srgbClr val="A4A3A4"/>
+          </p15:clr>
+        </p15:guide>
+      </p15:sldGuideLst>
     </p:ext>
   </p:extLst>
 </p:presentation>
@@ -245,7 +256,7 @@
           <a:p>
             <a:fld id="{25F0AA79-4FCC-074F-85E0-CEE218925B64}" type="datetimeFigureOut">
               <a:rPr lang="pt-BR" smtClean="0"/>
-              <a:t>09/02/2022</a:t>
+              <a:t>05/08/2024</a:t>
             </a:fld>
             <a:endParaRPr lang="pt-BR"/>
           </a:p>
@@ -403,7 +414,7 @@
           <a:p>
             <a:fld id="{E4012006-13B0-9343-974D-D1B6F7856FE8}" type="slidenum">
               <a:rPr lang="pt-BR" smtClean="0"/>
-              <a:t>‹nº›</a:t>
+              <a:t>‹#›</a:t>
             </a:fld>
             <a:endParaRPr lang="pt-BR"/>
           </a:p>
@@ -4675,7 +4686,7 @@
           <a:p>
             <a:fld id="{5F9344B4-9850-F84E-AF53-CD3E9423C711}" type="datetimeFigureOut">
               <a:rPr lang="pt-BR" smtClean="0"/>
-              <a:t>09/02/2022</a:t>
+              <a:t>05/08/2024</a:t>
             </a:fld>
             <a:endParaRPr lang="pt-BR"/>
           </a:p>
@@ -4717,7 +4728,7 @@
           <a:p>
             <a:fld id="{957D5177-FEBC-BE45-ABC7-E7850195CA8B}" type="slidenum">
               <a:rPr lang="pt-BR" smtClean="0"/>
-              <a:t>‹nº›</a:t>
+              <a:t>‹#›</a:t>
             </a:fld>
             <a:endParaRPr lang="pt-BR"/>
           </a:p>
@@ -4845,7 +4856,7 @@
           <a:p>
             <a:fld id="{5F9344B4-9850-F84E-AF53-CD3E9423C711}" type="datetimeFigureOut">
               <a:rPr lang="pt-BR" smtClean="0"/>
-              <a:t>09/02/2022</a:t>
+              <a:t>05/08/2024</a:t>
             </a:fld>
             <a:endParaRPr lang="pt-BR"/>
           </a:p>
@@ -4887,7 +4898,7 @@
           <a:p>
             <a:fld id="{957D5177-FEBC-BE45-ABC7-E7850195CA8B}" type="slidenum">
               <a:rPr lang="pt-BR" smtClean="0"/>
-              <a:t>‹nº›</a:t>
+              <a:t>‹#›</a:t>
             </a:fld>
             <a:endParaRPr lang="pt-BR"/>
           </a:p>
@@ -5025,7 +5036,7 @@
           <a:p>
             <a:fld id="{5F9344B4-9850-F84E-AF53-CD3E9423C711}" type="datetimeFigureOut">
               <a:rPr lang="pt-BR" smtClean="0"/>
-              <a:t>09/02/2022</a:t>
+              <a:t>05/08/2024</a:t>
             </a:fld>
             <a:endParaRPr lang="pt-BR"/>
           </a:p>
@@ -5067,7 +5078,7 @@
           <a:p>
             <a:fld id="{957D5177-FEBC-BE45-ABC7-E7850195CA8B}" type="slidenum">
               <a:rPr lang="pt-BR" smtClean="0"/>
-              <a:t>‹nº›</a:t>
+              <a:t>‹#›</a:t>
             </a:fld>
             <a:endParaRPr lang="pt-BR"/>
           </a:p>
@@ -5195,7 +5206,7 @@
           <a:p>
             <a:fld id="{5F9344B4-9850-F84E-AF53-CD3E9423C711}" type="datetimeFigureOut">
               <a:rPr lang="pt-BR" smtClean="0"/>
-              <a:t>09/02/2022</a:t>
+              <a:t>05/08/2024</a:t>
             </a:fld>
             <a:endParaRPr lang="pt-BR"/>
           </a:p>
@@ -5237,7 +5248,7 @@
           <a:p>
             <a:fld id="{957D5177-FEBC-BE45-ABC7-E7850195CA8B}" type="slidenum">
               <a:rPr lang="pt-BR" smtClean="0"/>
-              <a:t>‹nº›</a:t>
+              <a:t>‹#›</a:t>
             </a:fld>
             <a:endParaRPr lang="pt-BR"/>
           </a:p>
@@ -5439,7 +5450,7 @@
           <a:p>
             <a:fld id="{5F9344B4-9850-F84E-AF53-CD3E9423C711}" type="datetimeFigureOut">
               <a:rPr lang="pt-BR" smtClean="0"/>
-              <a:t>09/02/2022</a:t>
+              <a:t>05/08/2024</a:t>
             </a:fld>
             <a:endParaRPr lang="pt-BR"/>
           </a:p>
@@ -5481,7 +5492,7 @@
           <a:p>
             <a:fld id="{957D5177-FEBC-BE45-ABC7-E7850195CA8B}" type="slidenum">
               <a:rPr lang="pt-BR" smtClean="0"/>
-              <a:t>‹nº›</a:t>
+              <a:t>‹#›</a:t>
             </a:fld>
             <a:endParaRPr lang="pt-BR"/>
           </a:p>
@@ -5671,7 +5682,7 @@
           <a:p>
             <a:fld id="{5F9344B4-9850-F84E-AF53-CD3E9423C711}" type="datetimeFigureOut">
               <a:rPr lang="pt-BR" smtClean="0"/>
-              <a:t>09/02/2022</a:t>
+              <a:t>05/08/2024</a:t>
             </a:fld>
             <a:endParaRPr lang="pt-BR"/>
           </a:p>
@@ -5713,7 +5724,7 @@
           <a:p>
             <a:fld id="{957D5177-FEBC-BE45-ABC7-E7850195CA8B}" type="slidenum">
               <a:rPr lang="pt-BR" smtClean="0"/>
-              <a:t>‹nº›</a:t>
+              <a:t>‹#›</a:t>
             </a:fld>
             <a:endParaRPr lang="pt-BR"/>
           </a:p>
@@ -6038,7 +6049,7 @@
           <a:p>
             <a:fld id="{5F9344B4-9850-F84E-AF53-CD3E9423C711}" type="datetimeFigureOut">
               <a:rPr lang="pt-BR" smtClean="0"/>
-              <a:t>09/02/2022</a:t>
+              <a:t>05/08/2024</a:t>
             </a:fld>
             <a:endParaRPr lang="pt-BR"/>
           </a:p>
@@ -6080,7 +6091,7 @@
           <a:p>
             <a:fld id="{957D5177-FEBC-BE45-ABC7-E7850195CA8B}" type="slidenum">
               <a:rPr lang="pt-BR" smtClean="0"/>
-              <a:t>‹nº›</a:t>
+              <a:t>‹#›</a:t>
             </a:fld>
             <a:endParaRPr lang="pt-BR"/>
           </a:p>
@@ -6156,7 +6167,7 @@
           <a:p>
             <a:fld id="{5F9344B4-9850-F84E-AF53-CD3E9423C711}" type="datetimeFigureOut">
               <a:rPr lang="pt-BR" smtClean="0"/>
-              <a:t>09/02/2022</a:t>
+              <a:t>05/08/2024</a:t>
             </a:fld>
             <a:endParaRPr lang="pt-BR"/>
           </a:p>
@@ -6198,7 +6209,7 @@
           <a:p>
             <a:fld id="{957D5177-FEBC-BE45-ABC7-E7850195CA8B}" type="slidenum">
               <a:rPr lang="pt-BR" smtClean="0"/>
-              <a:t>‹nº›</a:t>
+              <a:t>‹#›</a:t>
             </a:fld>
             <a:endParaRPr lang="pt-BR"/>
           </a:p>
@@ -6251,7 +6262,7 @@
           <a:p>
             <a:fld id="{5F9344B4-9850-F84E-AF53-CD3E9423C711}" type="datetimeFigureOut">
               <a:rPr lang="pt-BR" smtClean="0"/>
-              <a:t>09/02/2022</a:t>
+              <a:t>05/08/2024</a:t>
             </a:fld>
             <a:endParaRPr lang="pt-BR"/>
           </a:p>
@@ -6293,7 +6304,7 @@
           <a:p>
             <a:fld id="{957D5177-FEBC-BE45-ABC7-E7850195CA8B}" type="slidenum">
               <a:rPr lang="pt-BR" smtClean="0"/>
-              <a:t>‹nº›</a:t>
+              <a:t>‹#›</a:t>
             </a:fld>
             <a:endParaRPr lang="pt-BR"/>
           </a:p>
@@ -6528,7 +6539,7 @@
           <a:p>
             <a:fld id="{5F9344B4-9850-F84E-AF53-CD3E9423C711}" type="datetimeFigureOut">
               <a:rPr lang="pt-BR" smtClean="0"/>
-              <a:t>09/02/2022</a:t>
+              <a:t>05/08/2024</a:t>
             </a:fld>
             <a:endParaRPr lang="pt-BR"/>
           </a:p>
@@ -6570,7 +6581,7 @@
           <a:p>
             <a:fld id="{957D5177-FEBC-BE45-ABC7-E7850195CA8B}" type="slidenum">
               <a:rPr lang="pt-BR" smtClean="0"/>
-              <a:t>‹nº›</a:t>
+              <a:t>‹#›</a:t>
             </a:fld>
             <a:endParaRPr lang="pt-BR"/>
           </a:p>
@@ -6785,7 +6796,7 @@
           <a:p>
             <a:fld id="{5F9344B4-9850-F84E-AF53-CD3E9423C711}" type="datetimeFigureOut">
               <a:rPr lang="pt-BR" smtClean="0"/>
-              <a:t>09/02/2022</a:t>
+              <a:t>05/08/2024</a:t>
             </a:fld>
             <a:endParaRPr lang="pt-BR"/>
           </a:p>
@@ -6827,7 +6838,7 @@
           <a:p>
             <a:fld id="{957D5177-FEBC-BE45-ABC7-E7850195CA8B}" type="slidenum">
               <a:rPr lang="pt-BR" smtClean="0"/>
-              <a:t>‹nº›</a:t>
+              <a:t>‹#›</a:t>
             </a:fld>
             <a:endParaRPr lang="pt-BR"/>
           </a:p>
@@ -6998,7 +7009,7 @@
           <a:p>
             <a:fld id="{5F9344B4-9850-F84E-AF53-CD3E9423C711}" type="datetimeFigureOut">
               <a:rPr lang="pt-BR" smtClean="0"/>
-              <a:t>09/02/2022</a:t>
+              <a:t>05/08/2024</a:t>
             </a:fld>
             <a:endParaRPr lang="pt-BR"/>
           </a:p>
@@ -7076,7 +7087,7 @@
           <a:p>
             <a:fld id="{957D5177-FEBC-BE45-ABC7-E7850195CA8B}" type="slidenum">
               <a:rPr lang="pt-BR" smtClean="0"/>
-              <a:t>‹nº›</a:t>
+              <a:t>‹#›</a:t>
             </a:fld>
             <a:endParaRPr lang="pt-BR"/>
           </a:p>
@@ -7422,7 +7433,7 @@
           <p:cNvPr id="2" name="Título 1">
             <a:extLst>
               <a:ext uri="{FF2B5EF4-FFF2-40B4-BE49-F238E27FC236}">
-                <a16:creationId xmlns="" xmlns:a16="http://schemas.microsoft.com/office/drawing/2014/main" id="{0DFBF7E0-80B7-554A-B9CB-C075A8F357C4}"/>
+                <a16:creationId xmlns:a16="http://schemas.microsoft.com/office/drawing/2014/main" id="{0DFBF7E0-80B7-554A-B9CB-C075A8F357C4}"/>
               </a:ext>
             </a:extLst>
           </p:cNvPr>
@@ -7446,7 +7457,7 @@
           <a:lstStyle/>
           <a:p>
             <a:r>
-              <a:rPr lang="pt-BR" sz="4400" b="1" dirty="0" smtClean="0">
+              <a:rPr lang="pt-BR" sz="4400" b="1" dirty="0">
                 <a:solidFill>
                   <a:srgbClr val="ED8B00"/>
                 </a:solidFill>
@@ -7455,13 +7466,6 @@
               </a:rPr>
               <a:t>Programador Web</a:t>
             </a:r>
-            <a:endParaRPr lang="pt-BR" sz="4400" b="1" dirty="0">
-              <a:solidFill>
-                <a:srgbClr val="ED8B00"/>
-              </a:solidFill>
-              <a:latin typeface="+mn-lt"/>
-              <a:cs typeface="Calibri" panose="020F0502020204030204" pitchFamily="34" charset="0"/>
-            </a:endParaRPr>
           </a:p>
         </p:txBody>
       </p:sp>
@@ -7470,7 +7474,7 @@
           <p:cNvPr id="3" name="Subtítulo 2">
             <a:extLst>
               <a:ext uri="{FF2B5EF4-FFF2-40B4-BE49-F238E27FC236}">
-                <a16:creationId xmlns="" xmlns:a16="http://schemas.microsoft.com/office/drawing/2014/main" id="{97DB2D7A-5A1B-AA48-B60E-D084E6E3E84E}"/>
+                <a16:creationId xmlns:a16="http://schemas.microsoft.com/office/drawing/2014/main" id="{97DB2D7A-5A1B-AA48-B60E-D084E6E3E84E}"/>
               </a:ext>
             </a:extLst>
           </p:cNvPr>
@@ -7494,7 +7498,7 @@
           <a:lstStyle/>
           <a:p>
             <a:r>
-              <a:rPr lang="pt-BR" sz="2800" dirty="0" smtClean="0">
+              <a:rPr lang="pt-BR" sz="2800" dirty="0">
                 <a:solidFill>
                   <a:schemeClr val="bg1"/>
                 </a:solidFill>
@@ -7502,12 +7506,6 @@
               </a:rPr>
               <a:t>Professor: Gelvazio Camargo</a:t>
             </a:r>
-            <a:endParaRPr lang="pt-BR" sz="2800" dirty="0">
-              <a:solidFill>
-                <a:schemeClr val="bg1"/>
-              </a:solidFill>
-              <a:latin typeface="+mj-lt"/>
-            </a:endParaRPr>
           </a:p>
         </p:txBody>
       </p:sp>
@@ -7560,7 +7558,7 @@
           <p:cNvPr id="7" name="Título 1">
             <a:extLst>
               <a:ext uri="{FF2B5EF4-FFF2-40B4-BE49-F238E27FC236}">
-                <a16:creationId xmlns="" xmlns:a16="http://schemas.microsoft.com/office/drawing/2014/main" id="{489F5D36-DFC3-5141-9F8E-6FACABCF76D1}"/>
+                <a16:creationId xmlns:a16="http://schemas.microsoft.com/office/drawing/2014/main" id="{489F5D36-DFC3-5141-9F8E-6FACABCF76D1}"/>
               </a:ext>
             </a:extLst>
           </p:cNvPr>
@@ -7603,7 +7601,7 @@
           </a:lstStyle>
           <a:p>
             <a:r>
-              <a:rPr lang="pt-BR" b="1" dirty="0" smtClean="0">
+              <a:rPr lang="pt-BR" b="1" dirty="0">
                 <a:solidFill>
                   <a:schemeClr val="bg2">
                     <a:lumMod val="75000"/>
@@ -7614,15 +7612,6 @@
               </a:rPr>
               <a:t>Variáveis</a:t>
             </a:r>
-            <a:endParaRPr lang="pt-BR" b="1" dirty="0">
-              <a:solidFill>
-                <a:schemeClr val="bg2">
-                  <a:lumMod val="75000"/>
-                </a:schemeClr>
-              </a:solidFill>
-              <a:latin typeface="+mn-lt"/>
-              <a:cs typeface="Calibri" panose="020F0502020204030204" pitchFamily="34" charset="0"/>
-            </a:endParaRPr>
           </a:p>
         </p:txBody>
       </p:sp>
@@ -7647,24 +7636,23 @@
           <a:lstStyle/>
           <a:p>
             <a:r>
-              <a:rPr lang="pt-BR" dirty="0" smtClean="0"/>
+              <a:rPr lang="pt-BR" dirty="0"/>
               <a:t>Variável variável</a:t>
             </a:r>
           </a:p>
           <a:p>
             <a:pPr lvl="1"/>
             <a:r>
-              <a:rPr lang="pt-BR" dirty="0" smtClean="0"/>
+              <a:rPr lang="pt-BR" dirty="0"/>
               <a:t>Uma variável pode ser definida como nome de outra variável</a:t>
             </a:r>
           </a:p>
           <a:p>
             <a:pPr lvl="1"/>
             <a:r>
-              <a:rPr lang="pt-BR" dirty="0" smtClean="0"/>
+              <a:rPr lang="pt-BR" dirty="0"/>
               <a:t>Isto feito através da utilização de dois $$ seguidos</a:t>
             </a:r>
-            <a:endParaRPr lang="pt-BR" dirty="0"/>
           </a:p>
         </p:txBody>
       </p:sp>
@@ -7693,7 +7681,13 @@
                 <a:tableStyleId>{5C22544A-7EE6-4342-B048-85BDC9FD1C3A}</a:tableStyleId>
               </a:tblPr>
               <a:tblGrid>
-                <a:gridCol w="3929090"/>
+                <a:gridCol w="3929090">
+                  <a:extLst>
+                    <a:ext uri="{9D8B030D-6E8A-4147-A177-3AD203B41FA5}">
+                      <a16:colId xmlns:a16="http://schemas.microsoft.com/office/drawing/2014/main" val="20000"/>
+                    </a:ext>
+                  </a:extLst>
+                </a:gridCol>
               </a:tblGrid>
               <a:tr h="2214578">
                 <a:tc>
@@ -7702,61 +7696,61 @@
                     <a:lstStyle/>
                     <a:p>
                       <a:r>
-                        <a:rPr lang="pt-BR" dirty="0" smtClean="0"/>
+                        <a:rPr lang="pt-BR" dirty="0"/>
                         <a:t>&lt;?php</a:t>
                       </a:r>
                     </a:p>
                     <a:p>
                       <a:r>
-                        <a:rPr lang="pt-BR" dirty="0" smtClean="0"/>
+                        <a:rPr lang="pt-BR" dirty="0"/>
                         <a:t>    $a  = 'teste';</a:t>
                       </a:r>
                     </a:p>
                     <a:p>
                       <a:r>
-                        <a:rPr lang="pt-BR" dirty="0" smtClean="0"/>
+                        <a:rPr lang="pt-BR" dirty="0"/>
                         <a:t>    $$a = 'PHP‘;	</a:t>
                       </a:r>
                     </a:p>
                     <a:p>
                       <a:r>
-                        <a:rPr lang="pt-BR" dirty="0" smtClean="0"/>
+                        <a:rPr lang="pt-BR" dirty="0"/>
                         <a:t>    echo $$a;</a:t>
                       </a:r>
                     </a:p>
                     <a:p>
                       <a:r>
-                        <a:rPr lang="pt-BR" dirty="0" smtClean="0"/>
+                        <a:rPr lang="pt-BR" dirty="0"/>
                         <a:t>    echo $teste;</a:t>
                       </a:r>
                     </a:p>
                     <a:p>
                       <a:r>
-                        <a:rPr lang="pt-BR" dirty="0" smtClean="0"/>
+                        <a:rPr lang="pt-BR" dirty="0"/>
                         <a:t>	</a:t>
                       </a:r>
                     </a:p>
                     <a:p>
                       <a:r>
-                        <a:rPr lang="pt-BR" dirty="0" smtClean="0"/>
+                        <a:rPr lang="pt-BR" dirty="0"/>
                         <a:t>    //Equivalente a:</a:t>
                       </a:r>
                     </a:p>
                     <a:p>
                       <a:r>
-                        <a:rPr lang="pt-BR" dirty="0" smtClean="0"/>
+                        <a:rPr lang="pt-BR" dirty="0"/>
                         <a:t>    $a   = 'teste';</a:t>
                       </a:r>
                     </a:p>
                     <a:p>
                       <a:r>
-                        <a:rPr lang="pt-BR" dirty="0" smtClean="0"/>
+                        <a:rPr lang="pt-BR" dirty="0"/>
                         <a:t>    $teste = 'PHP';</a:t>
                       </a:r>
                     </a:p>
                     <a:p>
                       <a:r>
-                        <a:rPr lang="pt-BR" dirty="0" smtClean="0"/>
+                        <a:rPr lang="pt-BR" dirty="0"/>
                         <a:t>?&gt;</a:t>
                       </a:r>
                     </a:p>
@@ -7800,6 +7794,11 @@
                     </a:lnB>
                   </a:tcPr>
                 </a:tc>
+                <a:extLst>
+                  <a:ext uri="{0D108BD9-81ED-4DB2-BD59-A6C34878D82A}">
+                    <a16:rowId xmlns:a16="http://schemas.microsoft.com/office/drawing/2014/main" val="10000"/>
+                  </a:ext>
+                </a:extLst>
               </a:tr>
             </a:tbl>
           </a:graphicData>
@@ -7815,13 +7814,6 @@
   <p:clrMapOvr>
     <a:masterClrMapping/>
   </p:clrMapOvr>
-  <p:timing>
-    <p:tnLst>
-      <p:par>
-        <p:cTn id="1" dur="indefinite" restart="never" nodeType="tmRoot"/>
-      </p:par>
-    </p:tnLst>
-  </p:timing>
 </p:sld>
 </file>
 
@@ -7861,7 +7853,7 @@
           <p:cNvPr id="7" name="Título 1">
             <a:extLst>
               <a:ext uri="{FF2B5EF4-FFF2-40B4-BE49-F238E27FC236}">
-                <a16:creationId xmlns="" xmlns:a16="http://schemas.microsoft.com/office/drawing/2014/main" id="{489F5D36-DFC3-5141-9F8E-6FACABCF76D1}"/>
+                <a16:creationId xmlns:a16="http://schemas.microsoft.com/office/drawing/2014/main" id="{489F5D36-DFC3-5141-9F8E-6FACABCF76D1}"/>
               </a:ext>
             </a:extLst>
           </p:cNvPr>
@@ -7904,7 +7896,7 @@
           </a:lstStyle>
           <a:p>
             <a:r>
-              <a:rPr lang="pt-BR" b="1" dirty="0" smtClean="0">
+              <a:rPr lang="pt-BR" b="1" dirty="0">
                 <a:solidFill>
                   <a:schemeClr val="bg2">
                     <a:lumMod val="75000"/>
@@ -7915,15 +7907,6 @@
               </a:rPr>
               <a:t>Constantes</a:t>
             </a:r>
-            <a:endParaRPr lang="pt-BR" b="1" dirty="0">
-              <a:solidFill>
-                <a:schemeClr val="bg2">
-                  <a:lumMod val="75000"/>
-                </a:schemeClr>
-              </a:solidFill>
-              <a:latin typeface="+mn-lt"/>
-              <a:cs typeface="Calibri" panose="020F0502020204030204" pitchFamily="34" charset="0"/>
-            </a:endParaRPr>
           </a:p>
         </p:txBody>
       </p:sp>
@@ -7948,28 +7931,28 @@
           <a:lstStyle/>
           <a:p>
             <a:r>
-              <a:rPr lang="pt-BR" dirty="0" smtClean="0"/>
+              <a:rPr lang="pt-BR" dirty="0"/>
               <a:t>Para definir uma constante utiliza-se a função define(nome, valor);</a:t>
             </a:r>
           </a:p>
           <a:p>
             <a:pPr lvl="1"/>
             <a:r>
-              <a:rPr lang="pt-BR" dirty="0" smtClean="0"/>
+              <a:rPr lang="pt-BR" dirty="0"/>
               <a:t>Seu valor não poderá ser mais alterado</a:t>
             </a:r>
           </a:p>
           <a:p>
             <a:pPr lvl="1"/>
             <a:r>
-              <a:rPr lang="pt-BR" dirty="0" smtClean="0"/>
+              <a:rPr lang="pt-BR" dirty="0"/>
               <a:t>Somente aceita valores escalares</a:t>
             </a:r>
           </a:p>
           <a:p>
             <a:pPr lvl="2"/>
             <a:r>
-              <a:rPr lang="pt-BR" dirty="0" smtClean="0"/>
+              <a:rPr lang="pt-BR" dirty="0"/>
               <a:t>Não pode ser array, nem object</a:t>
             </a:r>
           </a:p>
@@ -8000,7 +7983,13 @@
                 <a:tableStyleId>{5C22544A-7EE6-4342-B048-85BDC9FD1C3A}</a:tableStyleId>
               </a:tblPr>
               <a:tblGrid>
-                <a:gridCol w="8215370"/>
+                <a:gridCol w="8215370">
+                  <a:extLst>
+                    <a:ext uri="{9D8B030D-6E8A-4147-A177-3AD203B41FA5}">
+                      <a16:colId xmlns:a16="http://schemas.microsoft.com/office/drawing/2014/main" val="20000"/>
+                    </a:ext>
+                  </a:extLst>
+                </a:gridCol>
               </a:tblGrid>
               <a:tr h="2286016">
                 <a:tc>
@@ -8009,38 +7998,42 @@
                     <a:lstStyle/>
                     <a:p>
                       <a:r>
-                        <a:rPr lang="pt-BR" sz="2800" dirty="0" smtClean="0"/>
+                        <a:rPr lang="pt-BR" sz="2800" dirty="0"/>
                         <a:t>&lt;?php</a:t>
                       </a:r>
                     </a:p>
                     <a:p>
                       <a:r>
-                        <a:rPr lang="pt-BR" sz="2800" dirty="0" smtClean="0"/>
+                        <a:rPr lang="pt-BR" sz="2800" dirty="0"/>
                         <a:t>    define('PI', 3.14);</a:t>
                       </a:r>
                     </a:p>
                     <a:p>
                       <a:r>
-                        <a:rPr lang="pt-BR" sz="2800" dirty="0" smtClean="0"/>
+                        <a:rPr lang="pt-BR" sz="2800" dirty="0"/>
                         <a:t>	</a:t>
                       </a:r>
                     </a:p>
                     <a:p>
                       <a:r>
-                        <a:rPr lang="pt-BR" sz="2800" dirty="0" smtClean="0"/>
+                        <a:rPr lang="pt-BR" sz="2800" dirty="0"/>
                         <a:t>    echo PI;</a:t>
                       </a:r>
                     </a:p>
                     <a:p>
                       <a:r>
-                        <a:rPr lang="pt-BR" sz="2800" dirty="0" smtClean="0"/>
+                        <a:rPr lang="pt-BR" sz="2800" dirty="0"/>
                         <a:t>?&gt;</a:t>
                       </a:r>
-                      <a:endParaRPr lang="pt-BR" sz="2800" dirty="0"/>
                     </a:p>
                   </a:txBody>
                   <a:tcPr/>
                 </a:tc>
+                <a:extLst>
+                  <a:ext uri="{0D108BD9-81ED-4DB2-BD59-A6C34878D82A}">
+                    <a16:rowId xmlns:a16="http://schemas.microsoft.com/office/drawing/2014/main" val="10000"/>
+                  </a:ext>
+                </a:extLst>
               </a:tr>
             </a:tbl>
           </a:graphicData>
@@ -8056,13 +8049,6 @@
   <p:clrMapOvr>
     <a:masterClrMapping/>
   </p:clrMapOvr>
-  <p:timing>
-    <p:tnLst>
-      <p:par>
-        <p:cTn id="1" dur="indefinite" restart="never" nodeType="tmRoot"/>
-      </p:par>
-    </p:tnLst>
-  </p:timing>
 </p:sld>
 </file>
 
@@ -8102,7 +8088,7 @@
           <p:cNvPr id="7" name="Título 1">
             <a:extLst>
               <a:ext uri="{FF2B5EF4-FFF2-40B4-BE49-F238E27FC236}">
-                <a16:creationId xmlns="" xmlns:a16="http://schemas.microsoft.com/office/drawing/2014/main" id="{489F5D36-DFC3-5141-9F8E-6FACABCF76D1}"/>
+                <a16:creationId xmlns:a16="http://schemas.microsoft.com/office/drawing/2014/main" id="{489F5D36-DFC3-5141-9F8E-6FACABCF76D1}"/>
               </a:ext>
             </a:extLst>
           </p:cNvPr>
@@ -8145,7 +8131,7 @@
           </a:lstStyle>
           <a:p>
             <a:r>
-              <a:rPr lang="pt-BR" b="1" dirty="0" smtClean="0">
+              <a:rPr lang="pt-BR" b="1" dirty="0">
                 <a:solidFill>
                   <a:schemeClr val="bg2">
                     <a:lumMod val="75000"/>
@@ -8156,15 +8142,6 @@
               </a:rPr>
               <a:t>Variáveis pré definidas</a:t>
             </a:r>
-            <a:endParaRPr lang="pt-BR" b="1" dirty="0">
-              <a:solidFill>
-                <a:schemeClr val="bg2">
-                  <a:lumMod val="75000"/>
-                </a:schemeClr>
-              </a:solidFill>
-              <a:latin typeface="+mn-lt"/>
-              <a:cs typeface="Calibri" panose="020F0502020204030204" pitchFamily="34" charset="0"/>
-            </a:endParaRPr>
           </a:p>
         </p:txBody>
       </p:sp>
@@ -8191,62 +8168,61 @@
           <a:lstStyle/>
           <a:p>
             <a:r>
-              <a:rPr lang="pt-BR" dirty="0" smtClean="0"/>
+              <a:rPr lang="pt-BR" dirty="0"/>
               <a:t>PHP oferece um grande número de variáveis</a:t>
             </a:r>
           </a:p>
           <a:p>
             <a:pPr lvl="1"/>
             <a:r>
-              <a:rPr lang="pt-BR" dirty="0" smtClean="0"/>
+              <a:rPr lang="pt-BR" dirty="0"/>
               <a:t>Estão disponíveis em qualquer escopo</a:t>
             </a:r>
           </a:p>
           <a:p>
             <a:pPr lvl="1"/>
             <a:r>
-              <a:rPr lang="pt-BR" dirty="0" smtClean="0"/>
+              <a:rPr lang="pt-BR" dirty="0"/>
               <a:t>Contém informações sobre o cliente</a:t>
             </a:r>
           </a:p>
           <a:p>
             <a:pPr lvl="1"/>
             <a:r>
-              <a:rPr lang="pt-BR" dirty="0" smtClean="0"/>
+              <a:rPr lang="pt-BR" dirty="0"/>
               <a:t>Contém informações sobre o servidor</a:t>
             </a:r>
           </a:p>
           <a:p>
             <a:pPr lvl="1"/>
             <a:r>
-              <a:rPr lang="pt-BR" dirty="0" smtClean="0"/>
+              <a:rPr lang="pt-BR" dirty="0"/>
               <a:t>Variáveis nativas</a:t>
             </a:r>
           </a:p>
           <a:p>
             <a:pPr lvl="1"/>
             <a:r>
-              <a:rPr lang="pt-BR" dirty="0" smtClean="0"/>
+              <a:rPr lang="pt-BR" dirty="0"/>
               <a:t>Última mensagem de erro</a:t>
             </a:r>
           </a:p>
           <a:p>
             <a:pPr lvl="1"/>
-            <a:endParaRPr lang="pt-BR" dirty="0" smtClean="0"/>
-          </a:p>
-          <a:p>
-            <a:r>
-              <a:rPr lang="pt-BR" dirty="0" smtClean="0"/>
+            <a:endParaRPr lang="pt-BR" dirty="0"/>
+          </a:p>
+          <a:p>
+            <a:r>
+              <a:rPr lang="pt-BR" dirty="0"/>
               <a:t>$GLOBALS</a:t>
             </a:r>
           </a:p>
           <a:p>
             <a:pPr lvl="1"/>
             <a:r>
-              <a:rPr lang="pt-BR" dirty="0" smtClean="0"/>
+              <a:rPr lang="pt-BR" dirty="0"/>
               <a:t>Referência a todas as variáveis disponíveis no escopo global</a:t>
             </a:r>
-            <a:endParaRPr lang="pt-BR" dirty="0"/>
           </a:p>
         </p:txBody>
       </p:sp>
@@ -8260,13 +8236,6 @@
   <p:clrMapOvr>
     <a:masterClrMapping/>
   </p:clrMapOvr>
-  <p:timing>
-    <p:tnLst>
-      <p:par>
-        <p:cTn id="1" dur="indefinite" restart="never" nodeType="tmRoot"/>
-      </p:par>
-    </p:tnLst>
-  </p:timing>
 </p:sld>
 </file>
 
@@ -8306,7 +8275,7 @@
           <p:cNvPr id="7" name="Título 1">
             <a:extLst>
               <a:ext uri="{FF2B5EF4-FFF2-40B4-BE49-F238E27FC236}">
-                <a16:creationId xmlns="" xmlns:a16="http://schemas.microsoft.com/office/drawing/2014/main" id="{489F5D36-DFC3-5141-9F8E-6FACABCF76D1}"/>
+                <a16:creationId xmlns:a16="http://schemas.microsoft.com/office/drawing/2014/main" id="{489F5D36-DFC3-5141-9F8E-6FACABCF76D1}"/>
               </a:ext>
             </a:extLst>
           </p:cNvPr>
@@ -8349,7 +8318,7 @@
           </a:lstStyle>
           <a:p>
             <a:r>
-              <a:rPr lang="pt-BR" b="1" dirty="0" smtClean="0">
+              <a:rPr lang="pt-BR" b="1" dirty="0">
                 <a:solidFill>
                   <a:schemeClr val="bg2">
                     <a:lumMod val="75000"/>
@@ -8360,15 +8329,6 @@
               </a:rPr>
               <a:t>Variáveis pré definidas</a:t>
             </a:r>
-            <a:endParaRPr lang="pt-BR" b="1" dirty="0">
-              <a:solidFill>
-                <a:schemeClr val="bg2">
-                  <a:lumMod val="75000"/>
-                </a:schemeClr>
-              </a:solidFill>
-              <a:latin typeface="+mn-lt"/>
-              <a:cs typeface="Calibri" panose="020F0502020204030204" pitchFamily="34" charset="0"/>
-            </a:endParaRPr>
           </a:p>
         </p:txBody>
       </p:sp>
@@ -8395,61 +8355,61 @@
           <a:lstStyle/>
           <a:p>
             <a:r>
-              <a:rPr lang="pt-BR" dirty="0" smtClean="0"/>
+              <a:rPr lang="pt-BR" dirty="0"/>
               <a:t>$_SERVER</a:t>
             </a:r>
           </a:p>
           <a:p>
             <a:pPr lvl="1"/>
             <a:r>
-              <a:rPr lang="pt-BR" dirty="0" smtClean="0"/>
+              <a:rPr lang="pt-BR" dirty="0"/>
               <a:t>Informações sobre o servidor e o ambiente</a:t>
             </a:r>
           </a:p>
           <a:p>
             <a:pPr lvl="2"/>
             <a:r>
-              <a:rPr lang="pt-BR" dirty="0" smtClean="0"/>
+              <a:rPr lang="pt-BR" dirty="0"/>
               <a:t>Cabeçalhos</a:t>
             </a:r>
           </a:p>
           <a:p>
             <a:pPr lvl="2"/>
             <a:r>
-              <a:rPr lang="pt-BR" dirty="0" smtClean="0"/>
+              <a:rPr lang="pt-BR" dirty="0"/>
               <a:t>Paths</a:t>
             </a:r>
           </a:p>
           <a:p>
             <a:pPr lvl="2"/>
             <a:r>
-              <a:rPr lang="pt-BR" dirty="0" smtClean="0"/>
+              <a:rPr lang="pt-BR" dirty="0"/>
               <a:t>Localizações do script</a:t>
             </a:r>
           </a:p>
           <a:p>
             <a:r>
-              <a:rPr lang="pt-BR" dirty="0" smtClean="0"/>
+              <a:rPr lang="pt-BR" dirty="0"/>
               <a:t>$_GET</a:t>
             </a:r>
           </a:p>
           <a:p>
             <a:pPr lvl="1"/>
             <a:r>
-              <a:rPr lang="pt-BR" dirty="0" smtClean="0"/>
+              <a:rPr lang="pt-BR" dirty="0"/>
               <a:t>Dados da requisição enviados via HTTP GET</a:t>
             </a:r>
           </a:p>
           <a:p>
             <a:r>
-              <a:rPr lang="pt-BR" dirty="0" smtClean="0"/>
+              <a:rPr lang="pt-BR" dirty="0"/>
               <a:t>$_POST</a:t>
             </a:r>
           </a:p>
           <a:p>
             <a:pPr lvl="1"/>
             <a:r>
-              <a:rPr lang="pt-BR" dirty="0" smtClean="0"/>
+              <a:rPr lang="pt-BR" dirty="0"/>
               <a:t>Dados da requisição enviados via HTTP POST</a:t>
             </a:r>
           </a:p>
@@ -8468,13 +8428,6 @@
   <p:clrMapOvr>
     <a:masterClrMapping/>
   </p:clrMapOvr>
-  <p:timing>
-    <p:tnLst>
-      <p:par>
-        <p:cTn id="1" dur="indefinite" restart="never" nodeType="tmRoot"/>
-      </p:par>
-    </p:tnLst>
-  </p:timing>
 </p:sld>
 </file>
 
@@ -8514,7 +8467,7 @@
           <p:cNvPr id="7" name="Título 1">
             <a:extLst>
               <a:ext uri="{FF2B5EF4-FFF2-40B4-BE49-F238E27FC236}">
-                <a16:creationId xmlns="" xmlns:a16="http://schemas.microsoft.com/office/drawing/2014/main" id="{489F5D36-DFC3-5141-9F8E-6FACABCF76D1}"/>
+                <a16:creationId xmlns:a16="http://schemas.microsoft.com/office/drawing/2014/main" id="{489F5D36-DFC3-5141-9F8E-6FACABCF76D1}"/>
               </a:ext>
             </a:extLst>
           </p:cNvPr>
@@ -8557,7 +8510,7 @@
           </a:lstStyle>
           <a:p>
             <a:r>
-              <a:rPr lang="pt-BR" b="1" dirty="0" smtClean="0">
+              <a:rPr lang="pt-BR" b="1" dirty="0">
                 <a:solidFill>
                   <a:schemeClr val="bg2">
                     <a:lumMod val="75000"/>
@@ -8568,15 +8521,6 @@
               </a:rPr>
               <a:t>Variáveis pré definidas</a:t>
             </a:r>
-            <a:endParaRPr lang="pt-BR" b="1" dirty="0">
-              <a:solidFill>
-                <a:schemeClr val="bg2">
-                  <a:lumMod val="75000"/>
-                </a:schemeClr>
-              </a:solidFill>
-              <a:latin typeface="+mn-lt"/>
-              <a:cs typeface="Calibri" panose="020F0502020204030204" pitchFamily="34" charset="0"/>
-            </a:endParaRPr>
           </a:p>
         </p:txBody>
       </p:sp>
@@ -8601,56 +8545,55 @@
           <a:lstStyle/>
           <a:p>
             <a:r>
-              <a:rPr lang="pt-BR" dirty="0" smtClean="0"/>
+              <a:rPr lang="pt-BR" dirty="0"/>
               <a:t>$_FILES</a:t>
             </a:r>
           </a:p>
           <a:p>
             <a:pPr lvl="1"/>
             <a:r>
-              <a:rPr lang="pt-BR" dirty="0" smtClean="0"/>
+              <a:rPr lang="pt-BR" dirty="0"/>
               <a:t>Dados dos arquivos enviados via Upload</a:t>
             </a:r>
           </a:p>
           <a:p>
             <a:r>
-              <a:rPr lang="pt-BR" dirty="0" smtClean="0"/>
+              <a:rPr lang="pt-BR" dirty="0"/>
               <a:t>$_REQUEST</a:t>
             </a:r>
           </a:p>
           <a:p>
             <a:pPr lvl="1"/>
             <a:r>
-              <a:rPr lang="pt-BR" dirty="0" smtClean="0"/>
+              <a:rPr lang="pt-BR" dirty="0"/>
               <a:t>Dados da requisição</a:t>
             </a:r>
           </a:p>
           <a:p>
             <a:r>
-              <a:rPr lang="pt-BR" dirty="0" smtClean="0"/>
+              <a:rPr lang="pt-BR" dirty="0"/>
               <a:t>$_SESSION</a:t>
             </a:r>
           </a:p>
           <a:p>
             <a:pPr lvl="1"/>
             <a:r>
-              <a:rPr lang="pt-BR" dirty="0" smtClean="0"/>
+              <a:rPr lang="pt-BR" dirty="0"/>
               <a:t>Variáveis da sessão</a:t>
             </a:r>
           </a:p>
           <a:p>
             <a:r>
-              <a:rPr lang="pt-BR" dirty="0" smtClean="0"/>
+              <a:rPr lang="pt-BR" dirty="0"/>
               <a:t>$_ENV</a:t>
             </a:r>
           </a:p>
           <a:p>
             <a:pPr lvl="1"/>
             <a:r>
-              <a:rPr lang="pt-BR" dirty="0" smtClean="0"/>
+              <a:rPr lang="pt-BR" dirty="0"/>
               <a:t>Variáveis de ambiente</a:t>
             </a:r>
-            <a:endParaRPr lang="pt-BR" dirty="0"/>
           </a:p>
         </p:txBody>
       </p:sp>
@@ -8664,13 +8607,6 @@
   <p:clrMapOvr>
     <a:masterClrMapping/>
   </p:clrMapOvr>
-  <p:timing>
-    <p:tnLst>
-      <p:par>
-        <p:cTn id="1" dur="indefinite" restart="never" nodeType="tmRoot"/>
-      </p:par>
-    </p:tnLst>
-  </p:timing>
 </p:sld>
 </file>
 
@@ -8710,7 +8646,7 @@
           <p:cNvPr id="7" name="Título 1">
             <a:extLst>
               <a:ext uri="{FF2B5EF4-FFF2-40B4-BE49-F238E27FC236}">
-                <a16:creationId xmlns="" xmlns:a16="http://schemas.microsoft.com/office/drawing/2014/main" id="{489F5D36-DFC3-5141-9F8E-6FACABCF76D1}"/>
+                <a16:creationId xmlns:a16="http://schemas.microsoft.com/office/drawing/2014/main" id="{489F5D36-DFC3-5141-9F8E-6FACABCF76D1}"/>
               </a:ext>
             </a:extLst>
           </p:cNvPr>
@@ -8753,7 +8689,7 @@
           </a:lstStyle>
           <a:p>
             <a:r>
-              <a:rPr lang="pt-BR" b="1" dirty="0" smtClean="0">
+              <a:rPr lang="pt-BR" b="1" dirty="0">
                 <a:solidFill>
                   <a:schemeClr val="bg2">
                     <a:lumMod val="75000"/>
@@ -8764,15 +8700,6 @@
               </a:rPr>
               <a:t>Variáveis pré definidas</a:t>
             </a:r>
-            <a:endParaRPr lang="pt-BR" b="1" dirty="0">
-              <a:solidFill>
-                <a:schemeClr val="bg2">
-                  <a:lumMod val="75000"/>
-                </a:schemeClr>
-              </a:solidFill>
-              <a:latin typeface="+mn-lt"/>
-              <a:cs typeface="Calibri" panose="020F0502020204030204" pitchFamily="34" charset="0"/>
-            </a:endParaRPr>
           </a:p>
         </p:txBody>
       </p:sp>
@@ -8797,58 +8724,58 @@
           <a:lstStyle/>
           <a:p>
             <a:r>
-              <a:rPr lang="pt-BR" dirty="0" smtClean="0"/>
+              <a:rPr lang="pt-BR" dirty="0"/>
               <a:t>$_COOKIE</a:t>
             </a:r>
           </a:p>
           <a:p>
             <a:pPr lvl="1"/>
             <a:r>
-              <a:rPr lang="pt-BR" dirty="0" smtClean="0"/>
+              <a:rPr lang="pt-BR" dirty="0"/>
               <a:t>Dados armazenados nos cookies</a:t>
             </a:r>
           </a:p>
           <a:p>
             <a:r>
-              <a:rPr lang="pt-BR" dirty="0" smtClean="0"/>
+              <a:rPr lang="pt-BR" dirty="0"/>
               <a:t>$php_errormsg</a:t>
             </a:r>
           </a:p>
           <a:p>
             <a:pPr lvl="1"/>
             <a:r>
-              <a:rPr lang="pt-BR" dirty="0" smtClean="0"/>
+              <a:rPr lang="pt-BR" dirty="0"/>
               <a:t>Última mensagem de erro ocorrida</a:t>
             </a:r>
           </a:p>
           <a:p>
             <a:r>
-              <a:rPr lang="pt-BR" dirty="0" smtClean="0"/>
+              <a:rPr lang="pt-BR" dirty="0"/>
               <a:t>$HTTP_RAW_POST_DATA </a:t>
             </a:r>
           </a:p>
           <a:p>
             <a:pPr lvl="1"/>
             <a:r>
-              <a:rPr lang="pt-BR" dirty="0" smtClean="0"/>
+              <a:rPr lang="pt-BR" dirty="0"/>
               <a:t>Informações de POST não tratadas</a:t>
             </a:r>
           </a:p>
           <a:p>
             <a:r>
-              <a:rPr lang="pt-BR" dirty="0" smtClean="0"/>
+              <a:rPr lang="pt-BR" dirty="0"/>
               <a:t>$http_response_header </a:t>
             </a:r>
           </a:p>
           <a:p>
             <a:pPr lvl="1"/>
             <a:r>
-              <a:rPr lang="pt-BR" dirty="0" smtClean="0"/>
+              <a:rPr lang="pt-BR" dirty="0"/>
               <a:t>Cabeçalhos de resposta HTTP</a:t>
             </a:r>
           </a:p>
           <a:p>
-            <a:endParaRPr lang="pt-BR" dirty="0" smtClean="0"/>
+            <a:endParaRPr lang="pt-BR" dirty="0"/>
           </a:p>
           <a:p>
             <a:endParaRPr lang="pt-BR" dirty="0"/>
@@ -8865,13 +8792,6 @@
   <p:clrMapOvr>
     <a:masterClrMapping/>
   </p:clrMapOvr>
-  <p:timing>
-    <p:tnLst>
-      <p:par>
-        <p:cTn id="1" dur="indefinite" restart="never" nodeType="tmRoot"/>
-      </p:par>
-    </p:tnLst>
-  </p:timing>
 </p:sld>
 </file>
 
@@ -8911,7 +8831,7 @@
           <p:cNvPr id="7" name="Título 1">
             <a:extLst>
               <a:ext uri="{FF2B5EF4-FFF2-40B4-BE49-F238E27FC236}">
-                <a16:creationId xmlns="" xmlns:a16="http://schemas.microsoft.com/office/drawing/2014/main" id="{489F5D36-DFC3-5141-9F8E-6FACABCF76D1}"/>
+                <a16:creationId xmlns:a16="http://schemas.microsoft.com/office/drawing/2014/main" id="{489F5D36-DFC3-5141-9F8E-6FACABCF76D1}"/>
               </a:ext>
             </a:extLst>
           </p:cNvPr>
@@ -8954,7 +8874,7 @@
           </a:lstStyle>
           <a:p>
             <a:r>
-              <a:rPr lang="pt-BR" b="1" dirty="0" smtClean="0">
+              <a:rPr lang="pt-BR" b="1" dirty="0">
                 <a:solidFill>
                   <a:schemeClr val="bg2">
                     <a:lumMod val="75000"/>
@@ -8965,15 +8885,6 @@
               </a:rPr>
               <a:t>Variáveis pré definidas</a:t>
             </a:r>
-            <a:endParaRPr lang="pt-BR" b="1" dirty="0">
-              <a:solidFill>
-                <a:schemeClr val="bg2">
-                  <a:lumMod val="75000"/>
-                </a:schemeClr>
-              </a:solidFill>
-              <a:latin typeface="+mn-lt"/>
-              <a:cs typeface="Calibri" panose="020F0502020204030204" pitchFamily="34" charset="0"/>
-            </a:endParaRPr>
           </a:p>
         </p:txBody>
       </p:sp>
@@ -8998,34 +8909,33 @@
           <a:lstStyle/>
           <a:p>
             <a:r>
-              <a:rPr lang="pt-BR" dirty="0" smtClean="0"/>
+              <a:rPr lang="pt-BR" dirty="0"/>
               <a:t>$argc </a:t>
             </a:r>
           </a:p>
           <a:p>
             <a:pPr lvl="1"/>
             <a:r>
-              <a:rPr lang="pt-BR" dirty="0" smtClean="0"/>
+              <a:rPr lang="pt-BR" dirty="0"/>
               <a:t>O número de argumentos passados para o script</a:t>
             </a:r>
           </a:p>
           <a:p>
             <a:pPr lvl="1"/>
-            <a:endParaRPr lang="pt-BR" dirty="0" smtClean="0"/>
-          </a:p>
-          <a:p>
-            <a:r>
-              <a:rPr lang="pt-BR" dirty="0" smtClean="0"/>
+            <a:endParaRPr lang="pt-BR" dirty="0"/>
+          </a:p>
+          <a:p>
+            <a:r>
+              <a:rPr lang="pt-BR" dirty="0"/>
               <a:t>$argv </a:t>
             </a:r>
           </a:p>
           <a:p>
             <a:pPr lvl="1"/>
             <a:r>
-              <a:rPr lang="pt-BR" dirty="0" smtClean="0"/>
+              <a:rPr lang="pt-BR" dirty="0"/>
               <a:t>Array de argumentos passados para o script</a:t>
             </a:r>
-            <a:endParaRPr lang="pt-BR" dirty="0"/>
           </a:p>
         </p:txBody>
       </p:sp>
@@ -9039,13 +8949,6 @@
   <p:clrMapOvr>
     <a:masterClrMapping/>
   </p:clrMapOvr>
-  <p:timing>
-    <p:tnLst>
-      <p:par>
-        <p:cTn id="1" dur="indefinite" restart="never" nodeType="tmRoot"/>
-      </p:par>
-    </p:tnLst>
-  </p:timing>
 </p:sld>
 </file>
 
@@ -9085,7 +8988,7 @@
           <p:cNvPr id="7" name="Título 1">
             <a:extLst>
               <a:ext uri="{FF2B5EF4-FFF2-40B4-BE49-F238E27FC236}">
-                <a16:creationId xmlns="" xmlns:a16="http://schemas.microsoft.com/office/drawing/2014/main" id="{489F5D36-DFC3-5141-9F8E-6FACABCF76D1}"/>
+                <a16:creationId xmlns:a16="http://schemas.microsoft.com/office/drawing/2014/main" id="{489F5D36-DFC3-5141-9F8E-6FACABCF76D1}"/>
               </a:ext>
             </a:extLst>
           </p:cNvPr>
@@ -9128,7 +9031,7 @@
           </a:lstStyle>
           <a:p>
             <a:r>
-              <a:rPr lang="pt-BR" b="1" dirty="0" smtClean="0">
+              <a:rPr lang="pt-BR" b="1" dirty="0">
                 <a:solidFill>
                   <a:schemeClr val="bg2">
                     <a:lumMod val="75000"/>
@@ -9139,15 +9042,6 @@
               </a:rPr>
               <a:t>Operadores</a:t>
             </a:r>
-            <a:endParaRPr lang="pt-BR" b="1" dirty="0">
-              <a:solidFill>
-                <a:schemeClr val="bg2">
-                  <a:lumMod val="75000"/>
-                </a:schemeClr>
-              </a:solidFill>
-              <a:latin typeface="+mn-lt"/>
-              <a:cs typeface="Calibri" panose="020F0502020204030204" pitchFamily="34" charset="0"/>
-            </a:endParaRPr>
           </a:p>
         </p:txBody>
       </p:sp>
@@ -9172,29 +9066,29 @@
           <a:lstStyle/>
           <a:p>
             <a:r>
-              <a:rPr lang="pt-BR" dirty="0" smtClean="0"/>
+              <a:rPr lang="pt-BR" dirty="0"/>
               <a:t>Aritméticos</a:t>
             </a:r>
           </a:p>
           <a:p>
             <a:pPr lvl="1"/>
             <a:r>
-              <a:rPr lang="pt-BR" dirty="0" smtClean="0"/>
+              <a:rPr lang="pt-BR" dirty="0"/>
               <a:t>Utilizados para operações matemáticas</a:t>
             </a:r>
           </a:p>
           <a:p>
             <a:pPr lvl="1"/>
             <a:r>
-              <a:rPr lang="pt-BR" dirty="0" smtClean="0"/>
+              <a:rPr lang="pt-BR" dirty="0"/>
               <a:t>Caso um operando não for int ou </a:t>
             </a:r>
             <a:r>
-              <a:rPr lang="pt-BR" dirty="0" err="1" smtClean="0"/>
+              <a:rPr lang="pt-BR" dirty="0" err="1"/>
               <a:t>float</a:t>
             </a:r>
             <a:r>
-              <a:rPr lang="pt-BR" dirty="0" smtClean="0"/>
+              <a:rPr lang="pt-BR" dirty="0"/>
               <a:t> ele será convertido</a:t>
             </a:r>
           </a:p>
@@ -9229,8 +9123,20 @@
                 <a:tableStyleId>{5C22544A-7EE6-4342-B048-85BDC9FD1C3A}</a:tableStyleId>
               </a:tblPr>
               <a:tblGrid>
-                <a:gridCol w="1428760"/>
-                <a:gridCol w="6429420"/>
+                <a:gridCol w="1428760">
+                  <a:extLst>
+                    <a:ext uri="{9D8B030D-6E8A-4147-A177-3AD203B41FA5}">
+                      <a16:colId xmlns:a16="http://schemas.microsoft.com/office/drawing/2014/main" val="20000"/>
+                    </a:ext>
+                  </a:extLst>
+                </a:gridCol>
+                <a:gridCol w="6429420">
+                  <a:extLst>
+                    <a:ext uri="{9D8B030D-6E8A-4147-A177-3AD203B41FA5}">
+                      <a16:colId xmlns:a16="http://schemas.microsoft.com/office/drawing/2014/main" val="20001"/>
+                    </a:ext>
+                  </a:extLst>
+                </a:gridCol>
               </a:tblGrid>
               <a:tr h="285752">
                 <a:tc>
@@ -9239,10 +9145,9 @@
                     <a:lstStyle/>
                     <a:p>
                       <a:r>
-                        <a:rPr lang="pt-BR" dirty="0" smtClean="0"/>
+                        <a:rPr lang="pt-BR" dirty="0"/>
                         <a:t>Operador</a:t>
                       </a:r>
-                      <a:endParaRPr lang="pt-BR" dirty="0"/>
                     </a:p>
                   </a:txBody>
                   <a:tcPr>
@@ -9298,10 +9203,9 @@
                     <a:lstStyle/>
                     <a:p>
                       <a:r>
-                        <a:rPr lang="pt-BR" dirty="0" smtClean="0"/>
+                        <a:rPr lang="pt-BR" dirty="0"/>
                         <a:t>Função</a:t>
                       </a:r>
-                      <a:endParaRPr lang="pt-BR" dirty="0"/>
                     </a:p>
                   </a:txBody>
                   <a:tcPr>
@@ -9351,6 +9255,11 @@
                     </a:lnBlToTr>
                   </a:tcPr>
                 </a:tc>
+                <a:extLst>
+                  <a:ext uri="{0D108BD9-81ED-4DB2-BD59-A6C34878D82A}">
+                    <a16:rowId xmlns:a16="http://schemas.microsoft.com/office/drawing/2014/main" val="10000"/>
+                  </a:ext>
+                </a:extLst>
               </a:tr>
               <a:tr h="285752">
                 <a:tc>
@@ -9359,10 +9268,9 @@
                     <a:lstStyle/>
                     <a:p>
                       <a:r>
-                        <a:rPr lang="pt-BR" dirty="0" smtClean="0"/>
+                        <a:rPr lang="pt-BR" dirty="0"/>
                         <a:t>+</a:t>
                       </a:r>
-                      <a:endParaRPr lang="pt-BR" dirty="0"/>
                     </a:p>
                   </a:txBody>
                   <a:tcPr>
@@ -9418,10 +9326,9 @@
                     <a:lstStyle/>
                     <a:p>
                       <a:r>
-                        <a:rPr lang="pt-BR" dirty="0" smtClean="0"/>
+                        <a:rPr lang="pt-BR" dirty="0"/>
                         <a:t>Adição</a:t>
                       </a:r>
-                      <a:endParaRPr lang="pt-BR" dirty="0"/>
                     </a:p>
                   </a:txBody>
                   <a:tcPr>
@@ -9471,6 +9378,11 @@
                     </a:lnBlToTr>
                   </a:tcPr>
                 </a:tc>
+                <a:extLst>
+                  <a:ext uri="{0D108BD9-81ED-4DB2-BD59-A6C34878D82A}">
+                    <a16:rowId xmlns:a16="http://schemas.microsoft.com/office/drawing/2014/main" val="10001"/>
+                  </a:ext>
+                </a:extLst>
               </a:tr>
               <a:tr h="285752">
                 <a:tc>
@@ -9479,10 +9391,9 @@
                     <a:lstStyle/>
                     <a:p>
                       <a:r>
-                        <a:rPr lang="pt-BR" dirty="0" smtClean="0"/>
+                        <a:rPr lang="pt-BR" dirty="0"/>
                         <a:t>-</a:t>
                       </a:r>
-                      <a:endParaRPr lang="pt-BR" dirty="0"/>
                     </a:p>
                   </a:txBody>
                   <a:tcPr>
@@ -9538,10 +9449,9 @@
                     <a:lstStyle/>
                     <a:p>
                       <a:r>
-                        <a:rPr lang="pt-BR" dirty="0" smtClean="0"/>
+                        <a:rPr lang="pt-BR" dirty="0"/>
                         <a:t>Subtração</a:t>
                       </a:r>
-                      <a:endParaRPr lang="pt-BR" dirty="0"/>
                     </a:p>
                   </a:txBody>
                   <a:tcPr>
@@ -9591,6 +9501,11 @@
                     </a:lnBlToTr>
                   </a:tcPr>
                 </a:tc>
+                <a:extLst>
+                  <a:ext uri="{0D108BD9-81ED-4DB2-BD59-A6C34878D82A}">
+                    <a16:rowId xmlns:a16="http://schemas.microsoft.com/office/drawing/2014/main" val="10002"/>
+                  </a:ext>
+                </a:extLst>
               </a:tr>
               <a:tr h="285752">
                 <a:tc>
@@ -9599,10 +9514,9 @@
                     <a:lstStyle/>
                     <a:p>
                       <a:r>
-                        <a:rPr lang="pt-BR" dirty="0" smtClean="0"/>
+                        <a:rPr lang="pt-BR" dirty="0"/>
                         <a:t>*</a:t>
                       </a:r>
-                      <a:endParaRPr lang="pt-BR" dirty="0"/>
                     </a:p>
                   </a:txBody>
                   <a:tcPr>
@@ -9658,10 +9572,9 @@
                     <a:lstStyle/>
                     <a:p>
                       <a:r>
-                        <a:rPr lang="pt-BR" dirty="0" smtClean="0"/>
+                        <a:rPr lang="pt-BR" dirty="0"/>
                         <a:t>Multiplicação</a:t>
                       </a:r>
-                      <a:endParaRPr lang="pt-BR" dirty="0"/>
                     </a:p>
                   </a:txBody>
                   <a:tcPr>
@@ -9711,6 +9624,11 @@
                     </a:lnBlToTr>
                   </a:tcPr>
                 </a:tc>
+                <a:extLst>
+                  <a:ext uri="{0D108BD9-81ED-4DB2-BD59-A6C34878D82A}">
+                    <a16:rowId xmlns:a16="http://schemas.microsoft.com/office/drawing/2014/main" val="10003"/>
+                  </a:ext>
+                </a:extLst>
               </a:tr>
               <a:tr h="285752">
                 <a:tc>
@@ -9719,10 +9637,9 @@
                     <a:lstStyle/>
                     <a:p>
                       <a:r>
-                        <a:rPr lang="pt-BR" dirty="0" smtClean="0"/>
+                        <a:rPr lang="pt-BR" dirty="0"/>
                         <a:t>/</a:t>
                       </a:r>
-                      <a:endParaRPr lang="pt-BR" dirty="0"/>
                     </a:p>
                   </a:txBody>
                   <a:tcPr>
@@ -9778,10 +9695,9 @@
                     <a:lstStyle/>
                     <a:p>
                       <a:r>
-                        <a:rPr lang="pt-BR" dirty="0" smtClean="0"/>
+                        <a:rPr lang="pt-BR" dirty="0"/>
                         <a:t>Divisão</a:t>
                       </a:r>
-                      <a:endParaRPr lang="pt-BR" dirty="0"/>
                     </a:p>
                   </a:txBody>
                   <a:tcPr>
@@ -9831,6 +9747,11 @@
                     </a:lnBlToTr>
                   </a:tcPr>
                 </a:tc>
+                <a:extLst>
+                  <a:ext uri="{0D108BD9-81ED-4DB2-BD59-A6C34878D82A}">
+                    <a16:rowId xmlns:a16="http://schemas.microsoft.com/office/drawing/2014/main" val="10004"/>
+                  </a:ext>
+                </a:extLst>
               </a:tr>
               <a:tr h="285752">
                 <a:tc>
@@ -9839,10 +9760,9 @@
                     <a:lstStyle/>
                     <a:p>
                       <a:r>
-                        <a:rPr lang="pt-BR" dirty="0" smtClean="0"/>
+                        <a:rPr lang="pt-BR" dirty="0"/>
                         <a:t>%</a:t>
                       </a:r>
-                      <a:endParaRPr lang="pt-BR" dirty="0"/>
                     </a:p>
                   </a:txBody>
                   <a:tcPr>
@@ -9898,10 +9818,9 @@
                     <a:lstStyle/>
                     <a:p>
                       <a:r>
-                        <a:rPr lang="pt-BR" dirty="0" smtClean="0"/>
+                        <a:rPr lang="pt-BR" dirty="0"/>
                         <a:t>Módulo</a:t>
                       </a:r>
-                      <a:endParaRPr lang="pt-BR" dirty="0"/>
                     </a:p>
                   </a:txBody>
                   <a:tcPr>
@@ -9951,6 +9870,11 @@
                     </a:lnBlToTr>
                   </a:tcPr>
                 </a:tc>
+                <a:extLst>
+                  <a:ext uri="{0D108BD9-81ED-4DB2-BD59-A6C34878D82A}">
+                    <a16:rowId xmlns:a16="http://schemas.microsoft.com/office/drawing/2014/main" val="10005"/>
+                  </a:ext>
+                </a:extLst>
               </a:tr>
             </a:tbl>
           </a:graphicData>
@@ -9966,13 +9890,6 @@
   <p:clrMapOvr>
     <a:masterClrMapping/>
   </p:clrMapOvr>
-  <p:timing>
-    <p:tnLst>
-      <p:par>
-        <p:cTn id="1" dur="indefinite" restart="never" nodeType="tmRoot"/>
-      </p:par>
-    </p:tnLst>
-  </p:timing>
 </p:sld>
 </file>
 
@@ -10012,7 +9929,7 @@
           <p:cNvPr id="7" name="Título 1">
             <a:extLst>
               <a:ext uri="{FF2B5EF4-FFF2-40B4-BE49-F238E27FC236}">
-                <a16:creationId xmlns="" xmlns:a16="http://schemas.microsoft.com/office/drawing/2014/main" id="{489F5D36-DFC3-5141-9F8E-6FACABCF76D1}"/>
+                <a16:creationId xmlns:a16="http://schemas.microsoft.com/office/drawing/2014/main" id="{489F5D36-DFC3-5141-9F8E-6FACABCF76D1}"/>
               </a:ext>
             </a:extLst>
           </p:cNvPr>
@@ -10055,7 +9972,7 @@
           </a:lstStyle>
           <a:p>
             <a:r>
-              <a:rPr lang="pt-BR" b="1" dirty="0" smtClean="0">
+              <a:rPr lang="pt-BR" b="1" dirty="0">
                 <a:solidFill>
                   <a:schemeClr val="bg2">
                     <a:lumMod val="75000"/>
@@ -10066,15 +9983,6 @@
               </a:rPr>
               <a:t>Operadores</a:t>
             </a:r>
-            <a:endParaRPr lang="pt-BR" b="1" dirty="0">
-              <a:solidFill>
-                <a:schemeClr val="bg2">
-                  <a:lumMod val="75000"/>
-                </a:schemeClr>
-              </a:solidFill>
-              <a:latin typeface="+mn-lt"/>
-              <a:cs typeface="Calibri" panose="020F0502020204030204" pitchFamily="34" charset="0"/>
-            </a:endParaRPr>
           </a:p>
         </p:txBody>
       </p:sp>
@@ -10099,14 +10007,14 @@
           <a:lstStyle/>
           <a:p>
             <a:r>
-              <a:rPr lang="pt-BR" dirty="0" smtClean="0"/>
+              <a:rPr lang="pt-BR" dirty="0"/>
               <a:t>De Strings</a:t>
             </a:r>
           </a:p>
           <a:p>
             <a:pPr lvl="1"/>
             <a:r>
-              <a:rPr lang="pt-BR" dirty="0" smtClean="0"/>
+              <a:rPr lang="pt-BR" dirty="0"/>
               <a:t>Existe somente um operador para string:</a:t>
             </a:r>
           </a:p>
@@ -10143,8 +10051,20 @@
                 <a:tableStyleId>{5C22544A-7EE6-4342-B048-85BDC9FD1C3A}</a:tableStyleId>
               </a:tblPr>
               <a:tblGrid>
-                <a:gridCol w="1470367"/>
-                <a:gridCol w="6690174"/>
+                <a:gridCol w="1470367">
+                  <a:extLst>
+                    <a:ext uri="{9D8B030D-6E8A-4147-A177-3AD203B41FA5}">
+                      <a16:colId xmlns:a16="http://schemas.microsoft.com/office/drawing/2014/main" val="20000"/>
+                    </a:ext>
+                  </a:extLst>
+                </a:gridCol>
+                <a:gridCol w="6690174">
+                  <a:extLst>
+                    <a:ext uri="{9D8B030D-6E8A-4147-A177-3AD203B41FA5}">
+                      <a16:colId xmlns:a16="http://schemas.microsoft.com/office/drawing/2014/main" val="20001"/>
+                    </a:ext>
+                  </a:extLst>
+                </a:gridCol>
               </a:tblGrid>
               <a:tr h="392909">
                 <a:tc>
@@ -10153,10 +10073,9 @@
                     <a:lstStyle/>
                     <a:p>
                       <a:r>
-                        <a:rPr lang="pt-BR" dirty="0" smtClean="0"/>
+                        <a:rPr lang="pt-BR" dirty="0"/>
                         <a:t>Operador</a:t>
                       </a:r>
-                      <a:endParaRPr lang="pt-BR" dirty="0"/>
                     </a:p>
                   </a:txBody>
                   <a:tcPr>
@@ -10204,10 +10123,9 @@
                     <a:lstStyle/>
                     <a:p>
                       <a:r>
-                        <a:rPr lang="pt-BR" dirty="0" smtClean="0"/>
+                        <a:rPr lang="pt-BR" dirty="0"/>
                         <a:t>Função</a:t>
                       </a:r>
-                      <a:endParaRPr lang="pt-BR" dirty="0"/>
                     </a:p>
                   </a:txBody>
                   <a:tcPr>
@@ -10249,6 +10167,11 @@
                     </a:lnB>
                   </a:tcPr>
                 </a:tc>
+                <a:extLst>
+                  <a:ext uri="{0D108BD9-81ED-4DB2-BD59-A6C34878D82A}">
+                    <a16:rowId xmlns:a16="http://schemas.microsoft.com/office/drawing/2014/main" val="10000"/>
+                  </a:ext>
+                </a:extLst>
               </a:tr>
               <a:tr h="392909">
                 <a:tc>
@@ -10257,10 +10180,9 @@
                     <a:lstStyle/>
                     <a:p>
                       <a:r>
-                        <a:rPr lang="pt-BR" dirty="0" smtClean="0"/>
+                        <a:rPr lang="pt-BR" dirty="0"/>
                         <a:t>.</a:t>
                       </a:r>
-                      <a:endParaRPr lang="pt-BR" dirty="0"/>
                     </a:p>
                   </a:txBody>
                   <a:tcPr>
@@ -10308,10 +10230,9 @@
                     <a:lstStyle/>
                     <a:p>
                       <a:r>
-                        <a:rPr lang="pt-BR" dirty="0" smtClean="0"/>
+                        <a:rPr lang="pt-BR" dirty="0"/>
                         <a:t>Concatenação</a:t>
                       </a:r>
-                      <a:endParaRPr lang="pt-BR" dirty="0"/>
                     </a:p>
                   </a:txBody>
                   <a:tcPr>
@@ -10353,6 +10274,11 @@
                     </a:lnB>
                   </a:tcPr>
                 </a:tc>
+                <a:extLst>
+                  <a:ext uri="{0D108BD9-81ED-4DB2-BD59-A6C34878D82A}">
+                    <a16:rowId xmlns:a16="http://schemas.microsoft.com/office/drawing/2014/main" val="10001"/>
+                  </a:ext>
+                </a:extLst>
               </a:tr>
             </a:tbl>
           </a:graphicData>
@@ -10383,7 +10309,13 @@
                 <a:tableStyleId>{5C22544A-7EE6-4342-B048-85BDC9FD1C3A}</a:tableStyleId>
               </a:tblPr>
               <a:tblGrid>
-                <a:gridCol w="8160541"/>
+                <a:gridCol w="8160541">
+                  <a:extLst>
+                    <a:ext uri="{9D8B030D-6E8A-4147-A177-3AD203B41FA5}">
+                      <a16:colId xmlns:a16="http://schemas.microsoft.com/office/drawing/2014/main" val="20000"/>
+                    </a:ext>
+                  </a:extLst>
+                </a:gridCol>
               </a:tblGrid>
               <a:tr h="2795064">
                 <a:tc>
@@ -10392,50 +10324,54 @@
                     <a:lstStyle/>
                     <a:p>
                       <a:r>
-                        <a:rPr lang="pt-BR" sz="2400" dirty="0" smtClean="0"/>
+                        <a:rPr lang="pt-BR" sz="2400" dirty="0"/>
                         <a:t>&lt;?php</a:t>
                       </a:r>
                     </a:p>
                     <a:p>
                       <a:r>
-                        <a:rPr lang="pt-BR" sz="2400" dirty="0" smtClean="0"/>
+                        <a:rPr lang="pt-BR" sz="2400" dirty="0"/>
                         <a:t>    $nome 	   = 'Nome';</a:t>
                       </a:r>
                     </a:p>
                     <a:p>
                       <a:r>
-                        <a:rPr lang="pt-BR" sz="2400" dirty="0" smtClean="0"/>
+                        <a:rPr lang="pt-BR" sz="2400" dirty="0"/>
                         <a:t>    $sobreNome = 'Sobrenome';</a:t>
                       </a:r>
                     </a:p>
                     <a:p>
                       <a:r>
-                        <a:rPr lang="pt-BR" sz="2400" dirty="0" smtClean="0"/>
+                        <a:rPr lang="pt-BR" sz="2400" dirty="0"/>
                         <a:t>	</a:t>
                       </a:r>
                     </a:p>
                     <a:p>
                       <a:r>
-                        <a:rPr lang="pt-BR" sz="2400" dirty="0" smtClean="0"/>
+                        <a:rPr lang="pt-BR" sz="2400" dirty="0"/>
                         <a:t>    echo $nome.' '.$sobreNome;</a:t>
                       </a:r>
                     </a:p>
                     <a:p>
                       <a:r>
-                        <a:rPr lang="pt-BR" sz="2400" dirty="0" smtClean="0"/>
+                        <a:rPr lang="pt-BR" sz="2400" dirty="0"/>
                         <a:t>    //Nome Sobrenome</a:t>
                       </a:r>
                     </a:p>
                     <a:p>
                       <a:r>
-                        <a:rPr lang="pt-BR" sz="2400" dirty="0" smtClean="0"/>
+                        <a:rPr lang="pt-BR" sz="2400" dirty="0"/>
                         <a:t>?&gt;</a:t>
                       </a:r>
-                      <a:endParaRPr lang="pt-BR" sz="2400" dirty="0"/>
                     </a:p>
                   </a:txBody>
                   <a:tcPr/>
                 </a:tc>
+                <a:extLst>
+                  <a:ext uri="{0D108BD9-81ED-4DB2-BD59-A6C34878D82A}">
+                    <a16:rowId xmlns:a16="http://schemas.microsoft.com/office/drawing/2014/main" val="10000"/>
+                  </a:ext>
+                </a:extLst>
               </a:tr>
             </a:tbl>
           </a:graphicData>
@@ -10451,13 +10387,6 @@
   <p:clrMapOvr>
     <a:masterClrMapping/>
   </p:clrMapOvr>
-  <p:timing>
-    <p:tnLst>
-      <p:par>
-        <p:cTn id="1" dur="indefinite" restart="never" nodeType="tmRoot"/>
-      </p:par>
-    </p:tnLst>
-  </p:timing>
 </p:sld>
 </file>
 
@@ -10497,7 +10426,7 @@
           <p:cNvPr id="7" name="Título 1">
             <a:extLst>
               <a:ext uri="{FF2B5EF4-FFF2-40B4-BE49-F238E27FC236}">
-                <a16:creationId xmlns="" xmlns:a16="http://schemas.microsoft.com/office/drawing/2014/main" id="{489F5D36-DFC3-5141-9F8E-6FACABCF76D1}"/>
+                <a16:creationId xmlns:a16="http://schemas.microsoft.com/office/drawing/2014/main" id="{489F5D36-DFC3-5141-9F8E-6FACABCF76D1}"/>
               </a:ext>
             </a:extLst>
           </p:cNvPr>
@@ -10540,7 +10469,7 @@
           </a:lstStyle>
           <a:p>
             <a:r>
-              <a:rPr lang="pt-BR" b="1" dirty="0" smtClean="0">
+              <a:rPr lang="pt-BR" b="1" dirty="0">
                 <a:solidFill>
                   <a:schemeClr val="bg2">
                     <a:lumMod val="75000"/>
@@ -10551,15 +10480,6 @@
               </a:rPr>
               <a:t>Operadores</a:t>
             </a:r>
-            <a:endParaRPr lang="pt-BR" b="1" dirty="0">
-              <a:solidFill>
-                <a:schemeClr val="bg2">
-                  <a:lumMod val="75000"/>
-                </a:schemeClr>
-              </a:solidFill>
-              <a:latin typeface="+mn-lt"/>
-              <a:cs typeface="Calibri" panose="020F0502020204030204" pitchFamily="34" charset="0"/>
-            </a:endParaRPr>
           </a:p>
         </p:txBody>
       </p:sp>
@@ -10584,24 +10504,23 @@
           <a:lstStyle/>
           <a:p>
             <a:r>
-              <a:rPr lang="pt-BR" dirty="0" smtClean="0"/>
+              <a:rPr lang="pt-BR" dirty="0"/>
               <a:t>Atribuição</a:t>
             </a:r>
           </a:p>
           <a:p>
             <a:pPr lvl="1"/>
             <a:r>
-              <a:rPr lang="pt-BR" dirty="0" smtClean="0"/>
+              <a:rPr lang="pt-BR" dirty="0"/>
               <a:t>Retornam o valor atribuído</a:t>
             </a:r>
           </a:p>
           <a:p>
             <a:pPr lvl="1"/>
             <a:r>
-              <a:rPr lang="pt-BR" dirty="0" smtClean="0"/>
+              <a:rPr lang="pt-BR" dirty="0"/>
               <a:t>Em operadores com operador aritmético é feito a operação entre os dois e atribuído ao primeiro</a:t>
             </a:r>
-            <a:endParaRPr lang="pt-BR" dirty="0"/>
           </a:p>
         </p:txBody>
       </p:sp>
@@ -10630,9 +10549,27 @@
                 <a:tableStyleId>{5C22544A-7EE6-4342-B048-85BDC9FD1C3A}</a:tableStyleId>
               </a:tblPr>
               <a:tblGrid>
-                <a:gridCol w="1042169"/>
-                <a:gridCol w="2670559"/>
-                <a:gridCol w="4429190"/>
+                <a:gridCol w="1042169">
+                  <a:extLst>
+                    <a:ext uri="{9D8B030D-6E8A-4147-A177-3AD203B41FA5}">
+                      <a16:colId xmlns:a16="http://schemas.microsoft.com/office/drawing/2014/main" val="20000"/>
+                    </a:ext>
+                  </a:extLst>
+                </a:gridCol>
+                <a:gridCol w="2670559">
+                  <a:extLst>
+                    <a:ext uri="{9D8B030D-6E8A-4147-A177-3AD203B41FA5}">
+                      <a16:colId xmlns:a16="http://schemas.microsoft.com/office/drawing/2014/main" val="20001"/>
+                    </a:ext>
+                  </a:extLst>
+                </a:gridCol>
+                <a:gridCol w="4429190">
+                  <a:extLst>
+                    <a:ext uri="{9D8B030D-6E8A-4147-A177-3AD203B41FA5}">
+                      <a16:colId xmlns:a16="http://schemas.microsoft.com/office/drawing/2014/main" val="20002"/>
+                    </a:ext>
+                  </a:extLst>
+                </a:gridCol>
               </a:tblGrid>
               <a:tr h="370840">
                 <a:tc>
@@ -10641,10 +10578,9 @@
                     <a:lstStyle/>
                     <a:p>
                       <a:r>
-                        <a:rPr lang="pt-BR" sz="1600" dirty="0" smtClean="0"/>
+                        <a:rPr lang="pt-BR" sz="1600" dirty="0"/>
                         <a:t>Operador</a:t>
                       </a:r>
-                      <a:endParaRPr lang="pt-BR" sz="1600" dirty="0"/>
                     </a:p>
                   </a:txBody>
                   <a:tcPr>
@@ -10692,10 +10628,9 @@
                     <a:lstStyle/>
                     <a:p>
                       <a:r>
-                        <a:rPr lang="pt-BR" sz="1600" dirty="0" smtClean="0"/>
+                        <a:rPr lang="pt-BR" sz="1600" dirty="0"/>
                         <a:t>Função</a:t>
                       </a:r>
-                      <a:endParaRPr lang="pt-BR" sz="1600" dirty="0"/>
                     </a:p>
                   </a:txBody>
                   <a:tcPr>
@@ -10743,10 +10678,9 @@
                     <a:lstStyle/>
                     <a:p>
                       <a:r>
-                        <a:rPr lang="pt-BR" sz="1600" dirty="0" smtClean="0"/>
+                        <a:rPr lang="pt-BR" sz="1600" dirty="0"/>
                         <a:t>Exemplo</a:t>
                       </a:r>
-                      <a:endParaRPr lang="pt-BR" sz="1600" dirty="0"/>
                     </a:p>
                   </a:txBody>
                   <a:tcPr>
@@ -10788,6 +10722,11 @@
                     </a:lnB>
                   </a:tcPr>
                 </a:tc>
+                <a:extLst>
+                  <a:ext uri="{0D108BD9-81ED-4DB2-BD59-A6C34878D82A}">
+                    <a16:rowId xmlns:a16="http://schemas.microsoft.com/office/drawing/2014/main" val="10000"/>
+                  </a:ext>
+                </a:extLst>
               </a:tr>
               <a:tr h="370840">
                 <a:tc>
@@ -10796,10 +10735,9 @@
                     <a:lstStyle/>
                     <a:p>
                       <a:r>
-                        <a:rPr lang="pt-BR" sz="1600" dirty="0" smtClean="0"/>
+                        <a:rPr lang="pt-BR" sz="1600" dirty="0"/>
                         <a:t>=</a:t>
                       </a:r>
-                      <a:endParaRPr lang="pt-BR" sz="1600" dirty="0"/>
                     </a:p>
                   </a:txBody>
                   <a:tcPr>
@@ -10847,10 +10785,9 @@
                     <a:lstStyle/>
                     <a:p>
                       <a:r>
-                        <a:rPr lang="pt-BR" sz="1600" dirty="0" smtClean="0"/>
+                        <a:rPr lang="pt-BR" sz="1600" dirty="0"/>
                         <a:t>Atribuição Simples</a:t>
                       </a:r>
-                      <a:endParaRPr lang="pt-BR" sz="1600" dirty="0"/>
                     </a:p>
                   </a:txBody>
                   <a:tcPr>
@@ -10898,11 +10835,11 @@
                     <a:lstStyle/>
                     <a:p>
                       <a:r>
-                        <a:rPr lang="pt-BR" sz="1600" dirty="0" smtClean="0"/>
+                        <a:rPr lang="pt-BR" sz="1600" dirty="0"/>
                         <a:t>$valor =</a:t>
                       </a:r>
                       <a:r>
-                        <a:rPr lang="pt-BR" sz="1600" baseline="0" dirty="0" smtClean="0"/>
+                        <a:rPr lang="pt-BR" sz="1600" baseline="0" dirty="0"/>
                         <a:t> 1;</a:t>
                       </a:r>
                       <a:endParaRPr lang="pt-BR" sz="1600" dirty="0"/>
@@ -10947,6 +10884,11 @@
                     </a:lnB>
                   </a:tcPr>
                 </a:tc>
+                <a:extLst>
+                  <a:ext uri="{0D108BD9-81ED-4DB2-BD59-A6C34878D82A}">
+                    <a16:rowId xmlns:a16="http://schemas.microsoft.com/office/drawing/2014/main" val="10001"/>
+                  </a:ext>
+                </a:extLst>
               </a:tr>
               <a:tr h="370840">
                 <a:tc>
@@ -10955,10 +10897,9 @@
                     <a:lstStyle/>
                     <a:p>
                       <a:r>
-                        <a:rPr lang="pt-BR" sz="1600" dirty="0" smtClean="0"/>
+                        <a:rPr lang="pt-BR" sz="1600" dirty="0"/>
                         <a:t>+=</a:t>
                       </a:r>
-                      <a:endParaRPr lang="pt-BR" sz="1600" dirty="0"/>
                     </a:p>
                   </a:txBody>
                   <a:tcPr>
@@ -11006,11 +10947,11 @@
                     <a:lstStyle/>
                     <a:p>
                       <a:r>
-                        <a:rPr lang="pt-BR" sz="1600" dirty="0" smtClean="0"/>
+                        <a:rPr lang="pt-BR" sz="1600" dirty="0"/>
                         <a:t>Atribuição com</a:t>
                       </a:r>
                       <a:r>
-                        <a:rPr lang="pt-BR" sz="1600" baseline="0" dirty="0" smtClean="0"/>
+                        <a:rPr lang="pt-BR" sz="1600" baseline="0" dirty="0"/>
                         <a:t> Adição</a:t>
                       </a:r>
                       <a:endParaRPr lang="pt-BR" sz="1600" dirty="0"/>
@@ -11061,11 +11002,11 @@
                     <a:lstStyle/>
                     <a:p>
                       <a:r>
-                        <a:rPr lang="pt-BR" sz="1600" dirty="0" smtClean="0"/>
+                        <a:rPr lang="pt-BR" sz="1600" dirty="0"/>
                         <a:t>$valor +=</a:t>
                       </a:r>
                       <a:r>
-                        <a:rPr lang="pt-BR" sz="1600" baseline="0" dirty="0" smtClean="0"/>
+                        <a:rPr lang="pt-BR" sz="1600" baseline="0" dirty="0"/>
                         <a:t> 1; //Soma 1 a variável $valor</a:t>
                       </a:r>
                       <a:endParaRPr lang="pt-BR" sz="1600" dirty="0"/>
@@ -11110,6 +11051,11 @@
                     </a:lnB>
                   </a:tcPr>
                 </a:tc>
+                <a:extLst>
+                  <a:ext uri="{0D108BD9-81ED-4DB2-BD59-A6C34878D82A}">
+                    <a16:rowId xmlns:a16="http://schemas.microsoft.com/office/drawing/2014/main" val="10002"/>
+                  </a:ext>
+                </a:extLst>
               </a:tr>
               <a:tr h="370840">
                 <a:tc>
@@ -11118,10 +11064,9 @@
                     <a:lstStyle/>
                     <a:p>
                       <a:r>
-                        <a:rPr lang="pt-BR" sz="1600" dirty="0" smtClean="0"/>
+                        <a:rPr lang="pt-BR" sz="1600" dirty="0"/>
                         <a:t>-=</a:t>
                       </a:r>
-                      <a:endParaRPr lang="pt-BR" sz="1600" dirty="0"/>
                     </a:p>
                   </a:txBody>
                   <a:tcPr>
@@ -11169,10 +11114,9 @@
                     <a:lstStyle/>
                     <a:p>
                       <a:r>
-                        <a:rPr lang="pt-BR" sz="1600" dirty="0" smtClean="0"/>
+                        <a:rPr lang="pt-BR" sz="1600" dirty="0"/>
                         <a:t>Atribuição com Subtração</a:t>
                       </a:r>
-                      <a:endParaRPr lang="pt-BR" sz="1600" dirty="0"/>
                     </a:p>
                   </a:txBody>
                   <a:tcPr>
@@ -11237,11 +11181,11 @@
                         <a:defRPr/>
                       </a:pPr>
                       <a:r>
-                        <a:rPr lang="pt-BR" sz="1600" dirty="0" smtClean="0"/>
+                        <a:rPr lang="pt-BR" sz="1600" dirty="0"/>
                         <a:t>$valor -=</a:t>
                       </a:r>
                       <a:r>
-                        <a:rPr lang="pt-BR" sz="1600" baseline="0" dirty="0" smtClean="0"/>
+                        <a:rPr lang="pt-BR" sz="1600" baseline="0" dirty="0"/>
                         <a:t> 1; //Subtrai 1 a variável $valor</a:t>
                       </a:r>
                       <a:endParaRPr lang="pt-BR" sz="1600" dirty="0"/>
@@ -11286,6 +11230,11 @@
                     </a:lnB>
                   </a:tcPr>
                 </a:tc>
+                <a:extLst>
+                  <a:ext uri="{0D108BD9-81ED-4DB2-BD59-A6C34878D82A}">
+                    <a16:rowId xmlns:a16="http://schemas.microsoft.com/office/drawing/2014/main" val="10003"/>
+                  </a:ext>
+                </a:extLst>
               </a:tr>
               <a:tr h="370840">
                 <a:tc>
@@ -11294,10 +11243,9 @@
                     <a:lstStyle/>
                     <a:p>
                       <a:r>
-                        <a:rPr lang="pt-BR" sz="1600" dirty="0" smtClean="0"/>
+                        <a:rPr lang="pt-BR" sz="1600" dirty="0"/>
                         <a:t>*=</a:t>
                       </a:r>
-                      <a:endParaRPr lang="pt-BR" sz="1600" dirty="0"/>
                     </a:p>
                   </a:txBody>
                   <a:tcPr>
@@ -11345,10 +11293,9 @@
                     <a:lstStyle/>
                     <a:p>
                       <a:r>
-                        <a:rPr lang="pt-BR" sz="1600" dirty="0" smtClean="0"/>
+                        <a:rPr lang="pt-BR" sz="1600" dirty="0"/>
                         <a:t>Atribuição com multiplicação</a:t>
                       </a:r>
-                      <a:endParaRPr lang="pt-BR" sz="1600" dirty="0"/>
                     </a:p>
                   </a:txBody>
                   <a:tcPr>
@@ -11396,11 +11343,11 @@
                     <a:lstStyle/>
                     <a:p>
                       <a:r>
-                        <a:rPr lang="pt-BR" sz="1600" dirty="0" smtClean="0"/>
+                        <a:rPr lang="pt-BR" sz="1600" dirty="0"/>
                         <a:t>$valor *=</a:t>
                       </a:r>
                       <a:r>
-                        <a:rPr lang="pt-BR" sz="1600" baseline="0" dirty="0" smtClean="0"/>
+                        <a:rPr lang="pt-BR" sz="1600" baseline="0" dirty="0"/>
                         <a:t> 2; //Multiplica 2 a variável $valor</a:t>
                       </a:r>
                       <a:endParaRPr lang="pt-BR" sz="1600" dirty="0"/>
@@ -11445,6 +11392,11 @@
                     </a:lnB>
                   </a:tcPr>
                 </a:tc>
+                <a:extLst>
+                  <a:ext uri="{0D108BD9-81ED-4DB2-BD59-A6C34878D82A}">
+                    <a16:rowId xmlns:a16="http://schemas.microsoft.com/office/drawing/2014/main" val="10004"/>
+                  </a:ext>
+                </a:extLst>
               </a:tr>
               <a:tr h="370840">
                 <a:tc>
@@ -11453,10 +11405,9 @@
                     <a:lstStyle/>
                     <a:p>
                       <a:r>
-                        <a:rPr lang="pt-BR" sz="1600" dirty="0" smtClean="0"/>
+                        <a:rPr lang="pt-BR" sz="1600" dirty="0"/>
                         <a:t>/=</a:t>
                       </a:r>
-                      <a:endParaRPr lang="pt-BR" sz="1600" dirty="0"/>
                     </a:p>
                   </a:txBody>
                   <a:tcPr>
@@ -11504,10 +11455,9 @@
                     <a:lstStyle/>
                     <a:p>
                       <a:r>
-                        <a:rPr lang="pt-BR" sz="1600" dirty="0" smtClean="0"/>
+                        <a:rPr lang="pt-BR" sz="1600" dirty="0"/>
                         <a:t>Atribuição com divisão</a:t>
                       </a:r>
-                      <a:endParaRPr lang="pt-BR" sz="1600" dirty="0"/>
                     </a:p>
                   </a:txBody>
                   <a:tcPr>
@@ -11555,11 +11505,11 @@
                     <a:lstStyle/>
                     <a:p>
                       <a:r>
-                        <a:rPr lang="pt-BR" sz="1600" dirty="0" smtClean="0"/>
+                        <a:rPr lang="pt-BR" sz="1600" dirty="0"/>
                         <a:t>$valor /=</a:t>
                       </a:r>
                       <a:r>
-                        <a:rPr lang="pt-BR" sz="1600" baseline="0" dirty="0" smtClean="0"/>
+                        <a:rPr lang="pt-BR" sz="1600" baseline="0" dirty="0"/>
                         <a:t> 2; //Divide por 2 a variável $valor</a:t>
                       </a:r>
                       <a:endParaRPr lang="pt-BR" sz="1600" dirty="0"/>
@@ -11604,6 +11554,11 @@
                     </a:lnB>
                   </a:tcPr>
                 </a:tc>
+                <a:extLst>
+                  <a:ext uri="{0D108BD9-81ED-4DB2-BD59-A6C34878D82A}">
+                    <a16:rowId xmlns:a16="http://schemas.microsoft.com/office/drawing/2014/main" val="10005"/>
+                  </a:ext>
+                </a:extLst>
               </a:tr>
               <a:tr h="370840">
                 <a:tc>
@@ -11612,10 +11567,9 @@
                     <a:lstStyle/>
                     <a:p>
                       <a:r>
-                        <a:rPr lang="pt-BR" sz="1600" dirty="0" smtClean="0"/>
+                        <a:rPr lang="pt-BR" sz="1600" dirty="0"/>
                         <a:t>%=</a:t>
                       </a:r>
-                      <a:endParaRPr lang="pt-BR" sz="1600" dirty="0"/>
                     </a:p>
                   </a:txBody>
                   <a:tcPr>
@@ -11663,10 +11617,9 @@
                     <a:lstStyle/>
                     <a:p>
                       <a:r>
-                        <a:rPr lang="pt-BR" sz="1600" dirty="0" smtClean="0"/>
+                        <a:rPr lang="pt-BR" sz="1600" dirty="0"/>
                         <a:t>Atribuição com módulo</a:t>
                       </a:r>
-                      <a:endParaRPr lang="pt-BR" sz="1600" dirty="0"/>
                     </a:p>
                   </a:txBody>
                   <a:tcPr>
@@ -11714,11 +11667,11 @@
                     <a:lstStyle/>
                     <a:p>
                       <a:r>
-                        <a:rPr lang="pt-BR" sz="1600" dirty="0" smtClean="0"/>
+                        <a:rPr lang="pt-BR" sz="1600" dirty="0"/>
                         <a:t>$valor %=</a:t>
                       </a:r>
                       <a:r>
-                        <a:rPr lang="pt-BR" sz="1600" baseline="0" dirty="0" smtClean="0"/>
+                        <a:rPr lang="pt-BR" sz="1600" baseline="0" dirty="0"/>
                         <a:t> 2; //Divide por 2 $valor e atribui o resto</a:t>
                       </a:r>
                       <a:endParaRPr lang="pt-BR" sz="1600" dirty="0"/>
@@ -11763,6 +11716,11 @@
                     </a:lnB>
                   </a:tcPr>
                 </a:tc>
+                <a:extLst>
+                  <a:ext uri="{0D108BD9-81ED-4DB2-BD59-A6C34878D82A}">
+                    <a16:rowId xmlns:a16="http://schemas.microsoft.com/office/drawing/2014/main" val="10006"/>
+                  </a:ext>
+                </a:extLst>
               </a:tr>
               <a:tr h="370840">
                 <a:tc>
@@ -11771,10 +11729,9 @@
                     <a:lstStyle/>
                     <a:p>
                       <a:r>
-                        <a:rPr lang="pt-BR" sz="1600" dirty="0" smtClean="0"/>
+                        <a:rPr lang="pt-BR" sz="1600" dirty="0"/>
                         <a:t>.=</a:t>
                       </a:r>
-                      <a:endParaRPr lang="pt-BR" sz="1600" dirty="0"/>
                     </a:p>
                   </a:txBody>
                   <a:tcPr>
@@ -11822,10 +11779,9 @@
                     <a:lstStyle/>
                     <a:p>
                       <a:r>
-                        <a:rPr lang="pt-BR" sz="1600" dirty="0" smtClean="0"/>
+                        <a:rPr lang="pt-BR" sz="1600" dirty="0"/>
                         <a:t>Atribuição com concatenação</a:t>
                       </a:r>
-                      <a:endParaRPr lang="pt-BR" sz="1600" dirty="0"/>
                     </a:p>
                   </a:txBody>
                   <a:tcPr>
@@ -11873,11 +11829,11 @@
                     <a:lstStyle/>
                     <a:p>
                       <a:r>
-                        <a:rPr lang="pt-BR" sz="1600" dirty="0" smtClean="0"/>
+                        <a:rPr lang="pt-BR" sz="1600" dirty="0"/>
                         <a:t>$valor .=</a:t>
                       </a:r>
                       <a:r>
-                        <a:rPr lang="pt-BR" sz="1600" baseline="0" dirty="0" smtClean="0"/>
+                        <a:rPr lang="pt-BR" sz="1600" baseline="0" dirty="0"/>
                         <a:t> ‘Texto’; //Concatena ‘Texto’ a $valor</a:t>
                       </a:r>
                       <a:endParaRPr lang="pt-BR" sz="1600" dirty="0"/>
@@ -11922,6 +11878,11 @@
                     </a:lnB>
                   </a:tcPr>
                 </a:tc>
+                <a:extLst>
+                  <a:ext uri="{0D108BD9-81ED-4DB2-BD59-A6C34878D82A}">
+                    <a16:rowId xmlns:a16="http://schemas.microsoft.com/office/drawing/2014/main" val="10007"/>
+                  </a:ext>
+                </a:extLst>
               </a:tr>
             </a:tbl>
           </a:graphicData>
@@ -11937,13 +11898,6 @@
   <p:clrMapOvr>
     <a:masterClrMapping/>
   </p:clrMapOvr>
-  <p:timing>
-    <p:tnLst>
-      <p:par>
-        <p:cTn id="1" dur="indefinite" restart="never" nodeType="tmRoot"/>
-      </p:par>
-    </p:tnLst>
-  </p:timing>
 </p:sld>
 </file>
 
@@ -11983,7 +11937,7 @@
           <p:cNvPr id="18" name="Título 1">
             <a:extLst>
               <a:ext uri="{FF2B5EF4-FFF2-40B4-BE49-F238E27FC236}">
-                <a16:creationId xmlns="" xmlns:a16="http://schemas.microsoft.com/office/drawing/2014/main" id="{301A74E7-A254-E346-85BC-EF9538AF4207}"/>
+                <a16:creationId xmlns:a16="http://schemas.microsoft.com/office/drawing/2014/main" id="{301A74E7-A254-E346-85BC-EF9538AF4207}"/>
               </a:ext>
             </a:extLst>
           </p:cNvPr>
@@ -12026,7 +11980,7 @@
           </a:lstStyle>
           <a:p>
             <a:r>
-              <a:rPr lang="pt-BR" sz="4000" b="1" dirty="0" smtClean="0">
+              <a:rPr lang="pt-BR" sz="4000" b="1" dirty="0">
                 <a:solidFill>
                   <a:schemeClr val="bg1"/>
                 </a:solidFill>
@@ -12035,13 +11989,6 @@
               </a:rPr>
               <a:t>Noções básicas de PHP - II</a:t>
             </a:r>
-            <a:endParaRPr lang="pt-BR" sz="4000" b="1" dirty="0">
-              <a:solidFill>
-                <a:schemeClr val="bg1"/>
-              </a:solidFill>
-              <a:latin typeface="+mn-lt"/>
-              <a:cs typeface="Calibri" panose="020F0502020204030204" pitchFamily="34" charset="0"/>
-            </a:endParaRPr>
           </a:p>
         </p:txBody>
       </p:sp>
@@ -12081,13 +12028,6 @@
   <p:clrMapOvr>
     <a:masterClrMapping/>
   </p:clrMapOvr>
-  <p:timing>
-    <p:tnLst>
-      <p:par>
-        <p:cTn id="1" dur="indefinite" restart="never" nodeType="tmRoot"/>
-      </p:par>
-    </p:tnLst>
-  </p:timing>
 </p:sld>
 </file>
 
@@ -12127,7 +12067,7 @@
           <p:cNvPr id="7" name="Título 1">
             <a:extLst>
               <a:ext uri="{FF2B5EF4-FFF2-40B4-BE49-F238E27FC236}">
-                <a16:creationId xmlns="" xmlns:a16="http://schemas.microsoft.com/office/drawing/2014/main" id="{489F5D36-DFC3-5141-9F8E-6FACABCF76D1}"/>
+                <a16:creationId xmlns:a16="http://schemas.microsoft.com/office/drawing/2014/main" id="{489F5D36-DFC3-5141-9F8E-6FACABCF76D1}"/>
               </a:ext>
             </a:extLst>
           </p:cNvPr>
@@ -12170,7 +12110,7 @@
           </a:lstStyle>
           <a:p>
             <a:r>
-              <a:rPr lang="pt-BR" b="1" dirty="0" smtClean="0">
+              <a:rPr lang="pt-BR" b="1" dirty="0">
                 <a:solidFill>
                   <a:schemeClr val="bg2">
                     <a:lumMod val="75000"/>
@@ -12181,15 +12121,6 @@
               </a:rPr>
               <a:t>Operadores</a:t>
             </a:r>
-            <a:endParaRPr lang="pt-BR" b="1" dirty="0">
-              <a:solidFill>
-                <a:schemeClr val="bg2">
-                  <a:lumMod val="75000"/>
-                </a:schemeClr>
-              </a:solidFill>
-              <a:latin typeface="+mn-lt"/>
-              <a:cs typeface="Calibri" panose="020F0502020204030204" pitchFamily="34" charset="0"/>
-            </a:endParaRPr>
           </a:p>
         </p:txBody>
       </p:sp>
@@ -12214,7 +12145,7 @@
           <a:lstStyle/>
           <a:p>
             <a:r>
-              <a:rPr lang="pt-BR" dirty="0" smtClean="0"/>
+              <a:rPr lang="pt-BR" dirty="0"/>
               <a:t>Lógico</a:t>
             </a:r>
           </a:p>
@@ -12249,8 +12180,20 @@
                 <a:tableStyleId>{5C22544A-7EE6-4342-B048-85BDC9FD1C3A}</a:tableStyleId>
               </a:tblPr>
               <a:tblGrid>
-                <a:gridCol w="1418280"/>
-                <a:gridCol w="6446726"/>
+                <a:gridCol w="1418280">
+                  <a:extLst>
+                    <a:ext uri="{9D8B030D-6E8A-4147-A177-3AD203B41FA5}">
+                      <a16:colId xmlns:a16="http://schemas.microsoft.com/office/drawing/2014/main" val="20000"/>
+                    </a:ext>
+                  </a:extLst>
+                </a:gridCol>
+                <a:gridCol w="6446726">
+                  <a:extLst>
+                    <a:ext uri="{9D8B030D-6E8A-4147-A177-3AD203B41FA5}">
+                      <a16:colId xmlns:a16="http://schemas.microsoft.com/office/drawing/2014/main" val="20001"/>
+                    </a:ext>
+                  </a:extLst>
+                </a:gridCol>
               </a:tblGrid>
               <a:tr h="370840">
                 <a:tc>
@@ -12259,10 +12202,9 @@
                     <a:lstStyle/>
                     <a:p>
                       <a:r>
-                        <a:rPr lang="pt-BR" dirty="0" smtClean="0"/>
+                        <a:rPr lang="pt-BR" dirty="0"/>
                         <a:t>Operador</a:t>
                       </a:r>
-                      <a:endParaRPr lang="pt-BR" dirty="0"/>
                     </a:p>
                   </a:txBody>
                   <a:tcPr>
@@ -12310,10 +12252,9 @@
                     <a:lstStyle/>
                     <a:p>
                       <a:r>
-                        <a:rPr lang="pt-BR" dirty="0" smtClean="0"/>
+                        <a:rPr lang="pt-BR" dirty="0"/>
                         <a:t>Função</a:t>
                       </a:r>
-                      <a:endParaRPr lang="pt-BR" dirty="0"/>
                     </a:p>
                   </a:txBody>
                   <a:tcPr>
@@ -12355,6 +12296,11 @@
                     </a:lnB>
                   </a:tcPr>
                 </a:tc>
+                <a:extLst>
+                  <a:ext uri="{0D108BD9-81ED-4DB2-BD59-A6C34878D82A}">
+                    <a16:rowId xmlns:a16="http://schemas.microsoft.com/office/drawing/2014/main" val="10000"/>
+                  </a:ext>
+                </a:extLst>
               </a:tr>
               <a:tr h="370840">
                 <a:tc>
@@ -12363,10 +12309,9 @@
                     <a:lstStyle/>
                     <a:p>
                       <a:r>
-                        <a:rPr lang="pt-BR" dirty="0" smtClean="0"/>
+                        <a:rPr lang="pt-BR" dirty="0"/>
                         <a:t>and</a:t>
                       </a:r>
-                      <a:endParaRPr lang="pt-BR" dirty="0"/>
                     </a:p>
                   </a:txBody>
                   <a:tcPr>
@@ -12414,10 +12359,9 @@
                     <a:lstStyle/>
                     <a:p>
                       <a:r>
-                        <a:rPr lang="pt-BR" dirty="0" smtClean="0"/>
+                        <a:rPr lang="pt-BR" dirty="0"/>
                         <a:t>“e” lógico</a:t>
                       </a:r>
-                      <a:endParaRPr lang="pt-BR" dirty="0"/>
                     </a:p>
                   </a:txBody>
                   <a:tcPr>
@@ -12459,6 +12403,11 @@
                     </a:lnB>
                   </a:tcPr>
                 </a:tc>
+                <a:extLst>
+                  <a:ext uri="{0D108BD9-81ED-4DB2-BD59-A6C34878D82A}">
+                    <a16:rowId xmlns:a16="http://schemas.microsoft.com/office/drawing/2014/main" val="10001"/>
+                  </a:ext>
+                </a:extLst>
               </a:tr>
               <a:tr h="370840">
                 <a:tc>
@@ -12467,10 +12416,9 @@
                     <a:lstStyle/>
                     <a:p>
                       <a:r>
-                        <a:rPr lang="pt-BR" dirty="0" smtClean="0"/>
+                        <a:rPr lang="pt-BR" dirty="0"/>
                         <a:t>or</a:t>
                       </a:r>
-                      <a:endParaRPr lang="pt-BR" dirty="0"/>
                     </a:p>
                   </a:txBody>
                   <a:tcPr>
@@ -12518,10 +12466,9 @@
                     <a:lstStyle/>
                     <a:p>
                       <a:r>
-                        <a:rPr lang="pt-BR" dirty="0" smtClean="0"/>
+                        <a:rPr lang="pt-BR" dirty="0"/>
                         <a:t>“ou” lógico</a:t>
                       </a:r>
-                      <a:endParaRPr lang="pt-BR" dirty="0"/>
                     </a:p>
                   </a:txBody>
                   <a:tcPr>
@@ -12563,6 +12510,11 @@
                     </a:lnB>
                   </a:tcPr>
                 </a:tc>
+                <a:extLst>
+                  <a:ext uri="{0D108BD9-81ED-4DB2-BD59-A6C34878D82A}">
+                    <a16:rowId xmlns:a16="http://schemas.microsoft.com/office/drawing/2014/main" val="10002"/>
+                  </a:ext>
+                </a:extLst>
               </a:tr>
               <a:tr h="370840">
                 <a:tc>
@@ -12571,10 +12523,9 @@
                     <a:lstStyle/>
                     <a:p>
                       <a:r>
-                        <a:rPr lang="pt-BR" dirty="0" smtClean="0"/>
+                        <a:rPr lang="pt-BR" dirty="0"/>
                         <a:t>xor</a:t>
                       </a:r>
-                      <a:endParaRPr lang="pt-BR" dirty="0"/>
                     </a:p>
                   </a:txBody>
                   <a:tcPr>
@@ -12622,10 +12573,9 @@
                     <a:lstStyle/>
                     <a:p>
                       <a:r>
-                        <a:rPr lang="pt-BR" dirty="0" smtClean="0"/>
+                        <a:rPr lang="pt-BR" dirty="0"/>
                         <a:t>ou exclusivo</a:t>
                       </a:r>
-                      <a:endParaRPr lang="pt-BR" dirty="0"/>
                     </a:p>
                   </a:txBody>
                   <a:tcPr>
@@ -12667,6 +12617,11 @@
                     </a:lnB>
                   </a:tcPr>
                 </a:tc>
+                <a:extLst>
+                  <a:ext uri="{0D108BD9-81ED-4DB2-BD59-A6C34878D82A}">
+                    <a16:rowId xmlns:a16="http://schemas.microsoft.com/office/drawing/2014/main" val="10003"/>
+                  </a:ext>
+                </a:extLst>
               </a:tr>
               <a:tr h="370840">
                 <a:tc>
@@ -12675,10 +12630,9 @@
                     <a:lstStyle/>
                     <a:p>
                       <a:r>
-                        <a:rPr lang="pt-BR" dirty="0" smtClean="0"/>
+                        <a:rPr lang="pt-BR" dirty="0"/>
                         <a:t>!</a:t>
                       </a:r>
-                      <a:endParaRPr lang="pt-BR" dirty="0"/>
                     </a:p>
                   </a:txBody>
                   <a:tcPr>
@@ -12726,11 +12680,11 @@
                     <a:lstStyle/>
                     <a:p>
                       <a:r>
-                        <a:rPr lang="pt-BR" dirty="0" smtClean="0"/>
+                        <a:rPr lang="pt-BR" dirty="0"/>
                         <a:t>não</a:t>
                       </a:r>
                       <a:r>
-                        <a:rPr lang="pt-BR" baseline="0" dirty="0" smtClean="0"/>
+                        <a:rPr lang="pt-BR" baseline="0" dirty="0"/>
                         <a:t> (negação)</a:t>
                       </a:r>
                       <a:endParaRPr lang="pt-BR" dirty="0"/>
@@ -12775,6 +12729,11 @@
                     </a:lnB>
                   </a:tcPr>
                 </a:tc>
+                <a:extLst>
+                  <a:ext uri="{0D108BD9-81ED-4DB2-BD59-A6C34878D82A}">
+                    <a16:rowId xmlns:a16="http://schemas.microsoft.com/office/drawing/2014/main" val="10004"/>
+                  </a:ext>
+                </a:extLst>
               </a:tr>
               <a:tr h="370840">
                 <a:tc>
@@ -12783,10 +12742,9 @@
                     <a:lstStyle/>
                     <a:p>
                       <a:r>
-                        <a:rPr lang="pt-BR" dirty="0" smtClean="0"/>
+                        <a:rPr lang="pt-BR" dirty="0"/>
                         <a:t>&amp;&amp;</a:t>
                       </a:r>
-                      <a:endParaRPr lang="pt-BR" dirty="0"/>
                     </a:p>
                   </a:txBody>
                   <a:tcPr>
@@ -12851,10 +12809,9 @@
                         <a:defRPr/>
                       </a:pPr>
                       <a:r>
-                        <a:rPr lang="pt-BR" dirty="0" smtClean="0"/>
+                        <a:rPr lang="pt-BR" dirty="0"/>
                         <a:t>“e” lógico</a:t>
                       </a:r>
-                      <a:endParaRPr lang="pt-BR" dirty="0"/>
                     </a:p>
                   </a:txBody>
                   <a:tcPr>
@@ -12896,6 +12853,11 @@
                     </a:lnB>
                   </a:tcPr>
                 </a:tc>
+                <a:extLst>
+                  <a:ext uri="{0D108BD9-81ED-4DB2-BD59-A6C34878D82A}">
+                    <a16:rowId xmlns:a16="http://schemas.microsoft.com/office/drawing/2014/main" val="10005"/>
+                  </a:ext>
+                </a:extLst>
               </a:tr>
               <a:tr h="370840">
                 <a:tc>
@@ -12904,10 +12866,9 @@
                     <a:lstStyle/>
                     <a:p>
                       <a:r>
-                        <a:rPr lang="pt-BR" dirty="0" smtClean="0"/>
+                        <a:rPr lang="pt-BR" dirty="0"/>
                         <a:t>||</a:t>
                       </a:r>
-                      <a:endParaRPr lang="pt-BR" dirty="0"/>
                     </a:p>
                   </a:txBody>
                   <a:tcPr>
@@ -12972,7 +12933,7 @@
                         <a:defRPr/>
                       </a:pPr>
                       <a:r>
-                        <a:rPr lang="pt-BR" dirty="0" smtClean="0"/>
+                        <a:rPr lang="pt-BR" dirty="0"/>
                         <a:t>“ou” lógico</a:t>
                       </a:r>
                     </a:p>
@@ -13016,6 +12977,11 @@
                     </a:lnB>
                   </a:tcPr>
                 </a:tc>
+                <a:extLst>
+                  <a:ext uri="{0D108BD9-81ED-4DB2-BD59-A6C34878D82A}">
+                    <a16:rowId xmlns:a16="http://schemas.microsoft.com/office/drawing/2014/main" val="10006"/>
+                  </a:ext>
+                </a:extLst>
               </a:tr>
             </a:tbl>
           </a:graphicData>
@@ -13031,13 +12997,6 @@
   <p:clrMapOvr>
     <a:masterClrMapping/>
   </p:clrMapOvr>
-  <p:timing>
-    <p:tnLst>
-      <p:par>
-        <p:cTn id="1" dur="indefinite" restart="never" nodeType="tmRoot"/>
-      </p:par>
-    </p:tnLst>
-  </p:timing>
 </p:sld>
 </file>
 
@@ -13077,7 +13036,7 @@
           <p:cNvPr id="7" name="Título 1">
             <a:extLst>
               <a:ext uri="{FF2B5EF4-FFF2-40B4-BE49-F238E27FC236}">
-                <a16:creationId xmlns="" xmlns:a16="http://schemas.microsoft.com/office/drawing/2014/main" id="{489F5D36-DFC3-5141-9F8E-6FACABCF76D1}"/>
+                <a16:creationId xmlns:a16="http://schemas.microsoft.com/office/drawing/2014/main" id="{489F5D36-DFC3-5141-9F8E-6FACABCF76D1}"/>
               </a:ext>
             </a:extLst>
           </p:cNvPr>
@@ -13120,7 +13079,7 @@
           </a:lstStyle>
           <a:p>
             <a:r>
-              <a:rPr lang="pt-BR" b="1" dirty="0" smtClean="0">
+              <a:rPr lang="pt-BR" b="1" dirty="0">
                 <a:solidFill>
                   <a:schemeClr val="bg2">
                     <a:lumMod val="75000"/>
@@ -13131,15 +13090,6 @@
               </a:rPr>
               <a:t>Operadores</a:t>
             </a:r>
-            <a:endParaRPr lang="pt-BR" b="1" dirty="0">
-              <a:solidFill>
-                <a:schemeClr val="bg2">
-                  <a:lumMod val="75000"/>
-                </a:schemeClr>
-              </a:solidFill>
-              <a:latin typeface="+mn-lt"/>
-              <a:cs typeface="Calibri" panose="020F0502020204030204" pitchFamily="34" charset="0"/>
-            </a:endParaRPr>
           </a:p>
         </p:txBody>
       </p:sp>
@@ -13164,21 +13114,21 @@
           <a:lstStyle/>
           <a:p>
             <a:r>
-              <a:rPr lang="pt-BR" dirty="0" smtClean="0"/>
+              <a:rPr lang="pt-BR" dirty="0"/>
               <a:t>Comparação</a:t>
             </a:r>
           </a:p>
           <a:p>
             <a:pPr lvl="1"/>
             <a:r>
-              <a:rPr lang="pt-BR" dirty="0" smtClean="0"/>
+              <a:rPr lang="pt-BR" dirty="0"/>
               <a:t>Comparações feitas entre variáveis ou valores</a:t>
             </a:r>
           </a:p>
           <a:p>
             <a:pPr lvl="1"/>
             <a:r>
-              <a:rPr lang="pt-BR" dirty="0" smtClean="0"/>
+              <a:rPr lang="pt-BR" dirty="0"/>
               <a:t>Retornam um boleano</a:t>
             </a:r>
           </a:p>
@@ -13209,8 +13159,20 @@
                 <a:tableStyleId>{5C22544A-7EE6-4342-B048-85BDC9FD1C3A}</a:tableStyleId>
               </a:tblPr>
               <a:tblGrid>
-                <a:gridCol w="1079291"/>
-                <a:gridCol w="7150309"/>
+                <a:gridCol w="1079291">
+                  <a:extLst>
+                    <a:ext uri="{9D8B030D-6E8A-4147-A177-3AD203B41FA5}">
+                      <a16:colId xmlns:a16="http://schemas.microsoft.com/office/drawing/2014/main" val="20000"/>
+                    </a:ext>
+                  </a:extLst>
+                </a:gridCol>
+                <a:gridCol w="7150309">
+                  <a:extLst>
+                    <a:ext uri="{9D8B030D-6E8A-4147-A177-3AD203B41FA5}">
+                      <a16:colId xmlns:a16="http://schemas.microsoft.com/office/drawing/2014/main" val="20001"/>
+                    </a:ext>
+                  </a:extLst>
+                </a:gridCol>
               </a:tblGrid>
               <a:tr h="620997">
                 <a:tc>
@@ -13219,10 +13181,9 @@
                     <a:lstStyle/>
                     <a:p>
                       <a:r>
-                        <a:rPr lang="pt-BR" dirty="0" smtClean="0"/>
+                        <a:rPr lang="pt-BR" dirty="0"/>
                         <a:t>Operador</a:t>
                       </a:r>
-                      <a:endParaRPr lang="pt-BR" dirty="0"/>
                     </a:p>
                   </a:txBody>
                   <a:tcPr>
@@ -13270,10 +13231,9 @@
                     <a:lstStyle/>
                     <a:p>
                       <a:r>
-                        <a:rPr lang="pt-BR" dirty="0" smtClean="0"/>
+                        <a:rPr lang="pt-BR" dirty="0"/>
                         <a:t>Função</a:t>
                       </a:r>
-                      <a:endParaRPr lang="pt-BR" dirty="0"/>
                     </a:p>
                   </a:txBody>
                   <a:tcPr>
@@ -13315,6 +13275,11 @@
                     </a:lnB>
                   </a:tcPr>
                 </a:tc>
+                <a:extLst>
+                  <a:ext uri="{0D108BD9-81ED-4DB2-BD59-A6C34878D82A}">
+                    <a16:rowId xmlns:a16="http://schemas.microsoft.com/office/drawing/2014/main" val="10000"/>
+                  </a:ext>
+                </a:extLst>
               </a:tr>
               <a:tr h="359784">
                 <a:tc>
@@ -13323,10 +13288,9 @@
                     <a:lstStyle/>
                     <a:p>
                       <a:r>
-                        <a:rPr lang="pt-BR" dirty="0" smtClean="0"/>
+                        <a:rPr lang="pt-BR" dirty="0"/>
                         <a:t>==</a:t>
                       </a:r>
-                      <a:endParaRPr lang="pt-BR" dirty="0"/>
                     </a:p>
                   </a:txBody>
                   <a:tcPr>
@@ -13374,10 +13338,9 @@
                     <a:lstStyle/>
                     <a:p>
                       <a:r>
-                        <a:rPr lang="pt-BR" dirty="0" smtClean="0"/>
+                        <a:rPr lang="pt-BR" dirty="0"/>
                         <a:t>Igual</a:t>
                       </a:r>
-                      <a:endParaRPr lang="pt-BR" dirty="0"/>
                     </a:p>
                   </a:txBody>
                   <a:tcPr>
@@ -13419,6 +13382,11 @@
                     </a:lnB>
                   </a:tcPr>
                 </a:tc>
+                <a:extLst>
+                  <a:ext uri="{0D108BD9-81ED-4DB2-BD59-A6C34878D82A}">
+                    <a16:rowId xmlns:a16="http://schemas.microsoft.com/office/drawing/2014/main" val="10001"/>
+                  </a:ext>
+                </a:extLst>
               </a:tr>
               <a:tr h="359784">
                 <a:tc>
@@ -13427,10 +13395,9 @@
                     <a:lstStyle/>
                     <a:p>
                       <a:r>
-                        <a:rPr lang="pt-BR" dirty="0" smtClean="0"/>
+                        <a:rPr lang="pt-BR" dirty="0"/>
                         <a:t>===</a:t>
                       </a:r>
-                      <a:endParaRPr lang="pt-BR" dirty="0"/>
                     </a:p>
                   </a:txBody>
                   <a:tcPr>
@@ -13478,11 +13445,11 @@
                     <a:lstStyle/>
                     <a:p>
                       <a:r>
-                        <a:rPr lang="pt-BR" dirty="0" smtClean="0"/>
+                        <a:rPr lang="pt-BR" dirty="0"/>
                         <a:t>Idêntico</a:t>
                       </a:r>
                       <a:r>
-                        <a:rPr lang="pt-BR" baseline="0" dirty="0" smtClean="0"/>
+                        <a:rPr lang="pt-BR" baseline="0" dirty="0"/>
                         <a:t> (Igual em valor e em tipo)</a:t>
                       </a:r>
                       <a:endParaRPr lang="pt-BR" dirty="0"/>
@@ -13527,6 +13494,11 @@
                     </a:lnB>
                   </a:tcPr>
                 </a:tc>
+                <a:extLst>
+                  <a:ext uri="{0D108BD9-81ED-4DB2-BD59-A6C34878D82A}">
+                    <a16:rowId xmlns:a16="http://schemas.microsoft.com/office/drawing/2014/main" val="10002"/>
+                  </a:ext>
+                </a:extLst>
               </a:tr>
               <a:tr h="359784">
                 <a:tc>
@@ -13535,10 +13507,9 @@
                     <a:lstStyle/>
                     <a:p>
                       <a:r>
-                        <a:rPr lang="pt-BR" dirty="0" smtClean="0"/>
+                        <a:rPr lang="pt-BR" dirty="0"/>
                         <a:t>!=</a:t>
                       </a:r>
-                      <a:endParaRPr lang="pt-BR" dirty="0"/>
                     </a:p>
                   </a:txBody>
                   <a:tcPr>
@@ -13586,10 +13557,9 @@
                     <a:lstStyle/>
                     <a:p>
                       <a:r>
-                        <a:rPr lang="pt-BR" dirty="0" smtClean="0"/>
+                        <a:rPr lang="pt-BR" dirty="0"/>
                         <a:t>Diferente de</a:t>
                       </a:r>
-                      <a:endParaRPr lang="pt-BR" dirty="0"/>
                     </a:p>
                   </a:txBody>
                   <a:tcPr>
@@ -13631,6 +13601,11 @@
                     </a:lnB>
                   </a:tcPr>
                 </a:tc>
+                <a:extLst>
+                  <a:ext uri="{0D108BD9-81ED-4DB2-BD59-A6C34878D82A}">
+                    <a16:rowId xmlns:a16="http://schemas.microsoft.com/office/drawing/2014/main" val="10003"/>
+                  </a:ext>
+                </a:extLst>
               </a:tr>
               <a:tr h="359784">
                 <a:tc>
@@ -13639,10 +13614,9 @@
                     <a:lstStyle/>
                     <a:p>
                       <a:r>
-                        <a:rPr lang="pt-BR" dirty="0" smtClean="0"/>
+                        <a:rPr lang="pt-BR" dirty="0"/>
                         <a:t>!==</a:t>
                       </a:r>
-                      <a:endParaRPr lang="pt-BR" dirty="0"/>
                     </a:p>
                   </a:txBody>
                   <a:tcPr>
@@ -13690,11 +13664,11 @@
                     <a:lstStyle/>
                     <a:p>
                       <a:r>
-                        <a:rPr lang="pt-BR" dirty="0" smtClean="0"/>
+                        <a:rPr lang="pt-BR" dirty="0"/>
                         <a:t>Diferente em valor e em</a:t>
                       </a:r>
                       <a:r>
-                        <a:rPr lang="pt-BR" baseline="0" dirty="0" smtClean="0"/>
+                        <a:rPr lang="pt-BR" baseline="0" dirty="0"/>
                         <a:t> tipo</a:t>
                       </a:r>
                       <a:endParaRPr lang="pt-BR" dirty="0"/>
@@ -13739,6 +13713,11 @@
                     </a:lnB>
                   </a:tcPr>
                 </a:tc>
+                <a:extLst>
+                  <a:ext uri="{0D108BD9-81ED-4DB2-BD59-A6C34878D82A}">
+                    <a16:rowId xmlns:a16="http://schemas.microsoft.com/office/drawing/2014/main" val="10004"/>
+                  </a:ext>
+                </a:extLst>
               </a:tr>
               <a:tr h="359784">
                 <a:tc>
@@ -13747,10 +13726,9 @@
                     <a:lstStyle/>
                     <a:p>
                       <a:r>
-                        <a:rPr lang="pt-BR" dirty="0" smtClean="0"/>
+                        <a:rPr lang="pt-BR" dirty="0"/>
                         <a:t>&lt;</a:t>
                       </a:r>
-                      <a:endParaRPr lang="pt-BR" dirty="0"/>
                     </a:p>
                   </a:txBody>
                   <a:tcPr>
@@ -13798,10 +13776,9 @@
                     <a:lstStyle/>
                     <a:p>
                       <a:r>
-                        <a:rPr lang="pt-BR" dirty="0" smtClean="0"/>
+                        <a:rPr lang="pt-BR" dirty="0"/>
                         <a:t>Menor que</a:t>
                       </a:r>
-                      <a:endParaRPr lang="pt-BR" dirty="0"/>
                     </a:p>
                   </a:txBody>
                   <a:tcPr>
@@ -13843,6 +13820,11 @@
                     </a:lnB>
                   </a:tcPr>
                 </a:tc>
+                <a:extLst>
+                  <a:ext uri="{0D108BD9-81ED-4DB2-BD59-A6C34878D82A}">
+                    <a16:rowId xmlns:a16="http://schemas.microsoft.com/office/drawing/2014/main" val="10005"/>
+                  </a:ext>
+                </a:extLst>
               </a:tr>
               <a:tr h="359784">
                 <a:tc>
@@ -13851,10 +13833,9 @@
                     <a:lstStyle/>
                     <a:p>
                       <a:r>
-                        <a:rPr lang="pt-BR" dirty="0" smtClean="0"/>
+                        <a:rPr lang="pt-BR" dirty="0"/>
                         <a:t>&gt;</a:t>
                       </a:r>
-                      <a:endParaRPr lang="pt-BR" dirty="0"/>
                     </a:p>
                   </a:txBody>
                   <a:tcPr>
@@ -13902,10 +13883,9 @@
                     <a:lstStyle/>
                     <a:p>
                       <a:r>
-                        <a:rPr lang="pt-BR" dirty="0" smtClean="0"/>
+                        <a:rPr lang="pt-BR" dirty="0"/>
                         <a:t>Maior que</a:t>
                       </a:r>
-                      <a:endParaRPr lang="pt-BR" dirty="0"/>
                     </a:p>
                   </a:txBody>
                   <a:tcPr>
@@ -13947,6 +13927,11 @@
                     </a:lnB>
                   </a:tcPr>
                 </a:tc>
+                <a:extLst>
+                  <a:ext uri="{0D108BD9-81ED-4DB2-BD59-A6C34878D82A}">
+                    <a16:rowId xmlns:a16="http://schemas.microsoft.com/office/drawing/2014/main" val="10006"/>
+                  </a:ext>
+                </a:extLst>
               </a:tr>
               <a:tr h="359784">
                 <a:tc>
@@ -13955,10 +13940,9 @@
                     <a:lstStyle/>
                     <a:p>
                       <a:r>
-                        <a:rPr lang="pt-BR" dirty="0" smtClean="0"/>
+                        <a:rPr lang="pt-BR" dirty="0"/>
                         <a:t>&lt;=</a:t>
                       </a:r>
-                      <a:endParaRPr lang="pt-BR" dirty="0"/>
                     </a:p>
                   </a:txBody>
                   <a:tcPr>
@@ -14006,10 +13990,9 @@
                     <a:lstStyle/>
                     <a:p>
                       <a:r>
-                        <a:rPr lang="pt-BR" dirty="0" smtClean="0"/>
+                        <a:rPr lang="pt-BR" dirty="0"/>
                         <a:t>Menor ou igual</a:t>
                       </a:r>
-                      <a:endParaRPr lang="pt-BR" dirty="0"/>
                     </a:p>
                   </a:txBody>
                   <a:tcPr>
@@ -14051,6 +14034,11 @@
                     </a:lnB>
                   </a:tcPr>
                 </a:tc>
+                <a:extLst>
+                  <a:ext uri="{0D108BD9-81ED-4DB2-BD59-A6C34878D82A}">
+                    <a16:rowId xmlns:a16="http://schemas.microsoft.com/office/drawing/2014/main" val="10007"/>
+                  </a:ext>
+                </a:extLst>
               </a:tr>
               <a:tr h="359784">
                 <a:tc>
@@ -14059,10 +14047,9 @@
                     <a:lstStyle/>
                     <a:p>
                       <a:r>
-                        <a:rPr lang="pt-BR" dirty="0" smtClean="0"/>
+                        <a:rPr lang="pt-BR" dirty="0"/>
                         <a:t>&gt;=</a:t>
                       </a:r>
-                      <a:endParaRPr lang="pt-BR" dirty="0"/>
                     </a:p>
                   </a:txBody>
                   <a:tcPr>
@@ -14110,10 +14097,9 @@
                     <a:lstStyle/>
                     <a:p>
                       <a:r>
-                        <a:rPr lang="pt-BR" dirty="0" smtClean="0"/>
+                        <a:rPr lang="pt-BR" dirty="0"/>
                         <a:t>Maior ou igual</a:t>
                       </a:r>
-                      <a:endParaRPr lang="pt-BR" dirty="0"/>
                     </a:p>
                   </a:txBody>
                   <a:tcPr>
@@ -14155,6 +14141,11 @@
                     </a:lnB>
                   </a:tcPr>
                 </a:tc>
+                <a:extLst>
+                  <a:ext uri="{0D108BD9-81ED-4DB2-BD59-A6C34878D82A}">
+                    <a16:rowId xmlns:a16="http://schemas.microsoft.com/office/drawing/2014/main" val="10008"/>
+                  </a:ext>
+                </a:extLst>
               </a:tr>
             </a:tbl>
           </a:graphicData>
@@ -14170,13 +14161,6 @@
   <p:clrMapOvr>
     <a:masterClrMapping/>
   </p:clrMapOvr>
-  <p:timing>
-    <p:tnLst>
-      <p:par>
-        <p:cTn id="1" dur="indefinite" restart="never" nodeType="tmRoot"/>
-      </p:par>
-    </p:tnLst>
-  </p:timing>
 </p:sld>
 </file>
 
@@ -14216,7 +14200,7 @@
           <p:cNvPr id="7" name="Título 1">
             <a:extLst>
               <a:ext uri="{FF2B5EF4-FFF2-40B4-BE49-F238E27FC236}">
-                <a16:creationId xmlns="" xmlns:a16="http://schemas.microsoft.com/office/drawing/2014/main" id="{489F5D36-DFC3-5141-9F8E-6FACABCF76D1}"/>
+                <a16:creationId xmlns:a16="http://schemas.microsoft.com/office/drawing/2014/main" id="{489F5D36-DFC3-5141-9F8E-6FACABCF76D1}"/>
               </a:ext>
             </a:extLst>
           </p:cNvPr>
@@ -14259,7 +14243,7 @@
           </a:lstStyle>
           <a:p>
             <a:r>
-              <a:rPr lang="pt-BR" b="1" dirty="0" smtClean="0">
+              <a:rPr lang="pt-BR" b="1" dirty="0">
                 <a:solidFill>
                   <a:schemeClr val="bg2">
                     <a:lumMod val="75000"/>
@@ -14270,15 +14254,6 @@
               </a:rPr>
               <a:t>Operadores</a:t>
             </a:r>
-            <a:endParaRPr lang="pt-BR" b="1" dirty="0">
-              <a:solidFill>
-                <a:schemeClr val="bg2">
-                  <a:lumMod val="75000"/>
-                </a:schemeClr>
-              </a:solidFill>
-              <a:latin typeface="+mn-lt"/>
-              <a:cs typeface="Calibri" panose="020F0502020204030204" pitchFamily="34" charset="0"/>
-            </a:endParaRPr>
           </a:p>
         </p:txBody>
       </p:sp>
@@ -14303,7 +14278,7 @@
           <a:lstStyle/>
           <a:p>
             <a:r>
-              <a:rPr lang="pt-BR" dirty="0" smtClean="0"/>
+              <a:rPr lang="pt-BR" dirty="0"/>
               <a:t>Incremento e Decremento</a:t>
             </a:r>
           </a:p>
@@ -14337,8 +14312,20 @@
                 <a:tableStyleId>{5C22544A-7EE6-4342-B048-85BDC9FD1C3A}</a:tableStyleId>
               </a:tblPr>
               <a:tblGrid>
-                <a:gridCol w="1197373"/>
-                <a:gridCol w="6918153"/>
+                <a:gridCol w="1197373">
+                  <a:extLst>
+                    <a:ext uri="{9D8B030D-6E8A-4147-A177-3AD203B41FA5}">
+                      <a16:colId xmlns:a16="http://schemas.microsoft.com/office/drawing/2014/main" val="20000"/>
+                    </a:ext>
+                  </a:extLst>
+                </a:gridCol>
+                <a:gridCol w="6918153">
+                  <a:extLst>
+                    <a:ext uri="{9D8B030D-6E8A-4147-A177-3AD203B41FA5}">
+                      <a16:colId xmlns:a16="http://schemas.microsoft.com/office/drawing/2014/main" val="20001"/>
+                    </a:ext>
+                  </a:extLst>
+                </a:gridCol>
               </a:tblGrid>
               <a:tr h="370840">
                 <a:tc>
@@ -14347,10 +14334,9 @@
                     <a:lstStyle/>
                     <a:p>
                       <a:r>
-                        <a:rPr lang="pt-BR" dirty="0" smtClean="0"/>
+                        <a:rPr lang="pt-BR" dirty="0"/>
                         <a:t>Operador</a:t>
                       </a:r>
-                      <a:endParaRPr lang="pt-BR" dirty="0"/>
                     </a:p>
                   </a:txBody>
                   <a:tcPr>
@@ -14398,10 +14384,9 @@
                     <a:lstStyle/>
                     <a:p>
                       <a:r>
-                        <a:rPr lang="pt-BR" dirty="0" smtClean="0"/>
+                        <a:rPr lang="pt-BR" dirty="0"/>
                         <a:t>Função</a:t>
                       </a:r>
-                      <a:endParaRPr lang="pt-BR" dirty="0"/>
                     </a:p>
                   </a:txBody>
                   <a:tcPr>
@@ -14443,6 +14428,11 @@
                     </a:lnB>
                   </a:tcPr>
                 </a:tc>
+                <a:extLst>
+                  <a:ext uri="{0D108BD9-81ED-4DB2-BD59-A6C34878D82A}">
+                    <a16:rowId xmlns:a16="http://schemas.microsoft.com/office/drawing/2014/main" val="10000"/>
+                  </a:ext>
+                </a:extLst>
               </a:tr>
               <a:tr h="370840">
                 <a:tc>
@@ -14451,10 +14441,9 @@
                     <a:lstStyle/>
                     <a:p>
                       <a:r>
-                        <a:rPr lang="pt-BR" dirty="0" smtClean="0"/>
+                        <a:rPr lang="pt-BR" dirty="0"/>
                         <a:t>++</a:t>
                       </a:r>
-                      <a:endParaRPr lang="pt-BR" dirty="0"/>
                     </a:p>
                   </a:txBody>
                   <a:tcPr>
@@ -14502,11 +14491,11 @@
                     <a:lstStyle/>
                     <a:p>
                       <a:r>
-                        <a:rPr lang="pt-BR" dirty="0" smtClean="0"/>
+                        <a:rPr lang="pt-BR" dirty="0"/>
                         <a:t>Soma</a:t>
                       </a:r>
                       <a:r>
-                        <a:rPr lang="pt-BR" baseline="0" dirty="0" smtClean="0"/>
+                        <a:rPr lang="pt-BR" baseline="0" dirty="0"/>
                         <a:t> um ao valor da variável</a:t>
                       </a:r>
                       <a:endParaRPr lang="pt-BR" dirty="0"/>
@@ -14551,6 +14540,11 @@
                     </a:lnB>
                   </a:tcPr>
                 </a:tc>
+                <a:extLst>
+                  <a:ext uri="{0D108BD9-81ED-4DB2-BD59-A6C34878D82A}">
+                    <a16:rowId xmlns:a16="http://schemas.microsoft.com/office/drawing/2014/main" val="10001"/>
+                  </a:ext>
+                </a:extLst>
               </a:tr>
               <a:tr h="370840">
                 <a:tc>
@@ -14559,10 +14553,9 @@
                     <a:lstStyle/>
                     <a:p>
                       <a:r>
-                        <a:rPr lang="pt-BR" dirty="0" smtClean="0"/>
+                        <a:rPr lang="pt-BR" dirty="0"/>
                         <a:t>--</a:t>
                       </a:r>
-                      <a:endParaRPr lang="pt-BR" dirty="0"/>
                     </a:p>
                   </a:txBody>
                   <a:tcPr>
@@ -14610,10 +14603,9 @@
                     <a:lstStyle/>
                     <a:p>
                       <a:r>
-                        <a:rPr lang="pt-BR" dirty="0" smtClean="0"/>
+                        <a:rPr lang="pt-BR" dirty="0"/>
                         <a:t>Substrai um do valor da variável</a:t>
                       </a:r>
-                      <a:endParaRPr lang="pt-BR" dirty="0"/>
                     </a:p>
                   </a:txBody>
                   <a:tcPr>
@@ -14655,6 +14647,11 @@
                     </a:lnB>
                   </a:tcPr>
                 </a:tc>
+                <a:extLst>
+                  <a:ext uri="{0D108BD9-81ED-4DB2-BD59-A6C34878D82A}">
+                    <a16:rowId xmlns:a16="http://schemas.microsoft.com/office/drawing/2014/main" val="10002"/>
+                  </a:ext>
+                </a:extLst>
               </a:tr>
             </a:tbl>
           </a:graphicData>
@@ -14685,8 +14682,20 @@
                 <a:tableStyleId>{5C22544A-7EE6-4342-B048-85BDC9FD1C3A}</a:tableStyleId>
               </a:tblPr>
               <a:tblGrid>
-                <a:gridCol w="2671961"/>
-                <a:gridCol w="5686483"/>
+                <a:gridCol w="2671961">
+                  <a:extLst>
+                    <a:ext uri="{9D8B030D-6E8A-4147-A177-3AD203B41FA5}">
+                      <a16:colId xmlns:a16="http://schemas.microsoft.com/office/drawing/2014/main" val="20000"/>
+                    </a:ext>
+                  </a:extLst>
+                </a:gridCol>
+                <a:gridCol w="5686483">
+                  <a:extLst>
+                    <a:ext uri="{9D8B030D-6E8A-4147-A177-3AD203B41FA5}">
+                      <a16:colId xmlns:a16="http://schemas.microsoft.com/office/drawing/2014/main" val="20001"/>
+                    </a:ext>
+                  </a:extLst>
+                </a:gridCol>
               </a:tblGrid>
               <a:tr h="3143272">
                 <a:tc>
@@ -14695,42 +14704,42 @@
                     <a:lstStyle/>
                     <a:p>
                       <a:r>
-                        <a:rPr lang="es-ES" sz="3200" dirty="0" smtClean="0"/>
+                        <a:rPr lang="es-ES" sz="3200" dirty="0"/>
                         <a:t>&lt;?</a:t>
                       </a:r>
                       <a:r>
-                        <a:rPr lang="es-ES" sz="3200" dirty="0" err="1" smtClean="0"/>
+                        <a:rPr lang="es-ES" sz="3200" dirty="0" err="1"/>
                         <a:t>php</a:t>
                       </a:r>
-                      <a:endParaRPr lang="es-ES" sz="3200" dirty="0" smtClean="0"/>
-                    </a:p>
-                    <a:p>
-                      <a:r>
-                        <a:rPr lang="es-ES" sz="3200" dirty="0" smtClean="0"/>
+                      <a:endParaRPr lang="es-ES" sz="3200" dirty="0"/>
+                    </a:p>
+                    <a:p>
+                      <a:r>
+                        <a:rPr lang="es-ES" sz="3200" dirty="0"/>
                         <a:t>    $valor = 1;</a:t>
                       </a:r>
                     </a:p>
                     <a:p>
                       <a:r>
-                        <a:rPr lang="es-ES" sz="3200" dirty="0" smtClean="0"/>
+                        <a:rPr lang="es-ES" sz="3200" dirty="0"/>
                         <a:t>    $valor++;</a:t>
                       </a:r>
                     </a:p>
                     <a:p>
                       <a:r>
-                        <a:rPr lang="es-ES" sz="3200" dirty="0" smtClean="0"/>
+                        <a:rPr lang="es-ES" sz="3200" dirty="0"/>
                         <a:t>    echo $valor;</a:t>
                       </a:r>
                     </a:p>
                     <a:p>
                       <a:r>
-                        <a:rPr lang="es-ES" sz="3200" dirty="0" smtClean="0"/>
+                        <a:rPr lang="es-ES" sz="3200" dirty="0"/>
                         <a:t>    //2</a:t>
                       </a:r>
                     </a:p>
                     <a:p>
                       <a:r>
-                        <a:rPr lang="es-ES" sz="3200" dirty="0" smtClean="0"/>
+                        <a:rPr lang="es-ES" sz="3200" dirty="0"/>
                         <a:t>?&gt;</a:t>
                       </a:r>
                       <a:endParaRPr lang="pt-BR" sz="3200" dirty="0"/>
@@ -14744,62 +14753,66 @@
                     <a:lstStyle/>
                     <a:p>
                       <a:r>
-                        <a:rPr lang="pt-BR" sz="2200" dirty="0" smtClean="0"/>
+                        <a:rPr lang="pt-BR" sz="2200" dirty="0"/>
                         <a:t>&lt;?php</a:t>
                       </a:r>
                     </a:p>
                     <a:p>
                       <a:r>
-                        <a:rPr lang="pt-BR" sz="2200" dirty="0" smtClean="0"/>
+                        <a:rPr lang="pt-BR" sz="2200" dirty="0"/>
                         <a:t>$valor = 1;</a:t>
                       </a:r>
                     </a:p>
                     <a:p>
                       <a:r>
-                        <a:rPr lang="pt-BR" sz="2200" dirty="0" smtClean="0"/>
+                        <a:rPr lang="pt-BR" sz="2200" dirty="0"/>
                         <a:t>//Atribui valor em $a e incrementa</a:t>
                       </a:r>
                     </a:p>
                     <a:p>
                       <a:r>
-                        <a:rPr lang="pt-BR" sz="2200" dirty="0" smtClean="0"/>
+                        <a:rPr lang="pt-BR" sz="2200" dirty="0"/>
                         <a:t>$a = $valor++;</a:t>
                       </a:r>
                     </a:p>
                     <a:p>
                       <a:r>
-                        <a:rPr lang="pt-BR" sz="2200" dirty="0" smtClean="0"/>
+                        <a:rPr lang="pt-BR" sz="2200" dirty="0"/>
                         <a:t>//Incrementa e atribui a $b</a:t>
                       </a:r>
                     </a:p>
                     <a:p>
                       <a:r>
-                        <a:rPr lang="pt-BR" sz="2200" dirty="0" smtClean="0"/>
+                        <a:rPr lang="pt-BR" sz="2200" dirty="0"/>
                         <a:t>$b = ++$valor;</a:t>
                       </a:r>
                     </a:p>
                     <a:p>
                       <a:r>
-                        <a:rPr lang="pt-BR" sz="2200" dirty="0" smtClean="0"/>
+                        <a:rPr lang="pt-BR" sz="2200" dirty="0"/>
                         <a:t>echo $a; //1</a:t>
                       </a:r>
                     </a:p>
                     <a:p>
                       <a:r>
-                        <a:rPr lang="pt-BR" sz="2200" dirty="0" smtClean="0"/>
+                        <a:rPr lang="pt-BR" sz="2200" dirty="0"/>
                         <a:t>echo $b; //3</a:t>
                       </a:r>
                     </a:p>
                     <a:p>
                       <a:r>
-                        <a:rPr lang="pt-BR" sz="2200" dirty="0" smtClean="0"/>
+                        <a:rPr lang="pt-BR" sz="2200" dirty="0"/>
                         <a:t>?&gt;</a:t>
                       </a:r>
-                      <a:endParaRPr lang="pt-BR" sz="2200" dirty="0"/>
                     </a:p>
                   </a:txBody>
                   <a:tcPr/>
                 </a:tc>
+                <a:extLst>
+                  <a:ext uri="{0D108BD9-81ED-4DB2-BD59-A6C34878D82A}">
+                    <a16:rowId xmlns:a16="http://schemas.microsoft.com/office/drawing/2014/main" val="10000"/>
+                  </a:ext>
+                </a:extLst>
               </a:tr>
             </a:tbl>
           </a:graphicData>
@@ -14815,13 +14828,6 @@
   <p:clrMapOvr>
     <a:masterClrMapping/>
   </p:clrMapOvr>
-  <p:timing>
-    <p:tnLst>
-      <p:par>
-        <p:cTn id="1" dur="indefinite" restart="never" nodeType="tmRoot"/>
-      </p:par>
-    </p:tnLst>
-  </p:timing>
 </p:sld>
 </file>
 
@@ -14861,7 +14867,7 @@
           <p:cNvPr id="7" name="Título 1">
             <a:extLst>
               <a:ext uri="{FF2B5EF4-FFF2-40B4-BE49-F238E27FC236}">
-                <a16:creationId xmlns="" xmlns:a16="http://schemas.microsoft.com/office/drawing/2014/main" id="{489F5D36-DFC3-5141-9F8E-6FACABCF76D1}"/>
+                <a16:creationId xmlns:a16="http://schemas.microsoft.com/office/drawing/2014/main" id="{489F5D36-DFC3-5141-9F8E-6FACABCF76D1}"/>
               </a:ext>
             </a:extLst>
           </p:cNvPr>
@@ -14904,7 +14910,7 @@
           </a:lstStyle>
           <a:p>
             <a:r>
-              <a:rPr lang="pt-BR" b="1" dirty="0" smtClean="0">
+              <a:rPr lang="pt-BR" b="1" dirty="0">
                 <a:solidFill>
                   <a:schemeClr val="bg2">
                     <a:lumMod val="75000"/>
@@ -14915,15 +14921,6 @@
               </a:rPr>
               <a:t>Estrutura de decisão</a:t>
             </a:r>
-            <a:endParaRPr lang="pt-BR" b="1" dirty="0">
-              <a:solidFill>
-                <a:schemeClr val="bg2">
-                  <a:lumMod val="75000"/>
-                </a:schemeClr>
-              </a:solidFill>
-              <a:latin typeface="+mn-lt"/>
-              <a:cs typeface="Calibri" panose="020F0502020204030204" pitchFamily="34" charset="0"/>
-            </a:endParaRPr>
           </a:p>
         </p:txBody>
       </p:sp>
@@ -14948,38 +14945,37 @@
           <a:lstStyle/>
           <a:p>
             <a:r>
-              <a:rPr lang="pt-BR" dirty="0" smtClean="0"/>
+              <a:rPr lang="pt-BR" dirty="0"/>
               <a:t>Comandos condicionais</a:t>
             </a:r>
           </a:p>
           <a:p>
             <a:pPr lvl="1"/>
             <a:r>
-              <a:rPr lang="pt-BR" dirty="0" smtClean="0"/>
+              <a:rPr lang="pt-BR" dirty="0"/>
               <a:t>Executam comandos se determinada regra for satisfeita durante a execução</a:t>
             </a:r>
           </a:p>
           <a:p>
             <a:pPr lvl="2"/>
             <a:r>
-              <a:rPr lang="pt-BR" dirty="0" smtClean="0"/>
+              <a:rPr lang="pt-BR" dirty="0"/>
               <a:t>If</a:t>
             </a:r>
           </a:p>
           <a:p>
             <a:pPr lvl="2"/>
             <a:r>
-              <a:rPr lang="pt-BR" dirty="0" smtClean="0"/>
+              <a:rPr lang="pt-BR" dirty="0"/>
               <a:t>If/else</a:t>
             </a:r>
           </a:p>
           <a:p>
             <a:pPr lvl="2"/>
             <a:r>
-              <a:rPr lang="pt-BR" dirty="0" smtClean="0"/>
+              <a:rPr lang="pt-BR" dirty="0"/>
               <a:t>switch</a:t>
             </a:r>
-            <a:endParaRPr lang="pt-BR" dirty="0"/>
           </a:p>
         </p:txBody>
       </p:sp>
@@ -14993,13 +14989,6 @@
   <p:clrMapOvr>
     <a:masterClrMapping/>
   </p:clrMapOvr>
-  <p:timing>
-    <p:tnLst>
-      <p:par>
-        <p:cTn id="1" dur="indefinite" restart="never" nodeType="tmRoot"/>
-      </p:par>
-    </p:tnLst>
-  </p:timing>
 </p:sld>
 </file>
 
@@ -15039,7 +15028,7 @@
           <p:cNvPr id="7" name="Título 1">
             <a:extLst>
               <a:ext uri="{FF2B5EF4-FFF2-40B4-BE49-F238E27FC236}">
-                <a16:creationId xmlns="" xmlns:a16="http://schemas.microsoft.com/office/drawing/2014/main" id="{489F5D36-DFC3-5141-9F8E-6FACABCF76D1}"/>
+                <a16:creationId xmlns:a16="http://schemas.microsoft.com/office/drawing/2014/main" id="{489F5D36-DFC3-5141-9F8E-6FACABCF76D1}"/>
               </a:ext>
             </a:extLst>
           </p:cNvPr>
@@ -15082,7 +15071,7 @@
           </a:lstStyle>
           <a:p>
             <a:r>
-              <a:rPr lang="pt-BR" b="1" dirty="0" smtClean="0">
+              <a:rPr lang="pt-BR" b="1" dirty="0">
                 <a:solidFill>
                   <a:schemeClr val="bg2">
                     <a:lumMod val="75000"/>
@@ -15093,15 +15082,6 @@
               </a:rPr>
               <a:t>Estrutura de decisão</a:t>
             </a:r>
-            <a:endParaRPr lang="pt-BR" b="1" dirty="0">
-              <a:solidFill>
-                <a:schemeClr val="bg2">
-                  <a:lumMod val="75000"/>
-                </a:schemeClr>
-              </a:solidFill>
-              <a:latin typeface="+mn-lt"/>
-              <a:cs typeface="Calibri" panose="020F0502020204030204" pitchFamily="34" charset="0"/>
-            </a:endParaRPr>
           </a:p>
         </p:txBody>
       </p:sp>
@@ -15126,14 +15106,14 @@
           <a:lstStyle/>
           <a:p>
             <a:r>
-              <a:rPr lang="pt-BR" dirty="0" smtClean="0"/>
+              <a:rPr lang="pt-BR" dirty="0"/>
               <a:t>If</a:t>
             </a:r>
           </a:p>
           <a:p>
             <a:pPr lvl="1"/>
             <a:r>
-              <a:rPr lang="pt-BR" dirty="0" smtClean="0"/>
+              <a:rPr lang="pt-BR" dirty="0"/>
               <a:t>Aplica a regra e executa o comando se o resultado for verdadeiro</a:t>
             </a:r>
           </a:p>
@@ -15168,7 +15148,13 @@
                 <a:tableStyleId>{5C22544A-7EE6-4342-B048-85BDC9FD1C3A}</a:tableStyleId>
               </a:tblPr>
               <a:tblGrid>
-                <a:gridCol w="7884968"/>
+                <a:gridCol w="7884968">
+                  <a:extLst>
+                    <a:ext uri="{9D8B030D-6E8A-4147-A177-3AD203B41FA5}">
+                      <a16:colId xmlns:a16="http://schemas.microsoft.com/office/drawing/2014/main" val="20000"/>
+                    </a:ext>
+                  </a:extLst>
+                </a:gridCol>
               </a:tblGrid>
               <a:tr h="3143272">
                 <a:tc>
@@ -15177,56 +15163,60 @@
                     <a:lstStyle/>
                     <a:p>
                       <a:r>
-                        <a:rPr lang="pt-BR" sz="2400" dirty="0" smtClean="0"/>
+                        <a:rPr lang="pt-BR" sz="2400" dirty="0"/>
                         <a:t>&lt;?php</a:t>
                       </a:r>
                     </a:p>
                     <a:p>
                       <a:r>
-                        <a:rPr lang="pt-BR" sz="2400" dirty="0" smtClean="0"/>
+                        <a:rPr lang="pt-BR" sz="2400" dirty="0"/>
                         <a:t>    $valor = 2;</a:t>
                       </a:r>
                     </a:p>
                     <a:p>
                       <a:r>
-                        <a:rPr lang="pt-BR" sz="2400" dirty="0" smtClean="0"/>
+                        <a:rPr lang="pt-BR" sz="2400" dirty="0"/>
                         <a:t>    if ($valor == 2){ //Operador de comparação</a:t>
                       </a:r>
                     </a:p>
                     <a:p>
                       <a:r>
-                        <a:rPr lang="pt-BR" sz="2400" dirty="0" smtClean="0"/>
+                        <a:rPr lang="pt-BR" sz="2400" dirty="0"/>
                         <a:t>        echo 'Valor é igual a 2!';</a:t>
                       </a:r>
                     </a:p>
                     <a:p>
                       <a:r>
-                        <a:rPr lang="pt-BR" sz="2400" dirty="0" smtClean="0"/>
+                        <a:rPr lang="pt-BR" sz="2400" dirty="0"/>
                         <a:t>        echo '&lt;br&gt;';</a:t>
                       </a:r>
                     </a:p>
                     <a:p>
                       <a:r>
-                        <a:rPr lang="pt-BR" sz="2400" dirty="0" smtClean="0"/>
+                        <a:rPr lang="pt-BR" sz="2400" dirty="0"/>
                         <a:t>        echo 'A condição foi satisfeita';</a:t>
                       </a:r>
                     </a:p>
                     <a:p>
                       <a:r>
-                        <a:rPr lang="pt-BR" sz="2400" dirty="0" smtClean="0"/>
+                        <a:rPr lang="pt-BR" sz="2400" dirty="0"/>
                         <a:t>    }</a:t>
                       </a:r>
                     </a:p>
                     <a:p>
                       <a:r>
-                        <a:rPr lang="pt-BR" sz="2400" dirty="0" smtClean="0"/>
+                        <a:rPr lang="pt-BR" sz="2400" dirty="0"/>
                         <a:t>?&gt;</a:t>
                       </a:r>
-                      <a:endParaRPr lang="pt-BR" sz="2400" dirty="0"/>
                     </a:p>
                   </a:txBody>
                   <a:tcPr/>
                 </a:tc>
+                <a:extLst>
+                  <a:ext uri="{0D108BD9-81ED-4DB2-BD59-A6C34878D82A}">
+                    <a16:rowId xmlns:a16="http://schemas.microsoft.com/office/drawing/2014/main" val="10000"/>
+                  </a:ext>
+                </a:extLst>
               </a:tr>
             </a:tbl>
           </a:graphicData>
@@ -15242,13 +15232,6 @@
   <p:clrMapOvr>
     <a:masterClrMapping/>
   </p:clrMapOvr>
-  <p:timing>
-    <p:tnLst>
-      <p:par>
-        <p:cTn id="1" dur="indefinite" restart="never" nodeType="tmRoot"/>
-      </p:par>
-    </p:tnLst>
-  </p:timing>
 </p:sld>
 </file>
 
@@ -15288,7 +15271,7 @@
           <p:cNvPr id="7" name="Título 1">
             <a:extLst>
               <a:ext uri="{FF2B5EF4-FFF2-40B4-BE49-F238E27FC236}">
-                <a16:creationId xmlns="" xmlns:a16="http://schemas.microsoft.com/office/drawing/2014/main" id="{489F5D36-DFC3-5141-9F8E-6FACABCF76D1}"/>
+                <a16:creationId xmlns:a16="http://schemas.microsoft.com/office/drawing/2014/main" id="{489F5D36-DFC3-5141-9F8E-6FACABCF76D1}"/>
               </a:ext>
             </a:extLst>
           </p:cNvPr>
@@ -15331,7 +15314,7 @@
           </a:lstStyle>
           <a:p>
             <a:r>
-              <a:rPr lang="pt-BR" b="1" dirty="0" smtClean="0">
+              <a:rPr lang="pt-BR" b="1" dirty="0">
                 <a:solidFill>
                   <a:schemeClr val="bg2">
                     <a:lumMod val="75000"/>
@@ -15342,15 +15325,6 @@
               </a:rPr>
               <a:t>Estrutura de decisão</a:t>
             </a:r>
-            <a:endParaRPr lang="pt-BR" b="1" dirty="0">
-              <a:solidFill>
-                <a:schemeClr val="bg2">
-                  <a:lumMod val="75000"/>
-                </a:schemeClr>
-              </a:solidFill>
-              <a:latin typeface="+mn-lt"/>
-              <a:cs typeface="Calibri" panose="020F0502020204030204" pitchFamily="34" charset="0"/>
-            </a:endParaRPr>
           </a:p>
         </p:txBody>
       </p:sp>
@@ -15375,7 +15349,7 @@
           <a:lstStyle/>
           <a:p>
             <a:r>
-              <a:rPr lang="pt-BR" dirty="0" smtClean="0"/>
+              <a:rPr lang="pt-BR" dirty="0"/>
               <a:t>If – Usos Alternativos</a:t>
             </a:r>
           </a:p>
@@ -15410,7 +15384,13 @@
                 <a:tableStyleId>{5C22544A-7EE6-4342-B048-85BDC9FD1C3A}</a:tableStyleId>
               </a:tblPr>
               <a:tblGrid>
-                <a:gridCol w="7927636"/>
+                <a:gridCol w="7927636">
+                  <a:extLst>
+                    <a:ext uri="{9D8B030D-6E8A-4147-A177-3AD203B41FA5}">
+                      <a16:colId xmlns:a16="http://schemas.microsoft.com/office/drawing/2014/main" val="20000"/>
+                    </a:ext>
+                  </a:extLst>
+                </a:gridCol>
               </a:tblGrid>
               <a:tr h="3898147">
                 <a:tc>
@@ -15419,98 +15399,97 @@
                     <a:lstStyle/>
                     <a:p>
                       <a:r>
-                        <a:rPr lang="pt-BR" sz="1800" dirty="0" smtClean="0"/>
+                        <a:rPr lang="pt-BR" sz="1800" dirty="0"/>
                         <a:t>&lt;?php   </a:t>
                       </a:r>
                     </a:p>
                     <a:p>
                       <a:r>
-                        <a:rPr lang="pt-BR" sz="1800" dirty="0" smtClean="0"/>
+                        <a:rPr lang="pt-BR" sz="1800" dirty="0"/>
                         <a:t>    $valor = 2;</a:t>
                       </a:r>
                     </a:p>
                     <a:p>
                       <a:r>
-                        <a:rPr lang="pt-BR" sz="1800" dirty="0" smtClean="0"/>
+                        <a:rPr lang="pt-BR" sz="1800" dirty="0"/>
                         <a:t>    //PARA SOMENTE UMA LINHA NÃO</a:t>
                       </a:r>
                       <a:r>
-                        <a:rPr lang="pt-BR" sz="1800" baseline="0" dirty="0" smtClean="0"/>
+                        <a:rPr lang="pt-BR" sz="1800" baseline="0" dirty="0"/>
                         <a:t> É NECESSÁRIO UTILIZAR CHAVES</a:t>
                       </a:r>
-                      <a:endParaRPr lang="pt-BR" sz="1800" dirty="0" smtClean="0"/>
-                    </a:p>
-                    <a:p>
-                      <a:r>
-                        <a:rPr lang="pt-BR" sz="1800" dirty="0" smtClean="0"/>
+                      <a:endParaRPr lang="pt-BR" sz="1800" dirty="0"/>
+                    </a:p>
+                    <a:p>
+                      <a:r>
+                        <a:rPr lang="pt-BR" sz="1800" dirty="0"/>
                         <a:t>    if ($valor == 2)</a:t>
                       </a:r>
                     </a:p>
                     <a:p>
                       <a:r>
-                        <a:rPr lang="pt-BR" sz="1800" dirty="0" smtClean="0"/>
+                        <a:rPr lang="pt-BR" sz="1800" dirty="0"/>
                         <a:t>        echo 'Valor é igual a 2!';</a:t>
                       </a:r>
                     </a:p>
                     <a:p>
                       <a:r>
-                        <a:rPr lang="pt-BR" sz="1800" dirty="0" smtClean="0"/>
+                        <a:rPr lang="pt-BR" sz="1800" dirty="0"/>
                         <a:t>	</a:t>
                       </a:r>
                     </a:p>
                     <a:p>
                       <a:r>
-                        <a:rPr lang="pt-BR" sz="1800" dirty="0" smtClean="0"/>
+                        <a:rPr lang="pt-BR" sz="1800" dirty="0"/>
                         <a:t>    //PODE-SE UTILIZAR DOIS PONTOS e ENDIF</a:t>
                       </a:r>
                       <a:r>
-                        <a:rPr lang="pt-BR" sz="1800" baseline="0" dirty="0" smtClean="0"/>
+                        <a:rPr lang="pt-BR" sz="1800" baseline="0" dirty="0"/>
                         <a:t> AO INVÉS DE CHAVES</a:t>
                       </a:r>
-                      <a:endParaRPr lang="pt-BR" sz="1800" dirty="0" smtClean="0"/>
-                    </a:p>
-                    <a:p>
-                      <a:r>
-                        <a:rPr lang="pt-BR" sz="1800" dirty="0" smtClean="0"/>
+                      <a:endParaRPr lang="pt-BR" sz="1800" dirty="0"/>
+                    </a:p>
+                    <a:p>
+                      <a:r>
+                        <a:rPr lang="pt-BR" sz="1800" dirty="0"/>
                         <a:t>    if ($valor == 2):</a:t>
                       </a:r>
                     </a:p>
                     <a:p>
                       <a:r>
-                        <a:rPr lang="pt-BR" sz="1800" dirty="0" smtClean="0"/>
+                        <a:rPr lang="pt-BR" sz="1800" dirty="0"/>
                         <a:t>        echo '&lt;br&gt;';</a:t>
                       </a:r>
                     </a:p>
                     <a:p>
                       <a:r>
-                        <a:rPr lang="pt-BR" sz="1800" dirty="0" smtClean="0"/>
+                        <a:rPr lang="pt-BR" sz="1800" dirty="0"/>
                         <a:t>        echo 'Valor é igual a 2!';</a:t>
                       </a:r>
                     </a:p>
                     <a:p>
                       <a:r>
-                        <a:rPr lang="pt-BR" sz="1800" dirty="0" smtClean="0"/>
+                        <a:rPr lang="pt-BR" sz="1800" dirty="0"/>
                         <a:t>        echo '&lt;br&gt;';</a:t>
                       </a:r>
                     </a:p>
                     <a:p>
                       <a:r>
-                        <a:rPr lang="pt-BR" sz="1800" dirty="0" smtClean="0"/>
+                        <a:rPr lang="pt-BR" sz="1800" dirty="0"/>
                         <a:t>        echo 'A condição foi satisfeita';</a:t>
                       </a:r>
                     </a:p>
                     <a:p>
                       <a:r>
-                        <a:rPr lang="pt-BR" sz="1800" dirty="0" smtClean="0"/>
+                        <a:rPr lang="pt-BR" sz="1800" dirty="0"/>
                         <a:t>    endif</a:t>
                       </a:r>
                     </a:p>
                     <a:p>
                       <a:r>
-                        <a:rPr lang="pt-BR" sz="1800" dirty="0" smtClean="0"/>
+                        <a:rPr lang="pt-BR" sz="1800" dirty="0"/>
                         <a:t>?&gt;</a:t>
                       </a:r>
-                      <a:endParaRPr lang="pt-BR" sz="1800" dirty="0"/>
                     </a:p>
                   </a:txBody>
                   <a:tcPr>
@@ -15552,6 +15531,11 @@
                     </a:lnB>
                   </a:tcPr>
                 </a:tc>
+                <a:extLst>
+                  <a:ext uri="{0D108BD9-81ED-4DB2-BD59-A6C34878D82A}">
+                    <a16:rowId xmlns:a16="http://schemas.microsoft.com/office/drawing/2014/main" val="10000"/>
+                  </a:ext>
+                </a:extLst>
               </a:tr>
             </a:tbl>
           </a:graphicData>
@@ -15567,13 +15551,6 @@
   <p:clrMapOvr>
     <a:masterClrMapping/>
   </p:clrMapOvr>
-  <p:timing>
-    <p:tnLst>
-      <p:par>
-        <p:cTn id="1" dur="indefinite" restart="never" nodeType="tmRoot"/>
-      </p:par>
-    </p:tnLst>
-  </p:timing>
 </p:sld>
 </file>
 
@@ -15613,7 +15590,7 @@
           <p:cNvPr id="7" name="Título 1">
             <a:extLst>
               <a:ext uri="{FF2B5EF4-FFF2-40B4-BE49-F238E27FC236}">
-                <a16:creationId xmlns="" xmlns:a16="http://schemas.microsoft.com/office/drawing/2014/main" id="{489F5D36-DFC3-5141-9F8E-6FACABCF76D1}"/>
+                <a16:creationId xmlns:a16="http://schemas.microsoft.com/office/drawing/2014/main" id="{489F5D36-DFC3-5141-9F8E-6FACABCF76D1}"/>
               </a:ext>
             </a:extLst>
           </p:cNvPr>
@@ -15656,7 +15633,7 @@
           </a:lstStyle>
           <a:p>
             <a:r>
-              <a:rPr lang="pt-BR" b="1" dirty="0" smtClean="0">
+              <a:rPr lang="pt-BR" b="1" dirty="0">
                 <a:solidFill>
                   <a:schemeClr val="bg2">
                     <a:lumMod val="75000"/>
@@ -15667,15 +15644,6 @@
               </a:rPr>
               <a:t>Estrutura de decisão</a:t>
             </a:r>
-            <a:endParaRPr lang="pt-BR" b="1" dirty="0">
-              <a:solidFill>
-                <a:schemeClr val="bg2">
-                  <a:lumMod val="75000"/>
-                </a:schemeClr>
-              </a:solidFill>
-              <a:latin typeface="+mn-lt"/>
-              <a:cs typeface="Calibri" panose="020F0502020204030204" pitchFamily="34" charset="0"/>
-            </a:endParaRPr>
           </a:p>
         </p:txBody>
       </p:sp>
@@ -15700,7 +15668,7 @@
           <a:lstStyle/>
           <a:p>
             <a:r>
-              <a:rPr lang="pt-BR" dirty="0" smtClean="0"/>
+              <a:rPr lang="pt-BR" dirty="0"/>
               <a:t>If – Adição de operadores lógicos E e OU</a:t>
             </a:r>
           </a:p>
@@ -15734,7 +15702,13 @@
                 <a:tableStyleId>{5C22544A-7EE6-4342-B048-85BDC9FD1C3A}</a:tableStyleId>
               </a:tblPr>
               <a:tblGrid>
-                <a:gridCol w="7714693"/>
+                <a:gridCol w="7714693">
+                  <a:extLst>
+                    <a:ext uri="{9D8B030D-6E8A-4147-A177-3AD203B41FA5}">
+                      <a16:colId xmlns:a16="http://schemas.microsoft.com/office/drawing/2014/main" val="20000"/>
+                    </a:ext>
+                  </a:extLst>
+                </a:gridCol>
               </a:tblGrid>
               <a:tr h="4278994">
                 <a:tc>
@@ -15743,94 +15717,93 @@
                     <a:lstStyle/>
                     <a:p>
                       <a:r>
-                        <a:rPr lang="pt-BR" sz="1800" dirty="0" smtClean="0"/>
+                        <a:rPr lang="pt-BR" sz="1800" dirty="0"/>
                         <a:t>&lt;?php</a:t>
                       </a:r>
                     </a:p>
                     <a:p>
                       <a:r>
-                        <a:rPr lang="pt-BR" sz="1800" dirty="0" smtClean="0"/>
+                        <a:rPr lang="pt-BR" sz="1800" dirty="0"/>
                         <a:t>    $valor  = 2;	</a:t>
                       </a:r>
                     </a:p>
                     <a:p>
                       <a:r>
-                        <a:rPr lang="pt-BR" sz="1800" dirty="0" smtClean="0"/>
+                        <a:rPr lang="pt-BR" sz="1800" dirty="0"/>
                         <a:t>    $string = 'PHP';</a:t>
                       </a:r>
                     </a:p>
                     <a:p>
                       <a:r>
-                        <a:rPr lang="pt-BR" sz="1800" dirty="0" smtClean="0"/>
+                        <a:rPr lang="pt-BR" sz="1800" dirty="0"/>
                         <a:t>    if (($valor == 2) &amp;&amp; ($string == 'PHP')){</a:t>
                       </a:r>
                     </a:p>
                     <a:p>
                       <a:r>
-                        <a:rPr lang="pt-BR" sz="1800" dirty="0" smtClean="0"/>
+                        <a:rPr lang="pt-BR" sz="1800" dirty="0"/>
                         <a:t>        echo 'Valor é igual a 2 e string igual a PHP!';</a:t>
                       </a:r>
                     </a:p>
                     <a:p>
                       <a:r>
-                        <a:rPr lang="pt-BR" sz="1800" dirty="0" smtClean="0"/>
+                        <a:rPr lang="pt-BR" sz="1800" dirty="0"/>
                         <a:t>        echo '&lt;br&gt;';</a:t>
                       </a:r>
                     </a:p>
                     <a:p>
                       <a:r>
-                        <a:rPr lang="pt-BR" sz="1800" dirty="0" smtClean="0"/>
+                        <a:rPr lang="pt-BR" sz="1800" dirty="0"/>
                         <a:t>        echo 'A condição foi satisfeita';</a:t>
                       </a:r>
                     </a:p>
                     <a:p>
                       <a:r>
-                        <a:rPr lang="pt-BR" sz="1800" dirty="0" smtClean="0"/>
+                        <a:rPr lang="pt-BR" sz="1800" dirty="0"/>
                         <a:t>    }</a:t>
                       </a:r>
                     </a:p>
                     <a:p>
                       <a:r>
-                        <a:rPr lang="pt-BR" sz="1800" dirty="0" smtClean="0"/>
+                        <a:rPr lang="pt-BR" sz="1800" dirty="0"/>
                         <a:t>	</a:t>
                       </a:r>
                     </a:p>
                     <a:p>
                       <a:r>
-                        <a:rPr lang="pt-BR" sz="1800" dirty="0" smtClean="0"/>
+                        <a:rPr lang="pt-BR" sz="1800" dirty="0"/>
                         <a:t>    if (($valor == 1) || ($string == 'PHP')){</a:t>
                       </a:r>
                     </a:p>
                     <a:p>
                       <a:r>
-                        <a:rPr lang="pt-BR" sz="1800" dirty="0" smtClean="0"/>
+                        <a:rPr lang="pt-BR" sz="1800" dirty="0"/>
                         <a:t>        echo 'Valor é igual a 1 ou string é igual a PHP!';</a:t>
                       </a:r>
                     </a:p>
                     <a:p>
                       <a:r>
-                        <a:rPr lang="pt-BR" sz="1800" dirty="0" smtClean="0"/>
+                        <a:rPr lang="pt-BR" sz="1800" dirty="0"/>
                         <a:t>        echo '&lt;br&gt;';</a:t>
                       </a:r>
                     </a:p>
                     <a:p>
                       <a:r>
-                        <a:rPr lang="pt-BR" sz="1800" dirty="0" smtClean="0"/>
+                        <a:rPr lang="pt-BR" sz="1800" dirty="0"/>
                         <a:t>        echo 'A condição foi satisfeita';</a:t>
                       </a:r>
                     </a:p>
                     <a:p>
                       <a:r>
-                        <a:rPr lang="pt-BR" sz="1800" dirty="0" smtClean="0"/>
+                        <a:rPr lang="pt-BR" sz="1800" dirty="0"/>
                         <a:t>    }</a:t>
                       </a:r>
                     </a:p>
                     <a:p>
                       <a:r>
-                        <a:rPr lang="pt-BR" sz="1800" dirty="0" smtClean="0"/>
+                        <a:rPr lang="pt-BR" sz="1800" dirty="0"/>
                         <a:t>?&gt;</a:t>
                       </a:r>
-                      <a:endParaRPr lang="pt-BR" sz="1800" dirty="0"/>
                     </a:p>
                   </a:txBody>
                   <a:tcPr>
@@ -15872,6 +15845,11 @@
                     </a:lnB>
                   </a:tcPr>
                 </a:tc>
+                <a:extLst>
+                  <a:ext uri="{0D108BD9-81ED-4DB2-BD59-A6C34878D82A}">
+                    <a16:rowId xmlns:a16="http://schemas.microsoft.com/office/drawing/2014/main" val="10000"/>
+                  </a:ext>
+                </a:extLst>
               </a:tr>
             </a:tbl>
           </a:graphicData>
@@ -15887,13 +15865,6 @@
   <p:clrMapOvr>
     <a:masterClrMapping/>
   </p:clrMapOvr>
-  <p:timing>
-    <p:tnLst>
-      <p:par>
-        <p:cTn id="1" dur="indefinite" restart="never" nodeType="tmRoot"/>
-      </p:par>
-    </p:tnLst>
-  </p:timing>
 </p:sld>
 </file>
 
@@ -15933,7 +15904,7 @@
           <p:cNvPr id="7" name="Título 1">
             <a:extLst>
               <a:ext uri="{FF2B5EF4-FFF2-40B4-BE49-F238E27FC236}">
-                <a16:creationId xmlns="" xmlns:a16="http://schemas.microsoft.com/office/drawing/2014/main" id="{489F5D36-DFC3-5141-9F8E-6FACABCF76D1}"/>
+                <a16:creationId xmlns:a16="http://schemas.microsoft.com/office/drawing/2014/main" id="{489F5D36-DFC3-5141-9F8E-6FACABCF76D1}"/>
               </a:ext>
             </a:extLst>
           </p:cNvPr>
@@ -15976,7 +15947,7 @@
           </a:lstStyle>
           <a:p>
             <a:r>
-              <a:rPr lang="pt-BR" b="1" dirty="0" smtClean="0">
+              <a:rPr lang="pt-BR" b="1" dirty="0">
                 <a:solidFill>
                   <a:schemeClr val="bg2">
                     <a:lumMod val="75000"/>
@@ -15987,15 +15958,6 @@
               </a:rPr>
               <a:t>Estrutura de decisão</a:t>
             </a:r>
-            <a:endParaRPr lang="pt-BR" b="1" dirty="0">
-              <a:solidFill>
-                <a:schemeClr val="bg2">
-                  <a:lumMod val="75000"/>
-                </a:schemeClr>
-              </a:solidFill>
-              <a:latin typeface="+mn-lt"/>
-              <a:cs typeface="Calibri" panose="020F0502020204030204" pitchFamily="34" charset="0"/>
-            </a:endParaRPr>
           </a:p>
         </p:txBody>
       </p:sp>
@@ -16020,7 +15982,7 @@
           <a:lstStyle/>
           <a:p>
             <a:r>
-              <a:rPr lang="pt-BR" dirty="0" smtClean="0"/>
+              <a:rPr lang="pt-BR" dirty="0"/>
               <a:t>If/else</a:t>
             </a:r>
           </a:p>
@@ -16054,8 +16016,20 @@
                 <a:tableStyleId>{5C22544A-7EE6-4342-B048-85BDC9FD1C3A}</a:tableStyleId>
               </a:tblPr>
               <a:tblGrid>
-                <a:gridCol w="3844978"/>
-                <a:gridCol w="4384622"/>
+                <a:gridCol w="3844978">
+                  <a:extLst>
+                    <a:ext uri="{9D8B030D-6E8A-4147-A177-3AD203B41FA5}">
+                      <a16:colId xmlns:a16="http://schemas.microsoft.com/office/drawing/2014/main" val="20000"/>
+                    </a:ext>
+                  </a:extLst>
+                </a:gridCol>
+                <a:gridCol w="4384622">
+                  <a:extLst>
+                    <a:ext uri="{9D8B030D-6E8A-4147-A177-3AD203B41FA5}">
+                      <a16:colId xmlns:a16="http://schemas.microsoft.com/office/drawing/2014/main" val="20001"/>
+                    </a:ext>
+                  </a:extLst>
+                </a:gridCol>
               </a:tblGrid>
               <a:tr h="3983047">
                 <a:tc>
@@ -16064,57 +16038,56 @@
                     <a:lstStyle/>
                     <a:p>
                       <a:r>
-                        <a:rPr lang="pt-BR" sz="2200" dirty="0" smtClean="0"/>
+                        <a:rPr lang="pt-BR" sz="2200" dirty="0"/>
                         <a:t>&lt;?php</a:t>
                       </a:r>
                     </a:p>
                     <a:p>
                       <a:r>
-                        <a:rPr lang="pt-BR" sz="2200" dirty="0" smtClean="0"/>
+                        <a:rPr lang="pt-BR" sz="2200" dirty="0"/>
                         <a:t>    $valor  = 2;</a:t>
                       </a:r>
                     </a:p>
                     <a:p>
                       <a:r>
-                        <a:rPr lang="pt-BR" sz="2200" dirty="0" smtClean="0"/>
+                        <a:rPr lang="pt-BR" sz="2200" dirty="0"/>
                         <a:t>    if ($valor == 2){</a:t>
                       </a:r>
                     </a:p>
                     <a:p>
                       <a:r>
-                        <a:rPr lang="pt-BR" sz="2200" dirty="0" smtClean="0"/>
+                        <a:rPr lang="pt-BR" sz="2200" dirty="0"/>
                         <a:t>        echo 'Valor é igual a 2!';	</a:t>
                       </a:r>
                     </a:p>
                     <a:p>
                       <a:r>
-                        <a:rPr lang="pt-BR" sz="2200" dirty="0" smtClean="0"/>
+                        <a:rPr lang="pt-BR" sz="2200" dirty="0"/>
                         <a:t>    } else {</a:t>
                       </a:r>
                     </a:p>
                     <a:p>
                       <a:r>
-                        <a:rPr lang="pt-BR" sz="2200" dirty="0" smtClean="0"/>
+                        <a:rPr lang="pt-BR" sz="2200" dirty="0"/>
                         <a:t>        echo 'Valor não</a:t>
                       </a:r>
                       <a:r>
-                        <a:rPr lang="pt-BR" sz="2200" baseline="0" dirty="0" smtClean="0"/>
+                        <a:rPr lang="pt-BR" sz="2200" baseline="0" dirty="0"/>
                         <a:t> é 2!’;</a:t>
                       </a:r>
-                      <a:endParaRPr lang="pt-BR" sz="2200" dirty="0" smtClean="0"/>
-                    </a:p>
-                    <a:p>
-                      <a:r>
-                        <a:rPr lang="pt-BR" sz="2200" dirty="0" smtClean="0"/>
+                      <a:endParaRPr lang="pt-BR" sz="2200" dirty="0"/>
+                    </a:p>
+                    <a:p>
+                      <a:r>
+                        <a:rPr lang="pt-BR" sz="2200" dirty="0"/>
                         <a:t>}</a:t>
                       </a:r>
                     </a:p>
                     <a:p>
                       <a:r>
-                        <a:rPr lang="pt-BR" sz="2200" dirty="0" smtClean="0"/>
+                        <a:rPr lang="pt-BR" sz="2200" dirty="0"/>
                         <a:t>?&gt;</a:t>
                       </a:r>
-                      <a:endParaRPr lang="pt-BR" sz="2200" dirty="0"/>
                     </a:p>
                   </a:txBody>
                   <a:tcPr>
@@ -16162,64 +16135,63 @@
                     <a:lstStyle/>
                     <a:p>
                       <a:r>
-                        <a:rPr lang="pt-BR" sz="2200" dirty="0" smtClean="0"/>
+                        <a:rPr lang="pt-BR" sz="2200" dirty="0"/>
                         <a:t>&lt;?php    </a:t>
                       </a:r>
                     </a:p>
                     <a:p>
                       <a:r>
-                        <a:rPr lang="pt-BR" sz="2200" dirty="0" smtClean="0"/>
+                        <a:rPr lang="pt-BR" sz="2200" dirty="0"/>
                         <a:t>    $valor  = 3;	</a:t>
                       </a:r>
                     </a:p>
                     <a:p>
                       <a:r>
-                        <a:rPr lang="pt-BR" sz="2200" dirty="0" smtClean="0"/>
+                        <a:rPr lang="pt-BR" sz="2200" dirty="0"/>
                         <a:t>    if ($valor == 1){</a:t>
                       </a:r>
                     </a:p>
                     <a:p>
                       <a:r>
-                        <a:rPr lang="pt-BR" sz="2200" dirty="0" smtClean="0"/>
+                        <a:rPr lang="pt-BR" sz="2200" dirty="0"/>
                         <a:t>        echo 'Valor é igual a 1!';	</a:t>
                       </a:r>
                     </a:p>
                     <a:p>
                       <a:r>
-                        <a:rPr lang="pt-BR" sz="2200" dirty="0" smtClean="0"/>
+                        <a:rPr lang="pt-BR" sz="2200" dirty="0"/>
                         <a:t>    } else if ($valor == 2){</a:t>
                       </a:r>
                     </a:p>
                     <a:p>
                       <a:r>
-                        <a:rPr lang="pt-BR" sz="2200" dirty="0" smtClean="0"/>
+                        <a:rPr lang="pt-BR" sz="2200" dirty="0"/>
                         <a:t>        echo 'Valor é igual de 2!';</a:t>
                       </a:r>
                     </a:p>
                     <a:p>
                       <a:r>
-                        <a:rPr lang="pt-BR" sz="2200" dirty="0" smtClean="0"/>
+                        <a:rPr lang="pt-BR" sz="2200" dirty="0"/>
                         <a:t>    } else {</a:t>
                       </a:r>
                     </a:p>
                     <a:p>
                       <a:r>
-                        <a:rPr lang="pt-BR" sz="2200" dirty="0" smtClean="0"/>
+                        <a:rPr lang="pt-BR" sz="2200" dirty="0"/>
                         <a:t>        echo 'Valor não está no escopo!';</a:t>
                       </a:r>
                     </a:p>
                     <a:p>
                       <a:r>
-                        <a:rPr lang="pt-BR" sz="2200" dirty="0" smtClean="0"/>
+                        <a:rPr lang="pt-BR" sz="2200" dirty="0"/>
                         <a:t>    }</a:t>
                       </a:r>
                     </a:p>
                     <a:p>
                       <a:r>
-                        <a:rPr lang="pt-BR" sz="2200" dirty="0" smtClean="0"/>
+                        <a:rPr lang="pt-BR" sz="2200" dirty="0"/>
                         <a:t>?&gt;</a:t>
                       </a:r>
-                      <a:endParaRPr lang="pt-BR" sz="2200" dirty="0"/>
                     </a:p>
                   </a:txBody>
                   <a:tcPr>
@@ -16261,6 +16233,11 @@
                     </a:lnB>
                   </a:tcPr>
                 </a:tc>
+                <a:extLst>
+                  <a:ext uri="{0D108BD9-81ED-4DB2-BD59-A6C34878D82A}">
+                    <a16:rowId xmlns:a16="http://schemas.microsoft.com/office/drawing/2014/main" val="10000"/>
+                  </a:ext>
+                </a:extLst>
               </a:tr>
             </a:tbl>
           </a:graphicData>
@@ -16276,13 +16253,6 @@
   <p:clrMapOvr>
     <a:masterClrMapping/>
   </p:clrMapOvr>
-  <p:timing>
-    <p:tnLst>
-      <p:par>
-        <p:cTn id="1" dur="indefinite" restart="never" nodeType="tmRoot"/>
-      </p:par>
-    </p:tnLst>
-  </p:timing>
 </p:sld>
 </file>
 
@@ -16322,7 +16292,7 @@
           <p:cNvPr id="7" name="Título 1">
             <a:extLst>
               <a:ext uri="{FF2B5EF4-FFF2-40B4-BE49-F238E27FC236}">
-                <a16:creationId xmlns="" xmlns:a16="http://schemas.microsoft.com/office/drawing/2014/main" id="{489F5D36-DFC3-5141-9F8E-6FACABCF76D1}"/>
+                <a16:creationId xmlns:a16="http://schemas.microsoft.com/office/drawing/2014/main" id="{489F5D36-DFC3-5141-9F8E-6FACABCF76D1}"/>
               </a:ext>
             </a:extLst>
           </p:cNvPr>
@@ -16365,7 +16335,7 @@
           </a:lstStyle>
           <a:p>
             <a:r>
-              <a:rPr lang="pt-BR" b="1" dirty="0" smtClean="0">
+              <a:rPr lang="pt-BR" b="1" dirty="0">
                 <a:solidFill>
                   <a:schemeClr val="bg2">
                     <a:lumMod val="75000"/>
@@ -16376,15 +16346,6 @@
               </a:rPr>
               <a:t>Estrutura de decisão</a:t>
             </a:r>
-            <a:endParaRPr lang="pt-BR" b="1" dirty="0">
-              <a:solidFill>
-                <a:schemeClr val="bg2">
-                  <a:lumMod val="75000"/>
-                </a:schemeClr>
-              </a:solidFill>
-              <a:latin typeface="+mn-lt"/>
-              <a:cs typeface="Calibri" panose="020F0502020204030204" pitchFamily="34" charset="0"/>
-            </a:endParaRPr>
           </a:p>
         </p:txBody>
       </p:sp>
@@ -16409,17 +16370,16 @@
           <a:lstStyle/>
           <a:p>
             <a:r>
-              <a:rPr lang="pt-BR" dirty="0" smtClean="0"/>
+              <a:rPr lang="pt-BR" dirty="0"/>
               <a:t>Switch</a:t>
             </a:r>
           </a:p>
           <a:p>
             <a:pPr lvl="1"/>
             <a:r>
-              <a:rPr lang="pt-BR" dirty="0" smtClean="0"/>
+              <a:rPr lang="pt-BR" dirty="0"/>
               <a:t>Condição semelhante ao if, porém, simplifica a utilização de várias condições if</a:t>
             </a:r>
-            <a:endParaRPr lang="pt-BR" dirty="0"/>
           </a:p>
         </p:txBody>
       </p:sp>
@@ -16448,7 +16408,13 @@
                 <a:tableStyleId>{5C22544A-7EE6-4342-B048-85BDC9FD1C3A}</a:tableStyleId>
               </a:tblPr>
               <a:tblGrid>
-                <a:gridCol w="6096000"/>
+                <a:gridCol w="6096000">
+                  <a:extLst>
+                    <a:ext uri="{9D8B030D-6E8A-4147-A177-3AD203B41FA5}">
+                      <a16:colId xmlns:a16="http://schemas.microsoft.com/office/drawing/2014/main" val="20000"/>
+                    </a:ext>
+                  </a:extLst>
+                </a:gridCol>
               </a:tblGrid>
               <a:tr h="3929090">
                 <a:tc>
@@ -16457,96 +16423,95 @@
                     <a:lstStyle/>
                     <a:p>
                       <a:r>
-                        <a:rPr lang="pt-BR" dirty="0" smtClean="0"/>
+                        <a:rPr lang="pt-BR" dirty="0"/>
                         <a:t>&lt;?php</a:t>
                       </a:r>
                     </a:p>
                     <a:p>
                       <a:r>
-                        <a:rPr lang="pt-BR" dirty="0" smtClean="0"/>
+                        <a:rPr lang="pt-BR" dirty="0"/>
                         <a:t>    $valor  = 2;</a:t>
                       </a:r>
                     </a:p>
                     <a:p>
                       <a:r>
-                        <a:rPr lang="pt-BR" dirty="0" smtClean="0"/>
+                        <a:rPr lang="pt-BR" dirty="0"/>
                         <a:t>    switch ($valor){</a:t>
                       </a:r>
                     </a:p>
                     <a:p>
                       <a:r>
-                        <a:rPr lang="pt-BR" dirty="0" smtClean="0"/>
+                        <a:rPr lang="pt-BR" dirty="0"/>
                         <a:t>        case 1:</a:t>
                       </a:r>
                     </a:p>
                     <a:p>
                       <a:r>
-                        <a:rPr lang="pt-BR" dirty="0" smtClean="0"/>
+                        <a:rPr lang="pt-BR" dirty="0"/>
                         <a:t>            echo 'Valor igual a 1!';</a:t>
                       </a:r>
                     </a:p>
                     <a:p>
                       <a:r>
-                        <a:rPr lang="pt-BR" baseline="0" dirty="0" smtClean="0"/>
+                        <a:rPr lang="pt-BR" baseline="0" dirty="0"/>
                         <a:t>        </a:t>
                       </a:r>
                       <a:r>
-                        <a:rPr lang="pt-BR" dirty="0" smtClean="0"/>
+                        <a:rPr lang="pt-BR" dirty="0"/>
                         <a:t>break;</a:t>
                       </a:r>
                     </a:p>
                     <a:p>
                       <a:r>
-                        <a:rPr lang="pt-BR" dirty="0" smtClean="0"/>
+                        <a:rPr lang="pt-BR" dirty="0"/>
                         <a:t>        case 2:</a:t>
                       </a:r>
                     </a:p>
                     <a:p>
                       <a:r>
-                        <a:rPr lang="pt-BR" dirty="0" smtClean="0"/>
+                        <a:rPr lang="pt-BR" dirty="0"/>
                         <a:t>            echo 'Valor igual a 2!';</a:t>
                       </a:r>
                     </a:p>
                     <a:p>
                       <a:r>
-                        <a:rPr lang="pt-BR" dirty="0" smtClean="0"/>
+                        <a:rPr lang="pt-BR" dirty="0"/>
                         <a:t>        break;</a:t>
                       </a:r>
                     </a:p>
                     <a:p>
                       <a:r>
-                        <a:rPr lang="pt-BR" dirty="0" smtClean="0"/>
+                        <a:rPr lang="pt-BR" dirty="0"/>
                         <a:t>        default:</a:t>
                       </a:r>
                     </a:p>
                     <a:p>
                       <a:r>
-                        <a:rPr lang="pt-BR" dirty="0" smtClean="0"/>
+                        <a:rPr lang="pt-BR" dirty="0"/>
                         <a:t>            echo 'Valor não especificado!';</a:t>
                       </a:r>
                     </a:p>
                     <a:p>
                       <a:r>
-                        <a:rPr lang="pt-BR" baseline="0" dirty="0" smtClean="0"/>
+                        <a:rPr lang="pt-BR" baseline="0" dirty="0"/>
                         <a:t>        </a:t>
                       </a:r>
                       <a:r>
-                        <a:rPr lang="pt-BR" dirty="0" smtClean="0"/>
+                        <a:rPr lang="pt-BR" dirty="0"/>
                         <a:t>break;		</a:t>
                       </a:r>
                     </a:p>
                     <a:p>
                       <a:r>
-                        <a:rPr lang="pt-BR" dirty="0" smtClean="0"/>
+                        <a:rPr lang="pt-BR" dirty="0"/>
                         <a:t>    }</a:t>
                       </a:r>
                     </a:p>
                     <a:p>
                       <a:r>
-                        <a:rPr lang="pt-BR" dirty="0" smtClean="0"/>
+                        <a:rPr lang="pt-BR" dirty="0"/>
                         <a:t>?&gt;</a:t>
                       </a:r>
-                      <a:endParaRPr lang="pt-BR" dirty="0"/>
                     </a:p>
                   </a:txBody>
                   <a:tcPr>
@@ -16588,6 +16553,11 @@
                     </a:lnB>
                   </a:tcPr>
                 </a:tc>
+                <a:extLst>
+                  <a:ext uri="{0D108BD9-81ED-4DB2-BD59-A6C34878D82A}">
+                    <a16:rowId xmlns:a16="http://schemas.microsoft.com/office/drawing/2014/main" val="10000"/>
+                  </a:ext>
+                </a:extLst>
               </a:tr>
             </a:tbl>
           </a:graphicData>
@@ -16603,13 +16573,6 @@
   <p:clrMapOvr>
     <a:masterClrMapping/>
   </p:clrMapOvr>
-  <p:timing>
-    <p:tnLst>
-      <p:par>
-        <p:cTn id="1" dur="indefinite" restart="never" nodeType="tmRoot"/>
-      </p:par>
-    </p:tnLst>
-  </p:timing>
 </p:sld>
 </file>
 
@@ -16649,7 +16612,7 @@
           <p:cNvPr id="7" name="Título 1">
             <a:extLst>
               <a:ext uri="{FF2B5EF4-FFF2-40B4-BE49-F238E27FC236}">
-                <a16:creationId xmlns="" xmlns:a16="http://schemas.microsoft.com/office/drawing/2014/main" id="{489F5D36-DFC3-5141-9F8E-6FACABCF76D1}"/>
+                <a16:creationId xmlns:a16="http://schemas.microsoft.com/office/drawing/2014/main" id="{489F5D36-DFC3-5141-9F8E-6FACABCF76D1}"/>
               </a:ext>
             </a:extLst>
           </p:cNvPr>
@@ -16692,7 +16655,7 @@
           </a:lstStyle>
           <a:p>
             <a:r>
-              <a:rPr lang="pt-BR" b="1" dirty="0" smtClean="0">
+              <a:rPr lang="pt-BR" b="1" dirty="0">
                 <a:solidFill>
                   <a:schemeClr val="bg2">
                     <a:lumMod val="75000"/>
@@ -16703,15 +16666,6 @@
               </a:rPr>
               <a:t>Estrutura de decisão</a:t>
             </a:r>
-            <a:endParaRPr lang="pt-BR" b="1" dirty="0">
-              <a:solidFill>
-                <a:schemeClr val="bg2">
-                  <a:lumMod val="75000"/>
-                </a:schemeClr>
-              </a:solidFill>
-              <a:latin typeface="+mn-lt"/>
-              <a:cs typeface="Calibri" panose="020F0502020204030204" pitchFamily="34" charset="0"/>
-            </a:endParaRPr>
           </a:p>
         </p:txBody>
       </p:sp>
@@ -16736,39 +16690,39 @@
           <a:lstStyle/>
           <a:p>
             <a:r>
-              <a:rPr lang="pt-BR" dirty="0" smtClean="0"/>
+              <a:rPr lang="pt-BR" dirty="0"/>
               <a:t>Switch</a:t>
             </a:r>
           </a:p>
           <a:p>
             <a:pPr lvl="1"/>
             <a:r>
-              <a:rPr lang="pt-BR" dirty="0" smtClean="0"/>
+              <a:rPr lang="pt-BR" dirty="0"/>
               <a:t>Importante</a:t>
             </a:r>
           </a:p>
           <a:p>
             <a:pPr lvl="2"/>
             <a:r>
-              <a:rPr lang="pt-BR" dirty="0" smtClean="0"/>
+              <a:rPr lang="pt-BR" dirty="0"/>
               <a:t>Lembrar de utilizar o break para parar a verificação</a:t>
             </a:r>
           </a:p>
           <a:p>
             <a:pPr lvl="2"/>
-            <a:endParaRPr lang="pt-BR" dirty="0" smtClean="0"/>
+            <a:endParaRPr lang="pt-BR" dirty="0"/>
           </a:p>
           <a:p>
             <a:pPr lvl="1"/>
             <a:r>
-              <a:rPr lang="pt-BR" dirty="0" smtClean="0"/>
+              <a:rPr lang="pt-BR" dirty="0"/>
               <a:t>O bloco default </a:t>
             </a:r>
           </a:p>
           <a:p>
             <a:pPr lvl="2"/>
             <a:r>
-              <a:rPr lang="pt-BR" dirty="0" smtClean="0"/>
+              <a:rPr lang="pt-BR" dirty="0"/>
               <a:t>Será executado quando nenhuma das condições anteriores forem satisfeitas (else)</a:t>
             </a:r>
           </a:p>
@@ -16784,13 +16738,6 @@
   <p:clrMapOvr>
     <a:masterClrMapping/>
   </p:clrMapOvr>
-  <p:timing>
-    <p:tnLst>
-      <p:par>
-        <p:cTn id="1" dur="indefinite" restart="never" nodeType="tmRoot"/>
-      </p:par>
-    </p:tnLst>
-  </p:timing>
 </p:sld>
 </file>
 
@@ -16830,7 +16777,7 @@
           <p:cNvPr id="7" name="Título 1">
             <a:extLst>
               <a:ext uri="{FF2B5EF4-FFF2-40B4-BE49-F238E27FC236}">
-                <a16:creationId xmlns="" xmlns:a16="http://schemas.microsoft.com/office/drawing/2014/main" id="{489F5D36-DFC3-5141-9F8E-6FACABCF76D1}"/>
+                <a16:creationId xmlns:a16="http://schemas.microsoft.com/office/drawing/2014/main" id="{489F5D36-DFC3-5141-9F8E-6FACABCF76D1}"/>
               </a:ext>
             </a:extLst>
           </p:cNvPr>
@@ -16873,7 +16820,7 @@
           </a:lstStyle>
           <a:p>
             <a:r>
-              <a:rPr lang="pt-BR" b="1" dirty="0" smtClean="0">
+              <a:rPr lang="pt-BR" b="1" dirty="0">
                 <a:solidFill>
                   <a:schemeClr val="bg2">
                     <a:lumMod val="75000"/>
@@ -16884,15 +16831,6 @@
               </a:rPr>
               <a:t>Tópicos</a:t>
             </a:r>
-            <a:endParaRPr lang="pt-BR" b="1" dirty="0">
-              <a:solidFill>
-                <a:schemeClr val="bg2">
-                  <a:lumMod val="75000"/>
-                </a:schemeClr>
-              </a:solidFill>
-              <a:latin typeface="+mn-lt"/>
-              <a:cs typeface="Calibri" panose="020F0502020204030204" pitchFamily="34" charset="0"/>
-            </a:endParaRPr>
           </a:p>
         </p:txBody>
       </p:sp>
@@ -16917,37 +16855,37 @@
           <a:lstStyle/>
           <a:p>
             <a:r>
-              <a:rPr lang="pt-BR" dirty="0" smtClean="0"/>
+              <a:rPr lang="pt-BR" dirty="0"/>
               <a:t>Variáveis e Constantes</a:t>
             </a:r>
           </a:p>
           <a:p>
             <a:r>
-              <a:rPr lang="pt-BR" dirty="0" smtClean="0"/>
+              <a:rPr lang="pt-BR" dirty="0"/>
               <a:t>Variáveis pré-definidas</a:t>
             </a:r>
           </a:p>
           <a:p>
             <a:r>
-              <a:rPr lang="pt-BR" dirty="0" smtClean="0"/>
+              <a:rPr lang="pt-BR" dirty="0"/>
               <a:t>Operadores</a:t>
             </a:r>
           </a:p>
           <a:p>
             <a:r>
-              <a:rPr lang="pt-BR" dirty="0" smtClean="0"/>
+              <a:rPr lang="pt-BR" dirty="0"/>
               <a:t>Estruturas de decisão</a:t>
             </a:r>
           </a:p>
           <a:p>
             <a:r>
-              <a:rPr lang="pt-BR" dirty="0" smtClean="0"/>
+              <a:rPr lang="pt-BR" dirty="0"/>
               <a:t>Funções</a:t>
             </a:r>
           </a:p>
           <a:p>
             <a:r>
-              <a:rPr lang="pt-BR" dirty="0" smtClean="0"/>
+              <a:rPr lang="pt-BR" dirty="0"/>
               <a:t>Passagem de Parâmetros</a:t>
             </a:r>
           </a:p>
@@ -16963,13 +16901,6 @@
   <p:clrMapOvr>
     <a:masterClrMapping/>
   </p:clrMapOvr>
-  <p:timing>
-    <p:tnLst>
-      <p:par>
-        <p:cTn id="1" dur="indefinite" restart="never" nodeType="tmRoot"/>
-      </p:par>
-    </p:tnLst>
-  </p:timing>
 </p:sld>
 </file>
 
@@ -17009,7 +16940,7 @@
           <p:cNvPr id="7" name="Título 1">
             <a:extLst>
               <a:ext uri="{FF2B5EF4-FFF2-40B4-BE49-F238E27FC236}">
-                <a16:creationId xmlns="" xmlns:a16="http://schemas.microsoft.com/office/drawing/2014/main" id="{489F5D36-DFC3-5141-9F8E-6FACABCF76D1}"/>
+                <a16:creationId xmlns:a16="http://schemas.microsoft.com/office/drawing/2014/main" id="{489F5D36-DFC3-5141-9F8E-6FACABCF76D1}"/>
               </a:ext>
             </a:extLst>
           </p:cNvPr>
@@ -17052,7 +16983,7 @@
           </a:lstStyle>
           <a:p>
             <a:r>
-              <a:rPr lang="pt-BR" b="1" dirty="0" smtClean="0">
+              <a:rPr lang="pt-BR" b="1" dirty="0">
                 <a:solidFill>
                   <a:schemeClr val="bg2">
                     <a:lumMod val="75000"/>
@@ -17063,15 +16994,6 @@
               </a:rPr>
               <a:t>Funções</a:t>
             </a:r>
-            <a:endParaRPr lang="pt-BR" b="1" dirty="0">
-              <a:solidFill>
-                <a:schemeClr val="bg2">
-                  <a:lumMod val="75000"/>
-                </a:schemeClr>
-              </a:solidFill>
-              <a:latin typeface="+mn-lt"/>
-              <a:cs typeface="Calibri" panose="020F0502020204030204" pitchFamily="34" charset="0"/>
-            </a:endParaRPr>
           </a:p>
         </p:txBody>
       </p:sp>
@@ -17096,14 +17018,14 @@
           <a:lstStyle/>
           <a:p>
             <a:r>
-              <a:rPr lang="pt-BR" dirty="0" smtClean="0"/>
+              <a:rPr lang="pt-BR" dirty="0"/>
               <a:t>Definindo funções</a:t>
             </a:r>
           </a:p>
           <a:p>
             <a:pPr lvl="1"/>
             <a:r>
-              <a:rPr lang="pt-BR" dirty="0" smtClean="0"/>
+              <a:rPr lang="pt-BR" dirty="0"/>
               <a:t>Sintaxe básica para definir uma função:</a:t>
             </a:r>
           </a:p>
@@ -17138,7 +17060,13 @@
                 <a:tableStyleId>{5C22544A-7EE6-4342-B048-85BDC9FD1C3A}</a:tableStyleId>
               </a:tblPr>
               <a:tblGrid>
-                <a:gridCol w="8072494"/>
+                <a:gridCol w="8072494">
+                  <a:extLst>
+                    <a:ext uri="{9D8B030D-6E8A-4147-A177-3AD203B41FA5}">
+                      <a16:colId xmlns:a16="http://schemas.microsoft.com/office/drawing/2014/main" val="20000"/>
+                    </a:ext>
+                  </a:extLst>
+                </a:gridCol>
               </a:tblGrid>
               <a:tr h="3643338">
                 <a:tc>
@@ -17147,46 +17075,45 @@
                     <a:lstStyle/>
                     <a:p>
                       <a:r>
-                        <a:rPr lang="pt-BR" sz="3200" dirty="0" smtClean="0"/>
+                        <a:rPr lang="pt-BR" sz="3200" dirty="0"/>
                         <a:t>&lt;?php</a:t>
                       </a:r>
                     </a:p>
                     <a:p>
                       <a:r>
-                        <a:rPr lang="pt-BR" sz="3200" dirty="0" smtClean="0"/>
+                        <a:rPr lang="pt-BR" sz="3200" dirty="0"/>
                         <a:t>    function nomeDaFuncao([arg1,arg2,arg3]){</a:t>
                       </a:r>
                     </a:p>
                     <a:p>
                       <a:r>
-                        <a:rPr lang="pt-BR" sz="3200" dirty="0" smtClean="0"/>
+                        <a:rPr lang="pt-BR" sz="3200" dirty="0"/>
                         <a:t>        //Comandos;</a:t>
                       </a:r>
                     </a:p>
                     <a:p>
                       <a:r>
-                        <a:rPr lang="pt-BR" sz="3200" dirty="0" smtClean="0"/>
+                        <a:rPr lang="pt-BR" sz="3200" dirty="0"/>
                         <a:t>        //..;</a:t>
                       </a:r>
                     </a:p>
                     <a:p>
                       <a:r>
-                        <a:rPr lang="pt-BR" sz="3200" dirty="0" smtClean="0"/>
+                        <a:rPr lang="pt-BR" sz="3200" dirty="0"/>
                         <a:t>        [return &lt;valor de retorno&gt;];</a:t>
                       </a:r>
                     </a:p>
                     <a:p>
                       <a:r>
-                        <a:rPr lang="pt-BR" sz="3200" dirty="0" smtClean="0"/>
+                        <a:rPr lang="pt-BR" sz="3200" dirty="0"/>
                         <a:t>    }</a:t>
                       </a:r>
                     </a:p>
                     <a:p>
                       <a:r>
-                        <a:rPr lang="pt-BR" sz="3200" dirty="0" smtClean="0"/>
+                        <a:rPr lang="pt-BR" sz="3200" dirty="0"/>
                         <a:t>?&gt;</a:t>
                       </a:r>
-                      <a:endParaRPr lang="pt-BR" sz="3200" dirty="0"/>
                     </a:p>
                   </a:txBody>
                   <a:tcPr>
@@ -17228,6 +17155,11 @@
                     </a:lnB>
                   </a:tcPr>
                 </a:tc>
+                <a:extLst>
+                  <a:ext uri="{0D108BD9-81ED-4DB2-BD59-A6C34878D82A}">
+                    <a16:rowId xmlns:a16="http://schemas.microsoft.com/office/drawing/2014/main" val="10000"/>
+                  </a:ext>
+                </a:extLst>
               </a:tr>
             </a:tbl>
           </a:graphicData>
@@ -17243,13 +17175,6 @@
   <p:clrMapOvr>
     <a:masterClrMapping/>
   </p:clrMapOvr>
-  <p:timing>
-    <p:tnLst>
-      <p:par>
-        <p:cTn id="1" dur="indefinite" restart="never" nodeType="tmRoot"/>
-      </p:par>
-    </p:tnLst>
-  </p:timing>
 </p:sld>
 </file>
 
@@ -17289,7 +17214,7 @@
           <p:cNvPr id="7" name="Título 1">
             <a:extLst>
               <a:ext uri="{FF2B5EF4-FFF2-40B4-BE49-F238E27FC236}">
-                <a16:creationId xmlns="" xmlns:a16="http://schemas.microsoft.com/office/drawing/2014/main" id="{489F5D36-DFC3-5141-9F8E-6FACABCF76D1}"/>
+                <a16:creationId xmlns:a16="http://schemas.microsoft.com/office/drawing/2014/main" id="{489F5D36-DFC3-5141-9F8E-6FACABCF76D1}"/>
               </a:ext>
             </a:extLst>
           </p:cNvPr>
@@ -17332,7 +17257,7 @@
           </a:lstStyle>
           <a:p>
             <a:r>
-              <a:rPr lang="pt-BR" b="1" dirty="0" smtClean="0">
+              <a:rPr lang="pt-BR" b="1" dirty="0">
                 <a:solidFill>
                   <a:schemeClr val="bg2">
                     <a:lumMod val="75000"/>
@@ -17343,15 +17268,6 @@
               </a:rPr>
               <a:t>Funções</a:t>
             </a:r>
-            <a:endParaRPr lang="pt-BR" b="1" dirty="0">
-              <a:solidFill>
-                <a:schemeClr val="bg2">
-                  <a:lumMod val="75000"/>
-                </a:schemeClr>
-              </a:solidFill>
-              <a:latin typeface="+mn-lt"/>
-              <a:cs typeface="Calibri" panose="020F0502020204030204" pitchFamily="34" charset="0"/>
-            </a:endParaRPr>
           </a:p>
         </p:txBody>
       </p:sp>
@@ -17376,53 +17292,52 @@
           <a:lstStyle/>
           <a:p>
             <a:r>
-              <a:rPr lang="pt-BR" dirty="0" smtClean="0"/>
+              <a:rPr lang="pt-BR" dirty="0"/>
               <a:t>Definindo funções</a:t>
             </a:r>
           </a:p>
           <a:p>
             <a:pPr lvl="1"/>
             <a:r>
-              <a:rPr lang="pt-BR" dirty="0" smtClean="0"/>
+              <a:rPr lang="pt-BR" dirty="0"/>
               <a:t>Não é necessário tipar o retorno</a:t>
             </a:r>
           </a:p>
           <a:p>
             <a:pPr lvl="1"/>
-            <a:endParaRPr lang="pt-BR" dirty="0" smtClean="0"/>
+            <a:endParaRPr lang="pt-BR" dirty="0"/>
           </a:p>
           <a:p>
             <a:pPr lvl="1"/>
             <a:r>
-              <a:rPr lang="pt-BR" dirty="0" smtClean="0"/>
+              <a:rPr lang="pt-BR" dirty="0"/>
               <a:t>Tanto o retorno como os parâmetros são opcionais</a:t>
             </a:r>
           </a:p>
           <a:p>
             <a:pPr lvl="1"/>
-            <a:endParaRPr lang="pt-BR" dirty="0" smtClean="0"/>
+            <a:endParaRPr lang="pt-BR" dirty="0"/>
           </a:p>
           <a:p>
             <a:pPr lvl="1"/>
             <a:r>
-              <a:rPr lang="pt-BR" dirty="0" smtClean="0"/>
+              <a:rPr lang="pt-BR" dirty="0"/>
               <a:t>Pode ser retornado ao qualquer tipo</a:t>
             </a:r>
           </a:p>
           <a:p>
             <a:pPr lvl="2"/>
             <a:r>
-              <a:rPr lang="pt-BR" dirty="0" smtClean="0"/>
+              <a:rPr lang="pt-BR" dirty="0"/>
               <a:t>Array	</a:t>
             </a:r>
           </a:p>
           <a:p>
             <a:pPr lvl="2"/>
             <a:r>
-              <a:rPr lang="pt-BR" dirty="0" smtClean="0"/>
+              <a:rPr lang="pt-BR" dirty="0"/>
               <a:t>Object</a:t>
             </a:r>
-            <a:endParaRPr lang="pt-BR" dirty="0"/>
           </a:p>
         </p:txBody>
       </p:sp>
@@ -17436,13 +17351,6 @@
   <p:clrMapOvr>
     <a:masterClrMapping/>
   </p:clrMapOvr>
-  <p:timing>
-    <p:tnLst>
-      <p:par>
-        <p:cTn id="1" dur="indefinite" restart="never" nodeType="tmRoot"/>
-      </p:par>
-    </p:tnLst>
-  </p:timing>
 </p:sld>
 </file>
 
@@ -17482,7 +17390,7 @@
           <p:cNvPr id="7" name="Título 1">
             <a:extLst>
               <a:ext uri="{FF2B5EF4-FFF2-40B4-BE49-F238E27FC236}">
-                <a16:creationId xmlns="" xmlns:a16="http://schemas.microsoft.com/office/drawing/2014/main" id="{489F5D36-DFC3-5141-9F8E-6FACABCF76D1}"/>
+                <a16:creationId xmlns:a16="http://schemas.microsoft.com/office/drawing/2014/main" id="{489F5D36-DFC3-5141-9F8E-6FACABCF76D1}"/>
               </a:ext>
             </a:extLst>
           </p:cNvPr>
@@ -17525,7 +17433,7 @@
           </a:lstStyle>
           <a:p>
             <a:r>
-              <a:rPr lang="pt-BR" b="1" dirty="0" smtClean="0">
+              <a:rPr lang="pt-BR" b="1" dirty="0">
                 <a:solidFill>
                   <a:schemeClr val="bg2">
                     <a:lumMod val="75000"/>
@@ -17536,15 +17444,6 @@
               </a:rPr>
               <a:t>Funções</a:t>
             </a:r>
-            <a:endParaRPr lang="pt-BR" b="1" dirty="0">
-              <a:solidFill>
-                <a:schemeClr val="bg2">
-                  <a:lumMod val="75000"/>
-                </a:schemeClr>
-              </a:solidFill>
-              <a:latin typeface="+mn-lt"/>
-              <a:cs typeface="Calibri" panose="020F0502020204030204" pitchFamily="34" charset="0"/>
-            </a:endParaRPr>
           </a:p>
         </p:txBody>
       </p:sp>
@@ -17569,29 +17468,29 @@
           <a:lstStyle/>
           <a:p>
             <a:r>
-              <a:rPr lang="pt-BR" dirty="0" smtClean="0"/>
+              <a:rPr lang="pt-BR" dirty="0"/>
               <a:t>Argumentos</a:t>
             </a:r>
           </a:p>
           <a:p>
             <a:pPr lvl="1"/>
             <a:r>
-              <a:rPr lang="pt-BR" dirty="0" smtClean="0"/>
+              <a:rPr lang="pt-BR" dirty="0"/>
               <a:t>Estes devem ser declarados após o nome da função, entre parênteses, e tornam-se variáveis pertecentes ao escopo da função</a:t>
             </a:r>
           </a:p>
           <a:p>
             <a:pPr lvl="1"/>
-            <a:endParaRPr lang="pt-BR" dirty="0" smtClean="0"/>
+            <a:endParaRPr lang="pt-BR" dirty="0"/>
           </a:p>
           <a:p>
             <a:pPr lvl="1"/>
             <a:r>
-              <a:rPr lang="pt-BR" dirty="0" smtClean="0"/>
+              <a:rPr lang="pt-BR" dirty="0"/>
               <a:t>Não é necessário tipar parâmetros, mas se for tipado, ao receber um tipo diferente uma excessão será retornada</a:t>
             </a:r>
             <a:br>
-              <a:rPr lang="pt-BR" dirty="0" smtClean="0"/>
+              <a:rPr lang="pt-BR" dirty="0"/>
             </a:br>
             <a:endParaRPr lang="pt-BR" dirty="0"/>
           </a:p>
@@ -17607,13 +17506,6 @@
   <p:clrMapOvr>
     <a:masterClrMapping/>
   </p:clrMapOvr>
-  <p:timing>
-    <p:tnLst>
-      <p:par>
-        <p:cTn id="1" dur="indefinite" restart="never" nodeType="tmRoot"/>
-      </p:par>
-    </p:tnLst>
-  </p:timing>
 </p:sld>
 </file>
 
@@ -17653,7 +17545,7 @@
           <p:cNvPr id="7" name="Título 1">
             <a:extLst>
               <a:ext uri="{FF2B5EF4-FFF2-40B4-BE49-F238E27FC236}">
-                <a16:creationId xmlns="" xmlns:a16="http://schemas.microsoft.com/office/drawing/2014/main" id="{489F5D36-DFC3-5141-9F8E-6FACABCF76D1}"/>
+                <a16:creationId xmlns:a16="http://schemas.microsoft.com/office/drawing/2014/main" id="{489F5D36-DFC3-5141-9F8E-6FACABCF76D1}"/>
               </a:ext>
             </a:extLst>
           </p:cNvPr>
@@ -17696,7 +17588,7 @@
           </a:lstStyle>
           <a:p>
             <a:r>
-              <a:rPr lang="pt-BR" b="1" dirty="0" smtClean="0">
+              <a:rPr lang="pt-BR" b="1" dirty="0">
                 <a:solidFill>
                   <a:schemeClr val="bg2">
                     <a:lumMod val="75000"/>
@@ -17707,15 +17599,6 @@
               </a:rPr>
               <a:t>Funções</a:t>
             </a:r>
-            <a:endParaRPr lang="pt-BR" b="1" dirty="0">
-              <a:solidFill>
-                <a:schemeClr val="bg2">
-                  <a:lumMod val="75000"/>
-                </a:schemeClr>
-              </a:solidFill>
-              <a:latin typeface="+mn-lt"/>
-              <a:cs typeface="Calibri" panose="020F0502020204030204" pitchFamily="34" charset="0"/>
-            </a:endParaRPr>
           </a:p>
         </p:txBody>
       </p:sp>
@@ -17745,7 +17628,13 @@
                 <a:tableStyleId>{5C22544A-7EE6-4342-B048-85BDC9FD1C3A}</a:tableStyleId>
               </a:tblPr>
               <a:tblGrid>
-                <a:gridCol w="7935238"/>
+                <a:gridCol w="7935238">
+                  <a:extLst>
+                    <a:ext uri="{9D8B030D-6E8A-4147-A177-3AD203B41FA5}">
+                      <a16:colId xmlns:a16="http://schemas.microsoft.com/office/drawing/2014/main" val="20000"/>
+                    </a:ext>
+                  </a:extLst>
+                </a:gridCol>
               </a:tblGrid>
               <a:tr h="3471874">
                 <a:tc>
@@ -17754,40 +17643,39 @@
                     <a:lstStyle/>
                     <a:p>
                       <a:r>
-                        <a:rPr lang="pt-BR" sz="3600" dirty="0" smtClean="0"/>
+                        <a:rPr lang="pt-BR" sz="3600" dirty="0"/>
                         <a:t>&lt;?php</a:t>
                       </a:r>
                     </a:p>
                     <a:p>
                       <a:r>
-                        <a:rPr lang="pt-BR" sz="3600" dirty="0" smtClean="0"/>
+                        <a:rPr lang="pt-BR" sz="3600" dirty="0"/>
                         <a:t>    function imprime($texto){</a:t>
                       </a:r>
                     </a:p>
                     <a:p>
                       <a:r>
-                        <a:rPr lang="pt-BR" sz="3600" dirty="0" smtClean="0"/>
+                        <a:rPr lang="pt-BR" sz="3600" dirty="0"/>
                         <a:t>        echo $texto;</a:t>
                       </a:r>
                     </a:p>
                     <a:p>
                       <a:r>
-                        <a:rPr lang="pt-BR" sz="3600" dirty="0" smtClean="0"/>
+                        <a:rPr lang="pt-BR" sz="3600" dirty="0"/>
                         <a:t>    }</a:t>
                       </a:r>
                     </a:p>
                     <a:p>
                       <a:r>
-                        <a:rPr lang="pt-BR" sz="3600" dirty="0" smtClean="0"/>
+                        <a:rPr lang="pt-BR" sz="3600" dirty="0"/>
                         <a:t>    imprime('Teste de função');</a:t>
                       </a:r>
                     </a:p>
                     <a:p>
                       <a:r>
-                        <a:rPr lang="pt-BR" sz="3600" dirty="0" smtClean="0"/>
+                        <a:rPr lang="pt-BR" sz="3600" dirty="0"/>
                         <a:t>?&gt;</a:t>
                       </a:r>
-                      <a:endParaRPr lang="pt-BR" sz="3600" dirty="0"/>
                     </a:p>
                   </a:txBody>
                   <a:tcPr>
@@ -17829,6 +17717,11 @@
                     </a:lnB>
                   </a:tcPr>
                 </a:tc>
+                <a:extLst>
+                  <a:ext uri="{0D108BD9-81ED-4DB2-BD59-A6C34878D82A}">
+                    <a16:rowId xmlns:a16="http://schemas.microsoft.com/office/drawing/2014/main" val="10000"/>
+                  </a:ext>
+                </a:extLst>
               </a:tr>
             </a:tbl>
           </a:graphicData>
@@ -17844,13 +17737,6 @@
   <p:clrMapOvr>
     <a:masterClrMapping/>
   </p:clrMapOvr>
-  <p:timing>
-    <p:tnLst>
-      <p:par>
-        <p:cTn id="1" dur="indefinite" restart="never" nodeType="tmRoot"/>
-      </p:par>
-    </p:tnLst>
-  </p:timing>
 </p:sld>
 </file>
 
@@ -17890,7 +17776,7 @@
           <p:cNvPr id="7" name="Título 1">
             <a:extLst>
               <a:ext uri="{FF2B5EF4-FFF2-40B4-BE49-F238E27FC236}">
-                <a16:creationId xmlns="" xmlns:a16="http://schemas.microsoft.com/office/drawing/2014/main" id="{489F5D36-DFC3-5141-9F8E-6FACABCF76D1}"/>
+                <a16:creationId xmlns:a16="http://schemas.microsoft.com/office/drawing/2014/main" id="{489F5D36-DFC3-5141-9F8E-6FACABCF76D1}"/>
               </a:ext>
             </a:extLst>
           </p:cNvPr>
@@ -17933,7 +17819,7 @@
           </a:lstStyle>
           <a:p>
             <a:r>
-              <a:rPr lang="pt-BR" b="1" dirty="0" smtClean="0">
+              <a:rPr lang="pt-BR" b="1" dirty="0">
                 <a:solidFill>
                   <a:schemeClr val="bg2">
                     <a:lumMod val="75000"/>
@@ -17944,15 +17830,6 @@
               </a:rPr>
               <a:t>Funções</a:t>
             </a:r>
-            <a:endParaRPr lang="pt-BR" b="1" dirty="0">
-              <a:solidFill>
-                <a:schemeClr val="bg2">
-                  <a:lumMod val="75000"/>
-                </a:schemeClr>
-              </a:solidFill>
-              <a:latin typeface="+mn-lt"/>
-              <a:cs typeface="Calibri" panose="020F0502020204030204" pitchFamily="34" charset="0"/>
-            </a:endParaRPr>
           </a:p>
         </p:txBody>
       </p:sp>
@@ -17977,39 +17854,38 @@
           <a:lstStyle/>
           <a:p>
             <a:r>
-              <a:rPr lang="pt-BR" dirty="0" smtClean="0"/>
+              <a:rPr lang="pt-BR" dirty="0"/>
               <a:t>Retorno</a:t>
             </a:r>
           </a:p>
           <a:p>
             <a:pPr lvl="1"/>
             <a:r>
-              <a:rPr lang="pt-BR" dirty="0" smtClean="0"/>
+              <a:rPr lang="pt-BR" dirty="0"/>
               <a:t>Uma função pode ter um valor de retorno</a:t>
             </a:r>
           </a:p>
           <a:p>
             <a:pPr lvl="1"/>
-            <a:endParaRPr lang="pt-BR" dirty="0" smtClean="0"/>
+            <a:endParaRPr lang="pt-BR" dirty="0"/>
           </a:p>
           <a:p>
             <a:pPr lvl="1"/>
             <a:r>
-              <a:rPr lang="pt-BR" dirty="0" smtClean="0"/>
+              <a:rPr lang="pt-BR" dirty="0"/>
               <a:t>Este poderá ser atribuido a uma variável ou para realização de uma condição através da chamada da função</a:t>
             </a:r>
           </a:p>
           <a:p>
             <a:pPr lvl="1"/>
-            <a:endParaRPr lang="pt-BR" dirty="0" smtClean="0"/>
+            <a:endParaRPr lang="pt-BR" dirty="0"/>
           </a:p>
           <a:p>
             <a:pPr lvl="1"/>
             <a:r>
-              <a:rPr lang="pt-BR" dirty="0" smtClean="0"/>
+              <a:rPr lang="pt-BR" dirty="0"/>
               <a:t>Somente terá UM retorno, porém, podem ser retornados objetos e listas</a:t>
             </a:r>
-            <a:endParaRPr lang="pt-BR" dirty="0"/>
           </a:p>
         </p:txBody>
       </p:sp>
@@ -18023,13 +17899,6 @@
   <p:clrMapOvr>
     <a:masterClrMapping/>
   </p:clrMapOvr>
-  <p:timing>
-    <p:tnLst>
-      <p:par>
-        <p:cTn id="1" dur="indefinite" restart="never" nodeType="tmRoot"/>
-      </p:par>
-    </p:tnLst>
-  </p:timing>
 </p:sld>
 </file>
 
@@ -18069,7 +17938,7 @@
           <p:cNvPr id="7" name="Título 1">
             <a:extLst>
               <a:ext uri="{FF2B5EF4-FFF2-40B4-BE49-F238E27FC236}">
-                <a16:creationId xmlns="" xmlns:a16="http://schemas.microsoft.com/office/drawing/2014/main" id="{489F5D36-DFC3-5141-9F8E-6FACABCF76D1}"/>
+                <a16:creationId xmlns:a16="http://schemas.microsoft.com/office/drawing/2014/main" id="{489F5D36-DFC3-5141-9F8E-6FACABCF76D1}"/>
               </a:ext>
             </a:extLst>
           </p:cNvPr>
@@ -18112,7 +17981,7 @@
           </a:lstStyle>
           <a:p>
             <a:r>
-              <a:rPr lang="pt-BR" b="1" dirty="0" smtClean="0">
+              <a:rPr lang="pt-BR" b="1" dirty="0">
                 <a:solidFill>
                   <a:schemeClr val="bg2">
                     <a:lumMod val="75000"/>
@@ -18123,15 +17992,6 @@
               </a:rPr>
               <a:t>Funções</a:t>
             </a:r>
-            <a:endParaRPr lang="pt-BR" b="1" dirty="0">
-              <a:solidFill>
-                <a:schemeClr val="bg2">
-                  <a:lumMod val="75000"/>
-                </a:schemeClr>
-              </a:solidFill>
-              <a:latin typeface="+mn-lt"/>
-              <a:cs typeface="Calibri" panose="020F0502020204030204" pitchFamily="34" charset="0"/>
-            </a:endParaRPr>
           </a:p>
         </p:txBody>
       </p:sp>
@@ -18156,7 +18016,7 @@
           <a:lstStyle/>
           <a:p>
             <a:r>
-              <a:rPr lang="pt-BR" dirty="0" smtClean="0"/>
+              <a:rPr lang="pt-BR" dirty="0"/>
               <a:t>Retorno</a:t>
             </a:r>
           </a:p>
@@ -18191,7 +18051,13 @@
                 <a:tableStyleId>{5C22544A-7EE6-4342-B048-85BDC9FD1C3A}</a:tableStyleId>
               </a:tblPr>
               <a:tblGrid>
-                <a:gridCol w="8215370"/>
+                <a:gridCol w="8215370">
+                  <a:extLst>
+                    <a:ext uri="{9D8B030D-6E8A-4147-A177-3AD203B41FA5}">
+                      <a16:colId xmlns:a16="http://schemas.microsoft.com/office/drawing/2014/main" val="20000"/>
+                    </a:ext>
+                  </a:extLst>
+                </a:gridCol>
               </a:tblGrid>
               <a:tr h="4286280">
                 <a:tc>
@@ -18200,82 +18066,81 @@
                     <a:lstStyle/>
                     <a:p>
                       <a:r>
-                        <a:rPr lang="pt-BR" sz="2000" dirty="0" smtClean="0"/>
+                        <a:rPr lang="pt-BR" sz="2000" dirty="0"/>
                         <a:t>&lt;?php</a:t>
                       </a:r>
                     </a:p>
                     <a:p>
                       <a:r>
-                        <a:rPr lang="pt-BR" sz="2000" dirty="0" smtClean="0"/>
+                        <a:rPr lang="pt-BR" sz="2000" dirty="0"/>
                         <a:t>    function mais5($valor){</a:t>
                       </a:r>
                     </a:p>
                     <a:p>
                       <a:r>
-                        <a:rPr lang="pt-BR" sz="2000" dirty="0" smtClean="0"/>
+                        <a:rPr lang="pt-BR" sz="2000" dirty="0"/>
                         <a:t>        $valor += 5;</a:t>
                       </a:r>
                     </a:p>
                     <a:p>
                       <a:r>
-                        <a:rPr lang="pt-BR" sz="2000" dirty="0" smtClean="0"/>
+                        <a:rPr lang="pt-BR" sz="2000" dirty="0"/>
                         <a:t>        return $valor;</a:t>
                       </a:r>
                     </a:p>
                     <a:p>
                       <a:r>
-                        <a:rPr lang="pt-BR" sz="2000" dirty="0" smtClean="0"/>
+                        <a:rPr lang="pt-BR" sz="2000" dirty="0"/>
                         <a:t>    }</a:t>
                       </a:r>
                     </a:p>
                     <a:p>
                       <a:r>
-                        <a:rPr lang="pt-BR" sz="2000" dirty="0" smtClean="0"/>
+                        <a:rPr lang="pt-BR" sz="2000" dirty="0"/>
                         <a:t>    $a = 6;</a:t>
                       </a:r>
                     </a:p>
                     <a:p>
                       <a:r>
-                        <a:rPr lang="pt-BR" sz="2000" dirty="0" smtClean="0"/>
+                        <a:rPr lang="pt-BR" sz="2000" dirty="0"/>
                         <a:t>    $b = mais5($a);</a:t>
                       </a:r>
                     </a:p>
                     <a:p>
                       <a:r>
-                        <a:rPr lang="pt-BR" sz="2000" dirty="0" smtClean="0"/>
+                        <a:rPr lang="pt-BR" sz="2000" dirty="0"/>
                         <a:t>    echo $b;</a:t>
                       </a:r>
                     </a:p>
                     <a:p>
                       <a:r>
-                        <a:rPr lang="pt-BR" sz="2000" dirty="0" smtClean="0"/>
+                        <a:rPr lang="pt-BR" sz="2000" dirty="0"/>
                         <a:t>	</a:t>
                       </a:r>
                     </a:p>
                     <a:p>
                       <a:r>
-                        <a:rPr lang="pt-BR" sz="2000" dirty="0" smtClean="0"/>
+                        <a:rPr lang="pt-BR" sz="2000" dirty="0"/>
                         <a:t>    if (mais5($a) &gt; 10){</a:t>
                       </a:r>
                     </a:p>
                     <a:p>
                       <a:r>
-                        <a:rPr lang="pt-BR" sz="2000" dirty="0" smtClean="0"/>
+                        <a:rPr lang="pt-BR" sz="2000" dirty="0"/>
                         <a:t>        echo 'Maior que 10';</a:t>
                       </a:r>
                     </a:p>
                     <a:p>
                       <a:r>
-                        <a:rPr lang="pt-BR" sz="2000" dirty="0" smtClean="0"/>
+                        <a:rPr lang="pt-BR" sz="2000" dirty="0"/>
                         <a:t>    }</a:t>
                       </a:r>
                     </a:p>
                     <a:p>
                       <a:r>
-                        <a:rPr lang="pt-BR" sz="2000" dirty="0" smtClean="0"/>
+                        <a:rPr lang="pt-BR" sz="2000" dirty="0"/>
                         <a:t>?&gt;</a:t>
                       </a:r>
-                      <a:endParaRPr lang="pt-BR" sz="2000" dirty="0"/>
                     </a:p>
                   </a:txBody>
                   <a:tcPr>
@@ -18317,6 +18182,11 @@
                     </a:lnB>
                   </a:tcPr>
                 </a:tc>
+                <a:extLst>
+                  <a:ext uri="{0D108BD9-81ED-4DB2-BD59-A6C34878D82A}">
+                    <a16:rowId xmlns:a16="http://schemas.microsoft.com/office/drawing/2014/main" val="10000"/>
+                  </a:ext>
+                </a:extLst>
               </a:tr>
             </a:tbl>
           </a:graphicData>
@@ -18332,13 +18202,6 @@
   <p:clrMapOvr>
     <a:masterClrMapping/>
   </p:clrMapOvr>
-  <p:timing>
-    <p:tnLst>
-      <p:par>
-        <p:cTn id="1" dur="indefinite" restart="never" nodeType="tmRoot"/>
-      </p:par>
-    </p:tnLst>
-  </p:timing>
 </p:sld>
 </file>
 
@@ -18378,7 +18241,7 @@
           <p:cNvPr id="7" name="Título 1">
             <a:extLst>
               <a:ext uri="{FF2B5EF4-FFF2-40B4-BE49-F238E27FC236}">
-                <a16:creationId xmlns="" xmlns:a16="http://schemas.microsoft.com/office/drawing/2014/main" id="{489F5D36-DFC3-5141-9F8E-6FACABCF76D1}"/>
+                <a16:creationId xmlns:a16="http://schemas.microsoft.com/office/drawing/2014/main" id="{489F5D36-DFC3-5141-9F8E-6FACABCF76D1}"/>
               </a:ext>
             </a:extLst>
           </p:cNvPr>
@@ -18421,7 +18284,7 @@
           </a:lstStyle>
           <a:p>
             <a:r>
-              <a:rPr lang="pt-BR" b="1" dirty="0" smtClean="0">
+              <a:rPr lang="pt-BR" b="1" dirty="0">
                 <a:solidFill>
                   <a:schemeClr val="bg2">
                     <a:lumMod val="75000"/>
@@ -18432,15 +18295,6 @@
               </a:rPr>
               <a:t>Funções</a:t>
             </a:r>
-            <a:endParaRPr lang="pt-BR" b="1" dirty="0">
-              <a:solidFill>
-                <a:schemeClr val="bg2">
-                  <a:lumMod val="75000"/>
-                </a:schemeClr>
-              </a:solidFill>
-              <a:latin typeface="+mn-lt"/>
-              <a:cs typeface="Calibri" panose="020F0502020204030204" pitchFamily="34" charset="0"/>
-            </a:endParaRPr>
           </a:p>
         </p:txBody>
       </p:sp>
@@ -18467,39 +18321,38 @@
           <a:lstStyle/>
           <a:p>
             <a:r>
-              <a:rPr lang="pt-BR" dirty="0" smtClean="0"/>
+              <a:rPr lang="pt-BR" dirty="0"/>
               <a:t>Parâmetros por referência</a:t>
             </a:r>
           </a:p>
           <a:p>
             <a:pPr lvl="1"/>
             <a:r>
-              <a:rPr lang="pt-BR" dirty="0" smtClean="0"/>
+              <a:rPr lang="pt-BR" dirty="0"/>
               <a:t>Normalmente a passagem de parâmetro é feita por valor, se o conteúdo for alterado não tem efeito fora da função</a:t>
             </a:r>
           </a:p>
           <a:p>
             <a:pPr lvl="1"/>
-            <a:endParaRPr lang="pt-BR" dirty="0" smtClean="0"/>
+            <a:endParaRPr lang="pt-BR" dirty="0"/>
           </a:p>
           <a:p>
             <a:pPr lvl="1"/>
             <a:r>
-              <a:rPr lang="pt-BR" dirty="0" smtClean="0"/>
+              <a:rPr lang="pt-BR" dirty="0"/>
               <a:t>Porém, é possível a passagem por referência, assim se o valor for alterado terá efeito fora da função</a:t>
             </a:r>
           </a:p>
           <a:p>
             <a:pPr lvl="1"/>
-            <a:endParaRPr lang="pt-BR" dirty="0" smtClean="0"/>
+            <a:endParaRPr lang="pt-BR" dirty="0"/>
           </a:p>
           <a:p>
             <a:pPr lvl="1"/>
             <a:r>
-              <a:rPr lang="pt-BR" dirty="0" smtClean="0"/>
+              <a:rPr lang="pt-BR" dirty="0"/>
               <a:t>Para isso deve-se colocar o caracter &amp; antes do parâmetro na função</a:t>
             </a:r>
-            <a:endParaRPr lang="pt-BR" dirty="0"/>
           </a:p>
         </p:txBody>
       </p:sp>
@@ -18513,13 +18366,6 @@
   <p:clrMapOvr>
     <a:masterClrMapping/>
   </p:clrMapOvr>
-  <p:timing>
-    <p:tnLst>
-      <p:par>
-        <p:cTn id="1" dur="indefinite" restart="never" nodeType="tmRoot"/>
-      </p:par>
-    </p:tnLst>
-  </p:timing>
 </p:sld>
 </file>
 
@@ -18559,7 +18405,7 @@
           <p:cNvPr id="7" name="Título 1">
             <a:extLst>
               <a:ext uri="{FF2B5EF4-FFF2-40B4-BE49-F238E27FC236}">
-                <a16:creationId xmlns="" xmlns:a16="http://schemas.microsoft.com/office/drawing/2014/main" id="{489F5D36-DFC3-5141-9F8E-6FACABCF76D1}"/>
+                <a16:creationId xmlns:a16="http://schemas.microsoft.com/office/drawing/2014/main" id="{489F5D36-DFC3-5141-9F8E-6FACABCF76D1}"/>
               </a:ext>
             </a:extLst>
           </p:cNvPr>
@@ -18602,7 +18448,7 @@
           </a:lstStyle>
           <a:p>
             <a:r>
-              <a:rPr lang="pt-BR" b="1" dirty="0" smtClean="0">
+              <a:rPr lang="pt-BR" b="1" dirty="0">
                 <a:solidFill>
                   <a:schemeClr val="bg2">
                     <a:lumMod val="75000"/>
@@ -18613,15 +18459,6 @@
               </a:rPr>
               <a:t>Funções</a:t>
             </a:r>
-            <a:endParaRPr lang="pt-BR" b="1" dirty="0">
-              <a:solidFill>
-                <a:schemeClr val="bg2">
-                  <a:lumMod val="75000"/>
-                </a:schemeClr>
-              </a:solidFill>
-              <a:latin typeface="+mn-lt"/>
-              <a:cs typeface="Calibri" panose="020F0502020204030204" pitchFamily="34" charset="0"/>
-            </a:endParaRPr>
           </a:p>
         </p:txBody>
       </p:sp>
@@ -18651,7 +18488,13 @@
                 <a:tableStyleId>{5C22544A-7EE6-4342-B048-85BDC9FD1C3A}</a:tableStyleId>
               </a:tblPr>
               <a:tblGrid>
-                <a:gridCol w="7822504"/>
+                <a:gridCol w="7822504">
+                  <a:extLst>
+                    <a:ext uri="{9D8B030D-6E8A-4147-A177-3AD203B41FA5}">
+                      <a16:colId xmlns:a16="http://schemas.microsoft.com/office/drawing/2014/main" val="20000"/>
+                    </a:ext>
+                  </a:extLst>
+                </a:gridCol>
               </a:tblGrid>
               <a:tr h="4487449">
                 <a:tc>
@@ -18660,52 +18503,51 @@
                     <a:lstStyle/>
                     <a:p>
                       <a:r>
-                        <a:rPr lang="pt-BR" sz="3200" dirty="0" smtClean="0"/>
+                        <a:rPr lang="pt-BR" sz="3200" dirty="0"/>
                         <a:t>&lt;?php</a:t>
                       </a:r>
                     </a:p>
                     <a:p>
                       <a:r>
-                        <a:rPr lang="pt-BR" sz="3200" dirty="0" smtClean="0"/>
+                        <a:rPr lang="pt-BR" sz="3200" dirty="0"/>
                         <a:t>    function mais5(&amp;$valor){</a:t>
                       </a:r>
                     </a:p>
                     <a:p>
                       <a:r>
-                        <a:rPr lang="pt-BR" sz="3200" dirty="0" smtClean="0"/>
+                        <a:rPr lang="pt-BR" sz="3200" dirty="0"/>
                         <a:t>        $valor += 5;		</a:t>
                       </a:r>
                     </a:p>
                     <a:p>
                       <a:r>
-                        <a:rPr lang="pt-BR" sz="3200" dirty="0" smtClean="0"/>
+                        <a:rPr lang="pt-BR" sz="3200" dirty="0"/>
                         <a:t>    }</a:t>
                       </a:r>
                     </a:p>
                     <a:p>
                       <a:r>
-                        <a:rPr lang="pt-BR" sz="3200" dirty="0" smtClean="0"/>
+                        <a:rPr lang="pt-BR" sz="3200" dirty="0"/>
                         <a:t>    $a = 6;</a:t>
                       </a:r>
                     </a:p>
                     <a:p>
                       <a:r>
-                        <a:rPr lang="pt-BR" sz="3200" dirty="0" smtClean="0"/>
+                        <a:rPr lang="pt-BR" sz="3200" dirty="0"/>
                         <a:t>    mais5($a);</a:t>
                       </a:r>
                     </a:p>
                     <a:p>
                       <a:r>
-                        <a:rPr lang="pt-BR" sz="3200" dirty="0" smtClean="0"/>
+                        <a:rPr lang="pt-BR" sz="3200" dirty="0"/>
                         <a:t>    echo $a;</a:t>
                       </a:r>
                     </a:p>
                     <a:p>
                       <a:r>
-                        <a:rPr lang="pt-BR" sz="3200" dirty="0" smtClean="0"/>
+                        <a:rPr lang="pt-BR" sz="3200" dirty="0"/>
                         <a:t>?&gt;</a:t>
                       </a:r>
-                      <a:endParaRPr lang="pt-BR" sz="3200" dirty="0"/>
                     </a:p>
                   </a:txBody>
                   <a:tcPr>
@@ -18747,6 +18589,11 @@
                     </a:lnB>
                   </a:tcPr>
                 </a:tc>
+                <a:extLst>
+                  <a:ext uri="{0D108BD9-81ED-4DB2-BD59-A6C34878D82A}">
+                    <a16:rowId xmlns:a16="http://schemas.microsoft.com/office/drawing/2014/main" val="10000"/>
+                  </a:ext>
+                </a:extLst>
               </a:tr>
             </a:tbl>
           </a:graphicData>
@@ -18762,13 +18609,6 @@
   <p:clrMapOvr>
     <a:masterClrMapping/>
   </p:clrMapOvr>
-  <p:timing>
-    <p:tnLst>
-      <p:par>
-        <p:cTn id="1" dur="indefinite" restart="never" nodeType="tmRoot"/>
-      </p:par>
-    </p:tnLst>
-  </p:timing>
 </p:sld>
 </file>
 
@@ -18808,7 +18648,7 @@
           <p:cNvPr id="7" name="Título 1">
             <a:extLst>
               <a:ext uri="{FF2B5EF4-FFF2-40B4-BE49-F238E27FC236}">
-                <a16:creationId xmlns="" xmlns:a16="http://schemas.microsoft.com/office/drawing/2014/main" id="{489F5D36-DFC3-5141-9F8E-6FACABCF76D1}"/>
+                <a16:creationId xmlns:a16="http://schemas.microsoft.com/office/drawing/2014/main" id="{489F5D36-DFC3-5141-9F8E-6FACABCF76D1}"/>
               </a:ext>
             </a:extLst>
           </p:cNvPr>
@@ -18851,7 +18691,7 @@
           </a:lstStyle>
           <a:p>
             <a:r>
-              <a:rPr lang="pt-BR" b="1" dirty="0" smtClean="0">
+              <a:rPr lang="pt-BR" b="1" dirty="0">
                 <a:solidFill>
                   <a:schemeClr val="bg2">
                     <a:lumMod val="75000"/>
@@ -18862,15 +18702,6 @@
               </a:rPr>
               <a:t>Funções</a:t>
             </a:r>
-            <a:endParaRPr lang="pt-BR" b="1" dirty="0">
-              <a:solidFill>
-                <a:schemeClr val="bg2">
-                  <a:lumMod val="75000"/>
-                </a:schemeClr>
-              </a:solidFill>
-              <a:latin typeface="+mn-lt"/>
-              <a:cs typeface="Calibri" panose="020F0502020204030204" pitchFamily="34" charset="0"/>
-            </a:endParaRPr>
           </a:p>
         </p:txBody>
       </p:sp>
@@ -18895,24 +18726,23 @@
           <a:lstStyle/>
           <a:p>
             <a:r>
-              <a:rPr lang="pt-BR" dirty="0" smtClean="0"/>
+              <a:rPr lang="pt-BR" dirty="0"/>
               <a:t>Argumentos com valores pré-definidos</a:t>
             </a:r>
           </a:p>
           <a:p>
             <a:pPr lvl="1"/>
             <a:r>
-              <a:rPr lang="pt-BR" dirty="0" smtClean="0"/>
+              <a:rPr lang="pt-BR" dirty="0"/>
               <a:t>É possível definir um valor default para um parâmetro</a:t>
             </a:r>
           </a:p>
           <a:p>
             <a:pPr lvl="1"/>
             <a:r>
-              <a:rPr lang="pt-BR" dirty="0" smtClean="0"/>
+              <a:rPr lang="pt-BR" dirty="0"/>
               <a:t>Quando não for passado valor a este parâmetro ele assumirá o valor default</a:t>
             </a:r>
-            <a:endParaRPr lang="pt-BR" dirty="0"/>
           </a:p>
         </p:txBody>
       </p:sp>
@@ -18941,7 +18771,13 @@
                 <a:tableStyleId>{5C22544A-7EE6-4342-B048-85BDC9FD1C3A}</a:tableStyleId>
               </a:tblPr>
               <a:tblGrid>
-                <a:gridCol w="8115526"/>
+                <a:gridCol w="8115526">
+                  <a:extLst>
+                    <a:ext uri="{9D8B030D-6E8A-4147-A177-3AD203B41FA5}">
+                      <a16:colId xmlns:a16="http://schemas.microsoft.com/office/drawing/2014/main" val="20000"/>
+                    </a:ext>
+                  </a:extLst>
+                </a:gridCol>
               </a:tblGrid>
               <a:tr h="2643206">
                 <a:tc>
@@ -18950,46 +18786,45 @@
                     <a:lstStyle/>
                     <a:p>
                       <a:r>
-                        <a:rPr lang="pt-BR" sz="2400" dirty="0" smtClean="0"/>
+                        <a:rPr lang="pt-BR" sz="2400" dirty="0"/>
                         <a:t>&lt;?php</a:t>
                       </a:r>
                     </a:p>
                     <a:p>
                       <a:r>
-                        <a:rPr lang="pt-BR" sz="2400" dirty="0" smtClean="0"/>
+                        <a:rPr lang="pt-BR" sz="2400" dirty="0"/>
                         <a:t>    function imprime($texto="texto padrão"){</a:t>
                       </a:r>
                     </a:p>
                     <a:p>
                       <a:r>
-                        <a:rPr lang="pt-BR" sz="2400" dirty="0" smtClean="0"/>
+                        <a:rPr lang="pt-BR" sz="2400" dirty="0"/>
                         <a:t>        echo $texto;</a:t>
                       </a:r>
                     </a:p>
                     <a:p>
                       <a:r>
-                        <a:rPr lang="pt-BR" sz="2400" dirty="0" smtClean="0"/>
+                        <a:rPr lang="pt-BR" sz="2400" dirty="0"/>
                         <a:t>    }</a:t>
                       </a:r>
                     </a:p>
                     <a:p>
                       <a:r>
-                        <a:rPr lang="pt-BR" sz="2400" dirty="0" smtClean="0"/>
+                        <a:rPr lang="pt-BR" sz="2400" dirty="0"/>
                         <a:t>    imprime(); //texto padrão</a:t>
                       </a:r>
                     </a:p>
                     <a:p>
                       <a:r>
-                        <a:rPr lang="pt-BR" sz="2400" dirty="0" smtClean="0"/>
+                        <a:rPr lang="pt-BR" sz="2400" dirty="0"/>
                         <a:t>    imprime('Meu texto'); //Meu texto	</a:t>
                       </a:r>
                     </a:p>
                     <a:p>
                       <a:r>
-                        <a:rPr lang="pt-BR" sz="2400" dirty="0" smtClean="0"/>
+                        <a:rPr lang="pt-BR" sz="2400" dirty="0"/>
                         <a:t>?&gt;</a:t>
                       </a:r>
-                      <a:endParaRPr lang="pt-BR" sz="2400" dirty="0"/>
                     </a:p>
                   </a:txBody>
                   <a:tcPr>
@@ -19031,6 +18866,11 @@
                     </a:lnB>
                   </a:tcPr>
                 </a:tc>
+                <a:extLst>
+                  <a:ext uri="{0D108BD9-81ED-4DB2-BD59-A6C34878D82A}">
+                    <a16:rowId xmlns:a16="http://schemas.microsoft.com/office/drawing/2014/main" val="10000"/>
+                  </a:ext>
+                </a:extLst>
               </a:tr>
             </a:tbl>
           </a:graphicData>
@@ -19046,13 +18886,6 @@
   <p:clrMapOvr>
     <a:masterClrMapping/>
   </p:clrMapOvr>
-  <p:timing>
-    <p:tnLst>
-      <p:par>
-        <p:cTn id="1" dur="indefinite" restart="never" nodeType="tmRoot"/>
-      </p:par>
-    </p:tnLst>
-  </p:timing>
 </p:sld>
 </file>
 
@@ -19092,7 +18925,7 @@
           <p:cNvPr id="7" name="Título 1">
             <a:extLst>
               <a:ext uri="{FF2B5EF4-FFF2-40B4-BE49-F238E27FC236}">
-                <a16:creationId xmlns="" xmlns:a16="http://schemas.microsoft.com/office/drawing/2014/main" id="{489F5D36-DFC3-5141-9F8E-6FACABCF76D1}"/>
+                <a16:creationId xmlns:a16="http://schemas.microsoft.com/office/drawing/2014/main" id="{489F5D36-DFC3-5141-9F8E-6FACABCF76D1}"/>
               </a:ext>
             </a:extLst>
           </p:cNvPr>
@@ -19135,7 +18968,7 @@
           </a:lstStyle>
           <a:p>
             <a:r>
-              <a:rPr lang="pt-BR" b="1" dirty="0" smtClean="0">
+              <a:rPr lang="pt-BR" b="1" dirty="0">
                 <a:solidFill>
                   <a:schemeClr val="bg2">
                     <a:lumMod val="75000"/>
@@ -19146,15 +18979,6 @@
               </a:rPr>
               <a:t>Funções</a:t>
             </a:r>
-            <a:endParaRPr lang="pt-BR" b="1" dirty="0">
-              <a:solidFill>
-                <a:schemeClr val="bg2">
-                  <a:lumMod val="75000"/>
-                </a:schemeClr>
-              </a:solidFill>
-              <a:latin typeface="+mn-lt"/>
-              <a:cs typeface="Calibri" panose="020F0502020204030204" pitchFamily="34" charset="0"/>
-            </a:endParaRPr>
           </a:p>
         </p:txBody>
       </p:sp>
@@ -19179,24 +19003,23 @@
           <a:lstStyle/>
           <a:p>
             <a:r>
-              <a:rPr lang="pt-BR" dirty="0" smtClean="0"/>
+              <a:rPr lang="pt-BR" dirty="0"/>
               <a:t>Escopo</a:t>
             </a:r>
           </a:p>
           <a:p>
             <a:pPr lvl="1"/>
             <a:r>
-              <a:rPr lang="pt-BR" dirty="0" smtClean="0"/>
+              <a:rPr lang="pt-BR" dirty="0"/>
               <a:t>Dentro de uma função não é possível “acessar” uma variável declarada fora dela sem especificar</a:t>
             </a:r>
           </a:p>
           <a:p>
             <a:pPr lvl="2"/>
             <a:r>
-              <a:rPr lang="pt-BR" dirty="0" smtClean="0"/>
+              <a:rPr lang="pt-BR" dirty="0"/>
               <a:t>Isso é feito pelo comando global</a:t>
             </a:r>
-            <a:endParaRPr lang="pt-BR" dirty="0"/>
           </a:p>
         </p:txBody>
       </p:sp>
@@ -19225,8 +19048,20 @@
                 <a:tableStyleId>{5C22544A-7EE6-4342-B048-85BDC9FD1C3A}</a:tableStyleId>
               </a:tblPr>
               <a:tblGrid>
-                <a:gridCol w="4143404"/>
-                <a:gridCol w="4143404"/>
+                <a:gridCol w="4143404">
+                  <a:extLst>
+                    <a:ext uri="{9D8B030D-6E8A-4147-A177-3AD203B41FA5}">
+                      <a16:colId xmlns:a16="http://schemas.microsoft.com/office/drawing/2014/main" val="20000"/>
+                    </a:ext>
+                  </a:extLst>
+                </a:gridCol>
+                <a:gridCol w="4143404">
+                  <a:extLst>
+                    <a:ext uri="{9D8B030D-6E8A-4147-A177-3AD203B41FA5}">
+                      <a16:colId xmlns:a16="http://schemas.microsoft.com/office/drawing/2014/main" val="20001"/>
+                    </a:ext>
+                  </a:extLst>
+                </a:gridCol>
               </a:tblGrid>
               <a:tr h="3286148">
                 <a:tc>
@@ -19235,57 +19070,56 @@
                     <a:lstStyle/>
                     <a:p>
                       <a:r>
-                        <a:rPr lang="pt-BR" sz="2400" dirty="0" smtClean="0"/>
+                        <a:rPr lang="pt-BR" sz="2400" dirty="0"/>
                         <a:t>&lt;?php</a:t>
                       </a:r>
                     </a:p>
                     <a:p>
                       <a:r>
-                        <a:rPr lang="pt-BR" sz="2400" dirty="0" smtClean="0"/>
+                        <a:rPr lang="pt-BR" sz="2400" dirty="0"/>
                         <a:t>    $texto = 'Teste';</a:t>
                       </a:r>
                     </a:p>
                     <a:p>
                       <a:r>
-                        <a:rPr lang="pt-BR" sz="2400" dirty="0" smtClean="0"/>
+                        <a:rPr lang="pt-BR" sz="2400" dirty="0"/>
                         <a:t>    function imprime(){</a:t>
                       </a:r>
                     </a:p>
                     <a:p>
                       <a:r>
-                        <a:rPr lang="pt-BR" sz="2400" dirty="0" smtClean="0"/>
+                        <a:rPr lang="pt-BR" sz="2400" dirty="0"/>
                         <a:t>       echo $texto;</a:t>
                       </a:r>
                     </a:p>
                     <a:p>
                       <a:r>
-                        <a:rPr lang="pt-BR" sz="2400" dirty="0" smtClean="0"/>
+                        <a:rPr lang="pt-BR" sz="2400" dirty="0"/>
                         <a:t> //Retorna erro, pois a variável</a:t>
                       </a:r>
                       <a:r>
-                        <a:rPr lang="pt-BR" sz="2400" baseline="0" dirty="0" smtClean="0"/>
+                        <a:rPr lang="pt-BR" sz="2400" baseline="0" dirty="0"/>
                         <a:t> //$texto não foi definida</a:t>
                       </a:r>
-                      <a:endParaRPr lang="pt-BR" sz="2400" dirty="0" smtClean="0"/>
-                    </a:p>
-                    <a:p>
-                      <a:r>
-                        <a:rPr lang="pt-BR" sz="2400" dirty="0" smtClean="0"/>
+                      <a:endParaRPr lang="pt-BR" sz="2400" dirty="0"/>
+                    </a:p>
+                    <a:p>
+                      <a:r>
+                        <a:rPr lang="pt-BR" sz="2400" dirty="0"/>
                         <a:t>    }</a:t>
                       </a:r>
                     </a:p>
                     <a:p>
                       <a:r>
-                        <a:rPr lang="pt-BR" sz="2400" dirty="0" smtClean="0"/>
+                        <a:rPr lang="pt-BR" sz="2400" dirty="0"/>
                         <a:t>    imprime();	</a:t>
                       </a:r>
                     </a:p>
                     <a:p>
                       <a:r>
-                        <a:rPr lang="pt-BR" sz="2400" dirty="0" smtClean="0"/>
+                        <a:rPr lang="pt-BR" sz="2400" dirty="0"/>
                         <a:t>?&gt;</a:t>
                       </a:r>
-                      <a:endParaRPr lang="pt-BR" sz="2400" dirty="0"/>
                     </a:p>
                   </a:txBody>
                   <a:tcPr>
@@ -19333,58 +19167,57 @@
                     <a:lstStyle/>
                     <a:p>
                       <a:r>
-                        <a:rPr lang="pt-BR" sz="2400" dirty="0" smtClean="0"/>
+                        <a:rPr lang="pt-BR" sz="2400" dirty="0"/>
                         <a:t>&lt;?php</a:t>
                       </a:r>
                     </a:p>
                     <a:p>
                       <a:r>
-                        <a:rPr lang="pt-BR" sz="2400" dirty="0" smtClean="0"/>
+                        <a:rPr lang="pt-BR" sz="2400" dirty="0"/>
                         <a:t>    $texto = 'Teste';</a:t>
                       </a:r>
                     </a:p>
                     <a:p>
                       <a:r>
-                        <a:rPr lang="pt-BR" sz="2400" dirty="0" smtClean="0"/>
+                        <a:rPr lang="pt-BR" sz="2400" dirty="0"/>
                         <a:t>    function imprime(){</a:t>
                       </a:r>
                     </a:p>
                     <a:p>
                       <a:r>
-                        <a:rPr lang="pt-BR" sz="2400" dirty="0" smtClean="0"/>
+                        <a:rPr lang="pt-BR" sz="2400" dirty="0"/>
                         <a:t>        global $texto;</a:t>
                       </a:r>
                     </a:p>
                     <a:p>
                       <a:r>
-                        <a:rPr lang="pt-BR" sz="2400" dirty="0" smtClean="0"/>
+                        <a:rPr lang="pt-BR" sz="2400" dirty="0"/>
                         <a:t>        echo $texto;</a:t>
                       </a:r>
                     </a:p>
                     <a:p>
                       <a:r>
-                        <a:rPr lang="pt-BR" sz="2400" dirty="0" smtClean="0"/>
+                        <a:rPr lang="pt-BR" sz="2400" dirty="0"/>
                         <a:t>}</a:t>
                       </a:r>
                     </a:p>
                     <a:p>
                       <a:r>
-                        <a:rPr lang="pt-BR" sz="2400" dirty="0" smtClean="0"/>
+                        <a:rPr lang="pt-BR" sz="2400" dirty="0"/>
                         <a:t>imprime();	</a:t>
                       </a:r>
                     </a:p>
                     <a:p>
                       <a:r>
-                        <a:rPr lang="pt-BR" sz="2400" dirty="0" smtClean="0"/>
+                        <a:rPr lang="pt-BR" sz="2400" dirty="0"/>
                         <a:t>//Teste</a:t>
                       </a:r>
                     </a:p>
                     <a:p>
                       <a:r>
-                        <a:rPr lang="pt-BR" sz="2400" dirty="0" smtClean="0"/>
+                        <a:rPr lang="pt-BR" sz="2400" dirty="0"/>
                         <a:t>?&gt;</a:t>
                       </a:r>
-                      <a:endParaRPr lang="pt-BR" sz="2400" dirty="0"/>
                     </a:p>
                   </a:txBody>
                   <a:tcPr>
@@ -19426,6 +19259,11 @@
                     </a:lnB>
                   </a:tcPr>
                 </a:tc>
+                <a:extLst>
+                  <a:ext uri="{0D108BD9-81ED-4DB2-BD59-A6C34878D82A}">
+                    <a16:rowId xmlns:a16="http://schemas.microsoft.com/office/drawing/2014/main" val="10000"/>
+                  </a:ext>
+                </a:extLst>
               </a:tr>
             </a:tbl>
           </a:graphicData>
@@ -19441,13 +19279,6 @@
   <p:clrMapOvr>
     <a:masterClrMapping/>
   </p:clrMapOvr>
-  <p:timing>
-    <p:tnLst>
-      <p:par>
-        <p:cTn id="1" dur="indefinite" restart="never" nodeType="tmRoot"/>
-      </p:par>
-    </p:tnLst>
-  </p:timing>
 </p:sld>
 </file>
 
@@ -19487,7 +19318,7 @@
           <p:cNvPr id="7" name="Título 1">
             <a:extLst>
               <a:ext uri="{FF2B5EF4-FFF2-40B4-BE49-F238E27FC236}">
-                <a16:creationId xmlns="" xmlns:a16="http://schemas.microsoft.com/office/drawing/2014/main" id="{489F5D36-DFC3-5141-9F8E-6FACABCF76D1}"/>
+                <a16:creationId xmlns:a16="http://schemas.microsoft.com/office/drawing/2014/main" id="{489F5D36-DFC3-5141-9F8E-6FACABCF76D1}"/>
               </a:ext>
             </a:extLst>
           </p:cNvPr>
@@ -19530,7 +19361,7 @@
           </a:lstStyle>
           <a:p>
             <a:r>
-              <a:rPr lang="pt-BR" b="1" dirty="0" smtClean="0">
+              <a:rPr lang="pt-BR" b="1" dirty="0">
                 <a:solidFill>
                   <a:schemeClr val="bg2">
                     <a:lumMod val="75000"/>
@@ -19541,15 +19372,6 @@
               </a:rPr>
               <a:t>Variáveis</a:t>
             </a:r>
-            <a:endParaRPr lang="pt-BR" b="1" dirty="0">
-              <a:solidFill>
-                <a:schemeClr val="bg2">
-                  <a:lumMod val="75000"/>
-                </a:schemeClr>
-              </a:solidFill>
-              <a:latin typeface="+mn-lt"/>
-              <a:cs typeface="Calibri" panose="020F0502020204030204" pitchFamily="34" charset="0"/>
-            </a:endParaRPr>
           </a:p>
         </p:txBody>
       </p:sp>
@@ -19574,26 +19396,25 @@
           <a:lstStyle/>
           <a:p>
             <a:r>
-              <a:rPr lang="pt-BR" dirty="0" smtClean="0"/>
+              <a:rPr lang="pt-BR" dirty="0"/>
               <a:t>Conforme já vimos a definição do nome de uma variável deve sempre iniciar com o caracter $ seguindo de uma letra ou “_”</a:t>
             </a:r>
           </a:p>
           <a:p>
-            <a:endParaRPr lang="pt-BR" dirty="0" smtClean="0"/>
-          </a:p>
-          <a:p>
-            <a:r>
-              <a:rPr lang="pt-BR" dirty="0" smtClean="0"/>
+            <a:endParaRPr lang="pt-BR" dirty="0"/>
+          </a:p>
+          <a:p>
+            <a:r>
+              <a:rPr lang="pt-BR" dirty="0"/>
               <a:t>No PHP as variáveis não precisam ser declaradas, como a tipagem é dinâmica, ela já é iniciada no momento da primeira atribuição</a:t>
             </a:r>
           </a:p>
           <a:p>
             <a:pPr lvl="1"/>
             <a:r>
-              <a:rPr lang="pt-BR" dirty="0" smtClean="0"/>
+              <a:rPr lang="pt-BR" dirty="0"/>
               <a:t>Tipo será definido conforme o conteúdo</a:t>
             </a:r>
-            <a:endParaRPr lang="pt-BR" dirty="0"/>
           </a:p>
         </p:txBody>
       </p:sp>
@@ -19607,13 +19428,6 @@
   <p:clrMapOvr>
     <a:masterClrMapping/>
   </p:clrMapOvr>
-  <p:timing>
-    <p:tnLst>
-      <p:par>
-        <p:cTn id="1" dur="indefinite" restart="never" nodeType="tmRoot"/>
-      </p:par>
-    </p:tnLst>
-  </p:timing>
 </p:sld>
 </file>
 
@@ -19653,7 +19467,7 @@
           <p:cNvPr id="7" name="Título 1">
             <a:extLst>
               <a:ext uri="{FF2B5EF4-FFF2-40B4-BE49-F238E27FC236}">
-                <a16:creationId xmlns="" xmlns:a16="http://schemas.microsoft.com/office/drawing/2014/main" id="{489F5D36-DFC3-5141-9F8E-6FACABCF76D1}"/>
+                <a16:creationId xmlns:a16="http://schemas.microsoft.com/office/drawing/2014/main" id="{489F5D36-DFC3-5141-9F8E-6FACABCF76D1}"/>
               </a:ext>
             </a:extLst>
           </p:cNvPr>
@@ -19696,7 +19510,7 @@
           </a:lstStyle>
           <a:p>
             <a:r>
-              <a:rPr lang="pt-BR" b="1" dirty="0" smtClean="0">
+              <a:rPr lang="pt-BR" b="1" dirty="0">
                 <a:solidFill>
                   <a:schemeClr val="bg2">
                     <a:lumMod val="75000"/>
@@ -19707,15 +19521,6 @@
               </a:rPr>
               <a:t>Variáveis</a:t>
             </a:r>
-            <a:endParaRPr lang="pt-BR" b="1" dirty="0">
-              <a:solidFill>
-                <a:schemeClr val="bg2">
-                  <a:lumMod val="75000"/>
-                </a:schemeClr>
-              </a:solidFill>
-              <a:latin typeface="+mn-lt"/>
-              <a:cs typeface="Calibri" panose="020F0502020204030204" pitchFamily="34" charset="0"/>
-            </a:endParaRPr>
           </a:p>
         </p:txBody>
       </p:sp>
@@ -19740,32 +19545,31 @@
           <a:lstStyle/>
           <a:p>
             <a:r>
-              <a:rPr lang="pt-BR" dirty="0" smtClean="0"/>
+              <a:rPr lang="pt-BR" dirty="0"/>
               <a:t>Modificador static</a:t>
             </a:r>
           </a:p>
           <a:p>
             <a:pPr lvl="1"/>
-            <a:endParaRPr lang="pt-BR" dirty="0" smtClean="0"/>
+            <a:endParaRPr lang="pt-BR" dirty="0"/>
           </a:p>
           <a:p>
             <a:pPr lvl="1"/>
             <a:r>
-              <a:rPr lang="pt-BR" dirty="0" smtClean="0"/>
+              <a:rPr lang="pt-BR" dirty="0"/>
               <a:t>Uma variável estática é visível em um escopo mas ela é iniciada apenas uma vez</a:t>
             </a:r>
           </a:p>
           <a:p>
             <a:pPr lvl="1"/>
-            <a:endParaRPr lang="pt-BR" dirty="0" smtClean="0"/>
+            <a:endParaRPr lang="pt-BR" dirty="0"/>
           </a:p>
           <a:p>
             <a:pPr lvl="1"/>
             <a:r>
-              <a:rPr lang="pt-BR" dirty="0" smtClean="0"/>
+              <a:rPr lang="pt-BR" dirty="0"/>
               <a:t>Seu valor não é perdido quando a execução do script deixa o escopo</a:t>
             </a:r>
-            <a:endParaRPr lang="pt-BR" dirty="0"/>
           </a:p>
         </p:txBody>
       </p:sp>
@@ -19779,13 +19583,6 @@
   <p:clrMapOvr>
     <a:masterClrMapping/>
   </p:clrMapOvr>
-  <p:timing>
-    <p:tnLst>
-      <p:par>
-        <p:cTn id="1" dur="indefinite" restart="never" nodeType="tmRoot"/>
-      </p:par>
-    </p:tnLst>
-  </p:timing>
 </p:sld>
 </file>
 
@@ -19825,7 +19622,7 @@
           <p:cNvPr id="7" name="Título 1">
             <a:extLst>
               <a:ext uri="{FF2B5EF4-FFF2-40B4-BE49-F238E27FC236}">
-                <a16:creationId xmlns="" xmlns:a16="http://schemas.microsoft.com/office/drawing/2014/main" id="{489F5D36-DFC3-5141-9F8E-6FACABCF76D1}"/>
+                <a16:creationId xmlns:a16="http://schemas.microsoft.com/office/drawing/2014/main" id="{489F5D36-DFC3-5141-9F8E-6FACABCF76D1}"/>
               </a:ext>
             </a:extLst>
           </p:cNvPr>
@@ -19868,7 +19665,7 @@
           </a:lstStyle>
           <a:p>
             <a:r>
-              <a:rPr lang="pt-BR" b="1" dirty="0" smtClean="0">
+              <a:rPr lang="pt-BR" b="1" dirty="0">
                 <a:solidFill>
                   <a:schemeClr val="bg2">
                     <a:lumMod val="75000"/>
@@ -19879,15 +19676,6 @@
               </a:rPr>
               <a:t>Variáveis</a:t>
             </a:r>
-            <a:endParaRPr lang="pt-BR" b="1" dirty="0">
-              <a:solidFill>
-                <a:schemeClr val="bg2">
-                  <a:lumMod val="75000"/>
-                </a:schemeClr>
-              </a:solidFill>
-              <a:latin typeface="+mn-lt"/>
-              <a:cs typeface="Calibri" panose="020F0502020204030204" pitchFamily="34" charset="0"/>
-            </a:endParaRPr>
           </a:p>
         </p:txBody>
       </p:sp>
@@ -19912,7 +19700,13 @@
                 <a:tableStyleId>{5C22544A-7EE6-4342-B048-85BDC9FD1C3A}</a:tableStyleId>
               </a:tblPr>
               <a:tblGrid>
-                <a:gridCol w="8229600"/>
+                <a:gridCol w="8229600">
+                  <a:extLst>
+                    <a:ext uri="{9D8B030D-6E8A-4147-A177-3AD203B41FA5}">
+                      <a16:colId xmlns:a16="http://schemas.microsoft.com/office/drawing/2014/main" val="20000"/>
+                    </a:ext>
+                  </a:extLst>
+                </a:gridCol>
               </a:tblGrid>
               <a:tr h="370840">
                 <a:tc>
@@ -19921,82 +19715,82 @@
                     <a:lstStyle/>
                     <a:p>
                       <a:r>
-                        <a:rPr lang="pt-BR" dirty="0" smtClean="0"/>
+                        <a:rPr lang="pt-BR" dirty="0"/>
                         <a:t>function teste(){</a:t>
                       </a:r>
                     </a:p>
                     <a:p>
                       <a:r>
-                        <a:rPr lang="pt-BR" dirty="0" smtClean="0"/>
+                        <a:rPr lang="pt-BR" dirty="0"/>
                         <a:t>    static $variavel;</a:t>
                       </a:r>
                     </a:p>
                     <a:p>
                       <a:r>
-                        <a:rPr lang="pt-BR" dirty="0" smtClean="0"/>
+                        <a:rPr lang="pt-BR" dirty="0"/>
                         <a:t>    if (!isset($variavel)){</a:t>
                       </a:r>
                     </a:p>
                     <a:p>
                       <a:r>
-                        <a:rPr lang="pt-BR" dirty="0" smtClean="0"/>
+                        <a:rPr lang="pt-BR" dirty="0"/>
                         <a:t>        $variavel = 1;</a:t>
                       </a:r>
                     </a:p>
                     <a:p>
                       <a:r>
-                        <a:rPr lang="pt-BR" dirty="0" smtClean="0"/>
+                        <a:rPr lang="pt-BR" dirty="0"/>
                         <a:t>        echo 'Atribuiu valor a static &lt;br&gt;';</a:t>
                       </a:r>
                     </a:p>
                     <a:p>
                       <a:r>
-                        <a:rPr lang="pt-BR" dirty="0" smtClean="0"/>
+                        <a:rPr lang="pt-BR" dirty="0"/>
                         <a:t>    }</a:t>
                       </a:r>
                     </a:p>
                     <a:p>
                       <a:r>
-                        <a:rPr lang="pt-BR" dirty="0" smtClean="0"/>
+                        <a:rPr lang="pt-BR" dirty="0"/>
                         <a:t>    echo $variavel.'&lt;br&gt;';</a:t>
                       </a:r>
                     </a:p>
                     <a:p>
                       <a:r>
-                        <a:rPr lang="pt-BR" dirty="0" smtClean="0"/>
+                        <a:rPr lang="pt-BR" dirty="0"/>
                         <a:t>    $variavel++;</a:t>
                       </a:r>
                     </a:p>
                     <a:p>
                       <a:r>
-                        <a:rPr lang="pt-BR" dirty="0" smtClean="0"/>
+                        <a:rPr lang="pt-BR" dirty="0"/>
                         <a:t>}	</a:t>
                       </a:r>
                     </a:p>
                     <a:p>
                       <a:r>
-                        <a:rPr lang="pt-BR" dirty="0" smtClean="0"/>
+                        <a:rPr lang="pt-BR" dirty="0"/>
                         <a:t>teste();</a:t>
                       </a:r>
                     </a:p>
                     <a:p>
                       <a:r>
-                        <a:rPr lang="pt-BR" dirty="0" smtClean="0"/>
+                        <a:rPr lang="pt-BR" dirty="0"/>
                         <a:t>teste();</a:t>
                       </a:r>
                     </a:p>
                     <a:p>
                       <a:r>
-                        <a:rPr lang="pt-BR" dirty="0" smtClean="0"/>
+                        <a:rPr lang="pt-BR" dirty="0"/>
                         <a:t>teste();</a:t>
                       </a:r>
                     </a:p>
                     <a:p>
-                      <a:endParaRPr lang="pt-BR" dirty="0" smtClean="0"/>
-                    </a:p>
-                    <a:p>
-                      <a:r>
-                        <a:rPr lang="pt-BR" sz="1800" b="0" i="0" kern="1200" dirty="0" smtClean="0">
+                      <a:endParaRPr lang="pt-BR" dirty="0"/>
+                    </a:p>
+                    <a:p>
+                      <a:r>
+                        <a:rPr lang="pt-BR" sz="1800" b="0" i="0" kern="1200" dirty="0">
                           <a:solidFill>
                             <a:schemeClr val="lt1"/>
                           </a:solidFill>
@@ -20006,19 +19800,15 @@
                         </a:rPr>
                         <a:t>//Atribuiu valor a static </a:t>
                       </a:r>
-                      <a:r>
-                        <a:rPr lang="pt-BR" dirty="0" smtClean="0"/>
-                        <a:t/>
-                      </a:r>
                       <a:br>
-                        <a:rPr lang="pt-BR" dirty="0" smtClean="0"/>
+                        <a:rPr lang="pt-BR" dirty="0"/>
                       </a:br>
                       <a:r>
-                        <a:rPr lang="pt-BR" dirty="0" smtClean="0"/>
+                        <a:rPr lang="pt-BR" dirty="0"/>
                         <a:t>//</a:t>
                       </a:r>
                       <a:r>
-                        <a:rPr lang="pt-BR" sz="1800" b="0" i="0" kern="1200" dirty="0" smtClean="0">
+                        <a:rPr lang="pt-BR" sz="1800" b="0" i="0" kern="1200" dirty="0">
                           <a:solidFill>
                             <a:schemeClr val="lt1"/>
                           </a:solidFill>
@@ -20028,19 +19818,15 @@
                         </a:rPr>
                         <a:t>1</a:t>
                       </a:r>
-                      <a:r>
-                        <a:rPr lang="pt-BR" dirty="0" smtClean="0"/>
-                        <a:t/>
-                      </a:r>
                       <a:br>
-                        <a:rPr lang="pt-BR" dirty="0" smtClean="0"/>
+                        <a:rPr lang="pt-BR" dirty="0"/>
                       </a:br>
                       <a:r>
-                        <a:rPr lang="pt-BR" dirty="0" smtClean="0"/>
+                        <a:rPr lang="pt-BR" dirty="0"/>
                         <a:t>//</a:t>
                       </a:r>
                       <a:r>
-                        <a:rPr lang="pt-BR" sz="1800" b="0" i="0" kern="1200" dirty="0" smtClean="0">
+                        <a:rPr lang="pt-BR" sz="1800" b="0" i="0" kern="1200" dirty="0">
                           <a:solidFill>
                             <a:schemeClr val="lt1"/>
                           </a:solidFill>
@@ -20050,19 +19836,15 @@
                         </a:rPr>
                         <a:t>2</a:t>
                       </a:r>
-                      <a:r>
-                        <a:rPr lang="pt-BR" dirty="0" smtClean="0"/>
-                        <a:t/>
-                      </a:r>
                       <a:br>
-                        <a:rPr lang="pt-BR" dirty="0" smtClean="0"/>
+                        <a:rPr lang="pt-BR" dirty="0"/>
                       </a:br>
                       <a:r>
-                        <a:rPr lang="pt-BR" dirty="0" smtClean="0"/>
+                        <a:rPr lang="pt-BR" dirty="0"/>
                         <a:t>//</a:t>
                       </a:r>
                       <a:r>
-                        <a:rPr lang="pt-BR" sz="1800" b="0" i="0" kern="1200" dirty="0" smtClean="0">
+                        <a:rPr lang="pt-BR" sz="1800" b="0" i="0" kern="1200" dirty="0">
                           <a:solidFill>
                             <a:schemeClr val="lt1"/>
                           </a:solidFill>
@@ -20077,6 +19859,11 @@
                   </a:txBody>
                   <a:tcPr/>
                 </a:tc>
+                <a:extLst>
+                  <a:ext uri="{0D108BD9-81ED-4DB2-BD59-A6C34878D82A}">
+                    <a16:rowId xmlns:a16="http://schemas.microsoft.com/office/drawing/2014/main" val="10000"/>
+                  </a:ext>
+                </a:extLst>
               </a:tr>
             </a:tbl>
           </a:graphicData>
@@ -20092,13 +19879,6 @@
   <p:clrMapOvr>
     <a:masterClrMapping/>
   </p:clrMapOvr>
-  <p:timing>
-    <p:tnLst>
-      <p:par>
-        <p:cTn id="1" dur="indefinite" restart="never" nodeType="tmRoot"/>
-      </p:par>
-    </p:tnLst>
-  </p:timing>
 </p:sld>
 </file>
 
@@ -20184,13 +19964,6 @@
   <p:clrMapOvr>
     <a:masterClrMapping/>
   </p:clrMapOvr>
-  <p:timing>
-    <p:tnLst>
-      <p:par>
-        <p:cTn id="1" dur="indefinite" restart="never" nodeType="tmRoot"/>
-      </p:par>
-    </p:tnLst>
-  </p:timing>
 </p:sld>
 </file>
 
@@ -20230,7 +20003,7 @@
           <p:cNvPr id="7" name="Título 1">
             <a:extLst>
               <a:ext uri="{FF2B5EF4-FFF2-40B4-BE49-F238E27FC236}">
-                <a16:creationId xmlns="" xmlns:a16="http://schemas.microsoft.com/office/drawing/2014/main" id="{489F5D36-DFC3-5141-9F8E-6FACABCF76D1}"/>
+                <a16:creationId xmlns:a16="http://schemas.microsoft.com/office/drawing/2014/main" id="{489F5D36-DFC3-5141-9F8E-6FACABCF76D1}"/>
               </a:ext>
             </a:extLst>
           </p:cNvPr>
@@ -20273,7 +20046,7 @@
           </a:lstStyle>
           <a:p>
             <a:r>
-              <a:rPr lang="pt-BR" b="1" dirty="0" smtClean="0">
+              <a:rPr lang="pt-BR" b="1" dirty="0">
                 <a:solidFill>
                   <a:schemeClr val="bg2">
                     <a:lumMod val="75000"/>
@@ -20284,15 +20057,6 @@
               </a:rPr>
               <a:t>Exercícios</a:t>
             </a:r>
-            <a:endParaRPr lang="pt-BR" b="1" dirty="0">
-              <a:solidFill>
-                <a:schemeClr val="bg2">
-                  <a:lumMod val="75000"/>
-                </a:schemeClr>
-              </a:solidFill>
-              <a:latin typeface="+mn-lt"/>
-              <a:cs typeface="Calibri" panose="020F0502020204030204" pitchFamily="34" charset="0"/>
-            </a:endParaRPr>
           </a:p>
         </p:txBody>
       </p:sp>
@@ -20337,13 +20101,6 @@
   <p:clrMapOvr>
     <a:masterClrMapping/>
   </p:clrMapOvr>
-  <p:timing>
-    <p:tnLst>
-      <p:par>
-        <p:cTn id="1" dur="indefinite" restart="never" nodeType="tmRoot"/>
-      </p:par>
-    </p:tnLst>
-  </p:timing>
 </p:sld>
 </file>
 
@@ -20442,13 +20199,6 @@
   <p:clrMapOvr>
     <a:masterClrMapping/>
   </p:clrMapOvr>
-  <p:timing>
-    <p:tnLst>
-      <p:par>
-        <p:cTn id="1" dur="indefinite" restart="never" nodeType="tmRoot"/>
-      </p:par>
-    </p:tnLst>
-  </p:timing>
 </p:sld>
 </file>
 
@@ -20547,13 +20297,6 @@
   <p:clrMapOvr>
     <a:masterClrMapping/>
   </p:clrMapOvr>
-  <p:timing>
-    <p:tnLst>
-      <p:par>
-        <p:cTn id="1" dur="indefinite" restart="never" nodeType="tmRoot"/>
-      </p:par>
-    </p:tnLst>
-  </p:timing>
 </p:sld>
 </file>
 
@@ -20652,13 +20395,6 @@
   <p:clrMapOvr>
     <a:masterClrMapping/>
   </p:clrMapOvr>
-  <p:timing>
-    <p:tnLst>
-      <p:par>
-        <p:cTn id="1" dur="indefinite" restart="never" nodeType="tmRoot"/>
-      </p:par>
-    </p:tnLst>
-  </p:timing>
 </p:sld>
 </file>
 
@@ -20698,7 +20434,7 @@
           <p:cNvPr id="7" name="Título 1">
             <a:extLst>
               <a:ext uri="{FF2B5EF4-FFF2-40B4-BE49-F238E27FC236}">
-                <a16:creationId xmlns="" xmlns:a16="http://schemas.microsoft.com/office/drawing/2014/main" id="{489F5D36-DFC3-5141-9F8E-6FACABCF76D1}"/>
+                <a16:creationId xmlns:a16="http://schemas.microsoft.com/office/drawing/2014/main" id="{489F5D36-DFC3-5141-9F8E-6FACABCF76D1}"/>
               </a:ext>
             </a:extLst>
           </p:cNvPr>
@@ -20816,13 +20552,6 @@
   <p:clrMapOvr>
     <a:masterClrMapping/>
   </p:clrMapOvr>
-  <p:timing>
-    <p:tnLst>
-      <p:par>
-        <p:cTn id="1" dur="indefinite" restart="never" nodeType="tmRoot"/>
-      </p:par>
-    </p:tnLst>
-  </p:timing>
 </p:sld>
 </file>
 
@@ -20921,13 +20650,6 @@
   <p:clrMapOvr>
     <a:masterClrMapping/>
   </p:clrMapOvr>
-  <p:timing>
-    <p:tnLst>
-      <p:par>
-        <p:cTn id="1" dur="indefinite" restart="never" nodeType="tmRoot"/>
-      </p:par>
-    </p:tnLst>
-  </p:timing>
 </p:sld>
 </file>
 
@@ -21011,7 +20733,7 @@
           <p:cNvPr id="7" name="Título 1">
             <a:extLst>
               <a:ext uri="{FF2B5EF4-FFF2-40B4-BE49-F238E27FC236}">
-                <a16:creationId xmlns="" xmlns:a16="http://schemas.microsoft.com/office/drawing/2014/main" id="{489F5D36-DFC3-5141-9F8E-6FACABCF76D1}"/>
+                <a16:creationId xmlns:a16="http://schemas.microsoft.com/office/drawing/2014/main" id="{489F5D36-DFC3-5141-9F8E-6FACABCF76D1}"/>
               </a:ext>
             </a:extLst>
           </p:cNvPr>
@@ -21054,7 +20776,7 @@
           </a:lstStyle>
           <a:p>
             <a:r>
-              <a:rPr lang="pt-BR" b="1" dirty="0" smtClean="0">
+              <a:rPr lang="pt-BR" b="1" dirty="0">
                 <a:solidFill>
                   <a:schemeClr val="bg2">
                     <a:lumMod val="75000"/>
@@ -21065,15 +20787,6 @@
               </a:rPr>
               <a:t>Variáveis</a:t>
             </a:r>
-            <a:endParaRPr lang="pt-BR" b="1" dirty="0">
-              <a:solidFill>
-                <a:schemeClr val="bg2">
-                  <a:lumMod val="75000"/>
-                </a:schemeClr>
-              </a:solidFill>
-              <a:latin typeface="+mn-lt"/>
-              <a:cs typeface="Calibri" panose="020F0502020204030204" pitchFamily="34" charset="0"/>
-            </a:endParaRPr>
           </a:p>
         </p:txBody>
       </p:sp>
@@ -21098,21 +20811,21 @@
           <a:lstStyle/>
           <a:p>
             <a:r>
-              <a:rPr lang="pt-BR" dirty="0" smtClean="0"/>
+              <a:rPr lang="pt-BR" dirty="0"/>
               <a:t>Verificar se uma variável foi inicializada</a:t>
             </a:r>
           </a:p>
           <a:p>
             <a:pPr lvl="1"/>
             <a:r>
-              <a:rPr lang="pt-BR" dirty="0" smtClean="0"/>
+              <a:rPr lang="pt-BR" dirty="0"/>
               <a:t>Isso pode ser feito através da função isset()</a:t>
             </a:r>
           </a:p>
           <a:p>
             <a:pPr lvl="1"/>
             <a:r>
-              <a:rPr lang="pt-BR" dirty="0" smtClean="0"/>
+              <a:rPr lang="pt-BR" dirty="0"/>
               <a:t>A função retorna verdadeiro se existe e falso se não</a:t>
             </a:r>
           </a:p>
@@ -21146,7 +20859,13 @@
                 <a:tableStyleId>{5C22544A-7EE6-4342-B048-85BDC9FD1C3A}</a:tableStyleId>
               </a:tblPr>
               <a:tblGrid>
-                <a:gridCol w="7267475"/>
+                <a:gridCol w="7267475">
+                  <a:extLst>
+                    <a:ext uri="{9D8B030D-6E8A-4147-A177-3AD203B41FA5}">
+                      <a16:colId xmlns:a16="http://schemas.microsoft.com/office/drawing/2014/main" val="20000"/>
+                    </a:ext>
+                  </a:extLst>
+                </a:gridCol>
               </a:tblGrid>
               <a:tr h="3000396">
                 <a:tc>
@@ -21155,62 +20874,61 @@
                     <a:lstStyle/>
                     <a:p>
                       <a:r>
-                        <a:rPr lang="pt-BR" sz="2400" dirty="0" smtClean="0"/>
+                        <a:rPr lang="pt-BR" sz="2400" dirty="0"/>
                         <a:t>&lt;?php</a:t>
                       </a:r>
                     </a:p>
                     <a:p>
                       <a:r>
-                        <a:rPr lang="pt-BR" sz="2400" dirty="0" smtClean="0"/>
+                        <a:rPr lang="pt-BR" sz="2400" dirty="0"/>
                         <a:t>    $variavel = 1;</a:t>
                       </a:r>
                     </a:p>
                     <a:p>
                       <a:r>
-                        <a:rPr lang="pt-BR" sz="2400" baseline="0" dirty="0" smtClean="0"/>
+                        <a:rPr lang="pt-BR" sz="2400" baseline="0" dirty="0"/>
                         <a:t>    </a:t>
                       </a:r>
                       <a:r>
-                        <a:rPr lang="pt-BR" sz="2400" dirty="0" smtClean="0"/>
+                        <a:rPr lang="pt-BR" sz="2400" dirty="0"/>
                         <a:t>echo isset($variavel);	</a:t>
                       </a:r>
                     </a:p>
                     <a:p>
                       <a:r>
-                        <a:rPr lang="pt-BR" sz="2400" dirty="0" smtClean="0"/>
+                        <a:rPr lang="pt-BR" sz="2400" dirty="0"/>
                         <a:t>    echo isset($var);	</a:t>
                       </a:r>
                     </a:p>
                     <a:p>
                       <a:r>
-                        <a:rPr lang="pt-BR" sz="2400" dirty="0" smtClean="0"/>
+                        <a:rPr lang="pt-BR" sz="2400" dirty="0"/>
                         <a:t>	</a:t>
                       </a:r>
                     </a:p>
                     <a:p>
                       <a:r>
-                        <a:rPr lang="pt-BR" sz="2400" dirty="0" smtClean="0"/>
+                        <a:rPr lang="pt-BR" sz="2400" dirty="0"/>
                         <a:t>    $variavelArray = Array(1,2,3);</a:t>
                       </a:r>
                     </a:p>
                     <a:p>
                       <a:r>
-                        <a:rPr lang="pt-BR" sz="2400" dirty="0" smtClean="0"/>
+                        <a:rPr lang="pt-BR" sz="2400" dirty="0"/>
                         <a:t>    echo isset($variavelArray[0]);</a:t>
                       </a:r>
                     </a:p>
                     <a:p>
                       <a:r>
-                        <a:rPr lang="pt-BR" sz="2400" dirty="0" smtClean="0"/>
+                        <a:rPr lang="pt-BR" sz="2400" dirty="0"/>
                         <a:t>    echo isset($variavelArray[5]);</a:t>
                       </a:r>
                     </a:p>
                     <a:p>
                       <a:r>
-                        <a:rPr lang="pt-BR" sz="2400" dirty="0" smtClean="0"/>
+                        <a:rPr lang="pt-BR" sz="2400" dirty="0"/>
                         <a:t>?&gt;</a:t>
                       </a:r>
-                      <a:endParaRPr lang="pt-BR" sz="2400" dirty="0"/>
                     </a:p>
                   </a:txBody>
                   <a:tcPr>
@@ -21252,6 +20970,11 @@
                     </a:lnB>
                   </a:tcPr>
                 </a:tc>
+                <a:extLst>
+                  <a:ext uri="{0D108BD9-81ED-4DB2-BD59-A6C34878D82A}">
+                    <a16:rowId xmlns:a16="http://schemas.microsoft.com/office/drawing/2014/main" val="10000"/>
+                  </a:ext>
+                </a:extLst>
               </a:tr>
             </a:tbl>
           </a:graphicData>
@@ -21267,13 +20990,6 @@
   <p:clrMapOvr>
     <a:masterClrMapping/>
   </p:clrMapOvr>
-  <p:timing>
-    <p:tnLst>
-      <p:par>
-        <p:cTn id="1" dur="indefinite" restart="never" nodeType="tmRoot"/>
-      </p:par>
-    </p:tnLst>
-  </p:timing>
 </p:sld>
 </file>
 
@@ -21313,7 +21029,7 @@
           <p:cNvPr id="7" name="Título 1">
             <a:extLst>
               <a:ext uri="{FF2B5EF4-FFF2-40B4-BE49-F238E27FC236}">
-                <a16:creationId xmlns="" xmlns:a16="http://schemas.microsoft.com/office/drawing/2014/main" id="{489F5D36-DFC3-5141-9F8E-6FACABCF76D1}"/>
+                <a16:creationId xmlns:a16="http://schemas.microsoft.com/office/drawing/2014/main" id="{489F5D36-DFC3-5141-9F8E-6FACABCF76D1}"/>
               </a:ext>
             </a:extLst>
           </p:cNvPr>
@@ -21356,7 +21072,7 @@
           </a:lstStyle>
           <a:p>
             <a:r>
-              <a:rPr lang="pt-BR" b="1" dirty="0" smtClean="0">
+              <a:rPr lang="pt-BR" b="1" dirty="0">
                 <a:solidFill>
                   <a:schemeClr val="bg2">
                     <a:lumMod val="75000"/>
@@ -21367,15 +21083,6 @@
               </a:rPr>
               <a:t>Variáveis</a:t>
             </a:r>
-            <a:endParaRPr lang="pt-BR" b="1" dirty="0">
-              <a:solidFill>
-                <a:schemeClr val="bg2">
-                  <a:lumMod val="75000"/>
-                </a:schemeClr>
-              </a:solidFill>
-              <a:latin typeface="+mn-lt"/>
-              <a:cs typeface="Calibri" panose="020F0502020204030204" pitchFamily="34" charset="0"/>
-            </a:endParaRPr>
           </a:p>
         </p:txBody>
       </p:sp>
@@ -21400,21 +21107,21 @@
           <a:lstStyle/>
           <a:p>
             <a:r>
-              <a:rPr lang="pt-BR" dirty="0" smtClean="0"/>
+              <a:rPr lang="pt-BR" dirty="0"/>
               <a:t>Verificar se uma variável foi inicializada</a:t>
             </a:r>
           </a:p>
           <a:p>
             <a:pPr lvl="1"/>
             <a:r>
-              <a:rPr lang="pt-BR" dirty="0" smtClean="0"/>
+              <a:rPr lang="pt-BR" dirty="0"/>
               <a:t>Isso pode ser feito através da função isset()</a:t>
             </a:r>
           </a:p>
           <a:p>
             <a:pPr lvl="1"/>
             <a:r>
-              <a:rPr lang="pt-BR" dirty="0" smtClean="0"/>
+              <a:rPr lang="pt-BR" dirty="0"/>
               <a:t>A função retorna verdadeiro se existe e falso se não</a:t>
             </a:r>
           </a:p>
@@ -21448,7 +21155,13 @@
                 <a:tableStyleId>{5C22544A-7EE6-4342-B048-85BDC9FD1C3A}</a:tableStyleId>
               </a:tblPr>
               <a:tblGrid>
-                <a:gridCol w="7342631"/>
+                <a:gridCol w="7342631">
+                  <a:extLst>
+                    <a:ext uri="{9D8B030D-6E8A-4147-A177-3AD203B41FA5}">
+                      <a16:colId xmlns:a16="http://schemas.microsoft.com/office/drawing/2014/main" val="20000"/>
+                    </a:ext>
+                  </a:extLst>
+                </a:gridCol>
               </a:tblGrid>
               <a:tr h="3418060">
                 <a:tc>
@@ -21457,62 +21170,61 @@
                     <a:lstStyle/>
                     <a:p>
                       <a:r>
-                        <a:rPr lang="pt-BR" sz="2400" dirty="0" smtClean="0"/>
+                        <a:rPr lang="pt-BR" sz="2400" dirty="0"/>
                         <a:t>&lt;?php</a:t>
                       </a:r>
                     </a:p>
                     <a:p>
                       <a:r>
-                        <a:rPr lang="pt-BR" sz="2400" dirty="0" smtClean="0"/>
+                        <a:rPr lang="pt-BR" sz="2400" dirty="0"/>
                         <a:t>    $variavel = 1;</a:t>
                       </a:r>
                     </a:p>
                     <a:p>
                       <a:r>
-                        <a:rPr lang="pt-BR" sz="2400" baseline="0" dirty="0" smtClean="0"/>
+                        <a:rPr lang="pt-BR" sz="2400" baseline="0" dirty="0"/>
                         <a:t>    </a:t>
                       </a:r>
                       <a:r>
-                        <a:rPr lang="pt-BR" sz="2400" dirty="0" smtClean="0"/>
+                        <a:rPr lang="pt-BR" sz="2400" dirty="0"/>
                         <a:t>echo isset($variavel);	</a:t>
                       </a:r>
                     </a:p>
                     <a:p>
                       <a:r>
-                        <a:rPr lang="pt-BR" sz="2400" dirty="0" smtClean="0"/>
+                        <a:rPr lang="pt-BR" sz="2400" dirty="0"/>
                         <a:t>    echo isset($var);	</a:t>
                       </a:r>
                     </a:p>
                     <a:p>
                       <a:r>
-                        <a:rPr lang="pt-BR" sz="2400" dirty="0" smtClean="0"/>
+                        <a:rPr lang="pt-BR" sz="2400" dirty="0"/>
                         <a:t>	</a:t>
                       </a:r>
                     </a:p>
                     <a:p>
                       <a:r>
-                        <a:rPr lang="pt-BR" sz="2400" dirty="0" smtClean="0"/>
+                        <a:rPr lang="pt-BR" sz="2400" dirty="0"/>
                         <a:t>    $variavelArray = Array(1,2,3);</a:t>
                       </a:r>
                     </a:p>
                     <a:p>
                       <a:r>
-                        <a:rPr lang="pt-BR" sz="2400" dirty="0" smtClean="0"/>
+                        <a:rPr lang="pt-BR" sz="2400" dirty="0"/>
                         <a:t>    echo isset($variavelArray[0]);</a:t>
                       </a:r>
                     </a:p>
                     <a:p>
                       <a:r>
-                        <a:rPr lang="pt-BR" sz="2400" dirty="0" smtClean="0"/>
+                        <a:rPr lang="pt-BR" sz="2400" dirty="0"/>
                         <a:t>    echo isset($variavelArray[5]);</a:t>
                       </a:r>
                     </a:p>
                     <a:p>
                       <a:r>
-                        <a:rPr lang="pt-BR" sz="2400" dirty="0" smtClean="0"/>
+                        <a:rPr lang="pt-BR" sz="2400" dirty="0"/>
                         <a:t>?&gt;</a:t>
                       </a:r>
-                      <a:endParaRPr lang="pt-BR" sz="2400" dirty="0"/>
                     </a:p>
                   </a:txBody>
                   <a:tcPr>
@@ -21554,6 +21266,11 @@
                     </a:lnB>
                   </a:tcPr>
                 </a:tc>
+                <a:extLst>
+                  <a:ext uri="{0D108BD9-81ED-4DB2-BD59-A6C34878D82A}">
+                    <a16:rowId xmlns:a16="http://schemas.microsoft.com/office/drawing/2014/main" val="10000"/>
+                  </a:ext>
+                </a:extLst>
               </a:tr>
             </a:tbl>
           </a:graphicData>
@@ -21569,13 +21286,6 @@
   <p:clrMapOvr>
     <a:masterClrMapping/>
   </p:clrMapOvr>
-  <p:timing>
-    <p:tnLst>
-      <p:par>
-        <p:cTn id="1" dur="indefinite" restart="never" nodeType="tmRoot"/>
-      </p:par>
-    </p:tnLst>
-  </p:timing>
 </p:sld>
 </file>
 
@@ -21615,7 +21325,7 @@
           <p:cNvPr id="7" name="Título 1">
             <a:extLst>
               <a:ext uri="{FF2B5EF4-FFF2-40B4-BE49-F238E27FC236}">
-                <a16:creationId xmlns="" xmlns:a16="http://schemas.microsoft.com/office/drawing/2014/main" id="{489F5D36-DFC3-5141-9F8E-6FACABCF76D1}"/>
+                <a16:creationId xmlns:a16="http://schemas.microsoft.com/office/drawing/2014/main" id="{489F5D36-DFC3-5141-9F8E-6FACABCF76D1}"/>
               </a:ext>
             </a:extLst>
           </p:cNvPr>
@@ -21658,7 +21368,7 @@
           </a:lstStyle>
           <a:p>
             <a:r>
-              <a:rPr lang="pt-BR" b="1" dirty="0" smtClean="0">
+              <a:rPr lang="pt-BR" b="1" dirty="0">
                 <a:solidFill>
                   <a:schemeClr val="bg2">
                     <a:lumMod val="75000"/>
@@ -21669,15 +21379,6 @@
               </a:rPr>
               <a:t>Variáveis</a:t>
             </a:r>
-            <a:endParaRPr lang="pt-BR" b="1" dirty="0">
-              <a:solidFill>
-                <a:schemeClr val="bg2">
-                  <a:lumMod val="75000"/>
-                </a:schemeClr>
-              </a:solidFill>
-              <a:latin typeface="+mn-lt"/>
-              <a:cs typeface="Calibri" panose="020F0502020204030204" pitchFamily="34" charset="0"/>
-            </a:endParaRPr>
           </a:p>
         </p:txBody>
       </p:sp>
@@ -21702,31 +21403,30 @@
           <a:lstStyle/>
           <a:p>
             <a:r>
-              <a:rPr lang="pt-BR" dirty="0" smtClean="0"/>
+              <a:rPr lang="pt-BR" dirty="0"/>
               <a:t>Verifica se uma variável está vazia</a:t>
             </a:r>
           </a:p>
           <a:p>
             <a:pPr lvl="1"/>
             <a:r>
-              <a:rPr lang="pt-BR" dirty="0" smtClean="0"/>
+              <a:rPr lang="pt-BR" dirty="0"/>
               <a:t>Isso pode ser feito através da função empty()</a:t>
             </a:r>
           </a:p>
           <a:p>
             <a:pPr lvl="1"/>
             <a:r>
-              <a:rPr lang="pt-BR" dirty="0" smtClean="0"/>
+              <a:rPr lang="pt-BR" dirty="0"/>
               <a:t>Retorna verdadeiro se está vazio, falso se não</a:t>
             </a:r>
           </a:p>
           <a:p>
             <a:pPr lvl="1"/>
             <a:r>
-              <a:rPr lang="pt-BR" dirty="0" smtClean="0"/>
+              <a:rPr lang="pt-BR" dirty="0"/>
               <a:t>0 e string sem espaço (‘’) são consideradas vazias</a:t>
             </a:r>
-            <a:endParaRPr lang="pt-BR" dirty="0"/>
           </a:p>
         </p:txBody>
       </p:sp>
@@ -21755,7 +21455,13 @@
                 <a:tableStyleId>{5C22544A-7EE6-4342-B048-85BDC9FD1C3A}</a:tableStyleId>
               </a:tblPr>
               <a:tblGrid>
-                <a:gridCol w="7621921"/>
+                <a:gridCol w="7621921">
+                  <a:extLst>
+                    <a:ext uri="{9D8B030D-6E8A-4147-A177-3AD203B41FA5}">
+                      <a16:colId xmlns:a16="http://schemas.microsoft.com/office/drawing/2014/main" val="20000"/>
+                    </a:ext>
+                  </a:extLst>
+                </a:gridCol>
               </a:tblGrid>
               <a:tr h="370840">
                 <a:tc>
@@ -21764,70 +21470,69 @@
                     <a:lstStyle/>
                     <a:p>
                       <a:r>
-                        <a:rPr lang="pt-BR" dirty="0" smtClean="0"/>
+                        <a:rPr lang="pt-BR" dirty="0"/>
                         <a:t>&lt;?php</a:t>
                       </a:r>
                     </a:p>
                     <a:p>
                       <a:r>
-                        <a:rPr lang="pt-BR" dirty="0" smtClean="0"/>
+                        <a:rPr lang="pt-BR" dirty="0"/>
                         <a:t>    $variavel = 0;</a:t>
                       </a:r>
                     </a:p>
                     <a:p>
                       <a:r>
-                        <a:rPr lang="pt-BR" dirty="0" smtClean="0"/>
+                        <a:rPr lang="pt-BR" dirty="0"/>
                         <a:t>    echo empty($variavel); //Verdadeiro</a:t>
                       </a:r>
                     </a:p>
                     <a:p>
                       <a:r>
-                        <a:rPr lang="pt-BR" dirty="0" smtClean="0"/>
+                        <a:rPr lang="pt-BR" dirty="0"/>
                         <a:t>    $variavel = 1;</a:t>
                       </a:r>
                     </a:p>
                     <a:p>
                       <a:r>
-                        <a:rPr lang="pt-BR" dirty="0" smtClean="0"/>
+                        <a:rPr lang="pt-BR" dirty="0"/>
                         <a:t>    echo empty($variavel); //False</a:t>
                       </a:r>
                     </a:p>
                     <a:p>
                       <a:r>
-                        <a:rPr lang="pt-BR" dirty="0" smtClean="0"/>
+                        <a:rPr lang="pt-BR" dirty="0"/>
                         <a:t>	</a:t>
                       </a:r>
                     </a:p>
                     <a:p>
                       <a:r>
-                        <a:rPr lang="pt-BR" dirty="0" smtClean="0"/>
+                        <a:rPr lang="pt-BR" dirty="0"/>
                         <a:t>    $varString = '';</a:t>
                       </a:r>
                     </a:p>
                     <a:p>
                       <a:r>
-                        <a:rPr lang="pt-BR" dirty="0" smtClean="0"/>
+                        <a:rPr lang="pt-BR" dirty="0"/>
                         <a:t>    echo empty($varString);//Verdadeiro	</a:t>
                       </a:r>
                     </a:p>
                     <a:p>
                       <a:r>
-                        <a:rPr lang="pt-BR" dirty="0" smtClean="0"/>
+                        <a:rPr lang="pt-BR" dirty="0"/>
                         <a:t>    $varString = '';</a:t>
                       </a:r>
                     </a:p>
                     <a:p>
                       <a:r>
-                        <a:rPr lang="pt-BR" dirty="0" smtClean="0"/>
+                        <a:rPr lang="pt-BR" dirty="0"/>
                         <a:t>    echo empty($varString);//Falso	</a:t>
                       </a:r>
                     </a:p>
                     <a:p>
                       <a:r>
-                        <a:rPr lang="pt-BR" dirty="0" smtClean="0"/>
+                        <a:rPr lang="pt-BR" dirty="0"/>
                         <a:t>?&gt;</a:t>
                       </a:r>
-                      <a:endParaRPr lang="pt-BR" dirty="0"/>
                     </a:p>
                   </a:txBody>
                   <a:tcPr>
@@ -21869,6 +21574,11 @@
                     </a:lnB>
                   </a:tcPr>
                 </a:tc>
+                <a:extLst>
+                  <a:ext uri="{0D108BD9-81ED-4DB2-BD59-A6C34878D82A}">
+                    <a16:rowId xmlns:a16="http://schemas.microsoft.com/office/drawing/2014/main" val="10000"/>
+                  </a:ext>
+                </a:extLst>
               </a:tr>
             </a:tbl>
           </a:graphicData>
@@ -21884,13 +21594,6 @@
   <p:clrMapOvr>
     <a:masterClrMapping/>
   </p:clrMapOvr>
-  <p:timing>
-    <p:tnLst>
-      <p:par>
-        <p:cTn id="1" dur="indefinite" restart="never" nodeType="tmRoot"/>
-      </p:par>
-    </p:tnLst>
-  </p:timing>
 </p:sld>
 </file>
 
@@ -21930,7 +21633,7 @@
           <p:cNvPr id="7" name="Título 1">
             <a:extLst>
               <a:ext uri="{FF2B5EF4-FFF2-40B4-BE49-F238E27FC236}">
-                <a16:creationId xmlns="" xmlns:a16="http://schemas.microsoft.com/office/drawing/2014/main" id="{489F5D36-DFC3-5141-9F8E-6FACABCF76D1}"/>
+                <a16:creationId xmlns:a16="http://schemas.microsoft.com/office/drawing/2014/main" id="{489F5D36-DFC3-5141-9F8E-6FACABCF76D1}"/>
               </a:ext>
             </a:extLst>
           </p:cNvPr>
@@ -21973,7 +21676,7 @@
           </a:lstStyle>
           <a:p>
             <a:r>
-              <a:rPr lang="pt-BR" b="1" dirty="0" smtClean="0">
+              <a:rPr lang="pt-BR" b="1" dirty="0">
                 <a:solidFill>
                   <a:schemeClr val="bg2">
                     <a:lumMod val="75000"/>
@@ -21984,15 +21687,6 @@
               </a:rPr>
               <a:t>Variáveis</a:t>
             </a:r>
-            <a:endParaRPr lang="pt-BR" b="1" dirty="0">
-              <a:solidFill>
-                <a:schemeClr val="bg2">
-                  <a:lumMod val="75000"/>
-                </a:schemeClr>
-              </a:solidFill>
-              <a:latin typeface="+mn-lt"/>
-              <a:cs typeface="Calibri" panose="020F0502020204030204" pitchFamily="34" charset="0"/>
-            </a:endParaRPr>
           </a:p>
         </p:txBody>
       </p:sp>
@@ -22017,24 +21711,23 @@
           <a:lstStyle/>
           <a:p>
             <a:r>
-              <a:rPr lang="pt-BR" dirty="0" smtClean="0"/>
+              <a:rPr lang="pt-BR" dirty="0"/>
               <a:t>Verificando o tipo de variável</a:t>
             </a:r>
           </a:p>
           <a:p>
             <a:pPr lvl="1"/>
             <a:r>
-              <a:rPr lang="pt-BR" dirty="0" smtClean="0"/>
+              <a:rPr lang="pt-BR" dirty="0"/>
               <a:t>Existem funções para saber qual o tipo de determinada variável</a:t>
             </a:r>
           </a:p>
           <a:p>
             <a:pPr lvl="1"/>
             <a:r>
-              <a:rPr lang="pt-BR" dirty="0" smtClean="0"/>
+              <a:rPr lang="pt-BR" dirty="0"/>
               <a:t>Is_int, is_integer, is_real, is_long, is_float, is_string, is_array, is_object</a:t>
             </a:r>
-            <a:endParaRPr lang="pt-BR" dirty="0"/>
           </a:p>
         </p:txBody>
       </p:sp>
@@ -22063,7 +21756,13 @@
                 <a:tableStyleId>{5C22544A-7EE6-4342-B048-85BDC9FD1C3A}</a:tableStyleId>
               </a:tblPr>
               <a:tblGrid>
-                <a:gridCol w="7566728"/>
+                <a:gridCol w="7566728">
+                  <a:extLst>
+                    <a:ext uri="{9D8B030D-6E8A-4147-A177-3AD203B41FA5}">
+                      <a16:colId xmlns:a16="http://schemas.microsoft.com/office/drawing/2014/main" val="20000"/>
+                    </a:ext>
+                  </a:extLst>
+                </a:gridCol>
               </a:tblGrid>
               <a:tr h="2786082">
                 <a:tc>
@@ -22072,46 +21771,45 @@
                     <a:lstStyle/>
                     <a:p>
                       <a:r>
-                        <a:rPr lang="pt-BR" sz="2400" dirty="0" smtClean="0"/>
+                        <a:rPr lang="pt-BR" sz="2400" dirty="0"/>
                         <a:t>&lt;?php</a:t>
                       </a:r>
                     </a:p>
                     <a:p>
                       <a:r>
-                        <a:rPr lang="pt-BR" sz="2400" dirty="0" smtClean="0"/>
+                        <a:rPr lang="pt-BR" sz="2400" dirty="0"/>
                         <a:t>    $variavel = 1;</a:t>
                       </a:r>
                     </a:p>
                     <a:p>
                       <a:r>
-                        <a:rPr lang="pt-BR" sz="2400" dirty="0" smtClean="0"/>
+                        <a:rPr lang="pt-BR" sz="2400" dirty="0"/>
                         <a:t>    echo is_int($variavel); //Verdadeiro</a:t>
                       </a:r>
                     </a:p>
                     <a:p>
                       <a:r>
-                        <a:rPr lang="pt-BR" sz="2400" dirty="0" smtClean="0"/>
+                        <a:rPr lang="pt-BR" sz="2400" dirty="0"/>
                         <a:t>	</a:t>
                       </a:r>
                     </a:p>
                     <a:p>
                       <a:r>
-                        <a:rPr lang="pt-BR" sz="2400" dirty="0" smtClean="0"/>
+                        <a:rPr lang="pt-BR" sz="2400" dirty="0"/>
                         <a:t>    $variavel = "1";</a:t>
                       </a:r>
                     </a:p>
                     <a:p>
                       <a:r>
-                        <a:rPr lang="pt-BR" sz="2400" dirty="0" smtClean="0"/>
+                        <a:rPr lang="pt-BR" sz="2400" dirty="0"/>
                         <a:t>    echo is_int($variavel); //Falso</a:t>
                       </a:r>
                     </a:p>
                     <a:p>
                       <a:r>
-                        <a:rPr lang="pt-BR" sz="2400" dirty="0" smtClean="0"/>
+                        <a:rPr lang="pt-BR" sz="2400" dirty="0"/>
                         <a:t>?&gt;</a:t>
                       </a:r>
-                      <a:endParaRPr lang="pt-BR" sz="2400" dirty="0"/>
                     </a:p>
                   </a:txBody>
                   <a:tcPr>
@@ -22153,6 +21851,11 @@
                     </a:lnB>
                   </a:tcPr>
                 </a:tc>
+                <a:extLst>
+                  <a:ext uri="{0D108BD9-81ED-4DB2-BD59-A6C34878D82A}">
+                    <a16:rowId xmlns:a16="http://schemas.microsoft.com/office/drawing/2014/main" val="10000"/>
+                  </a:ext>
+                </a:extLst>
               </a:tr>
             </a:tbl>
           </a:graphicData>
@@ -22168,13 +21871,6 @@
   <p:clrMapOvr>
     <a:masterClrMapping/>
   </p:clrMapOvr>
-  <p:timing>
-    <p:tnLst>
-      <p:par>
-        <p:cTn id="1" dur="indefinite" restart="never" nodeType="tmRoot"/>
-      </p:par>
-    </p:tnLst>
-  </p:timing>
 </p:sld>
 </file>
 
@@ -22214,7 +21910,7 @@
           <p:cNvPr id="7" name="Título 1">
             <a:extLst>
               <a:ext uri="{FF2B5EF4-FFF2-40B4-BE49-F238E27FC236}">
-                <a16:creationId xmlns="" xmlns:a16="http://schemas.microsoft.com/office/drawing/2014/main" id="{489F5D36-DFC3-5141-9F8E-6FACABCF76D1}"/>
+                <a16:creationId xmlns:a16="http://schemas.microsoft.com/office/drawing/2014/main" id="{489F5D36-DFC3-5141-9F8E-6FACABCF76D1}"/>
               </a:ext>
             </a:extLst>
           </p:cNvPr>
@@ -22257,7 +21953,7 @@
           </a:lstStyle>
           <a:p>
             <a:r>
-              <a:rPr lang="pt-BR" b="1" dirty="0" smtClean="0">
+              <a:rPr lang="pt-BR" b="1" dirty="0">
                 <a:solidFill>
                   <a:schemeClr val="bg2">
                     <a:lumMod val="75000"/>
@@ -22268,15 +21964,6 @@
               </a:rPr>
               <a:t>Variáveis</a:t>
             </a:r>
-            <a:endParaRPr lang="pt-BR" b="1" dirty="0">
-              <a:solidFill>
-                <a:schemeClr val="bg2">
-                  <a:lumMod val="75000"/>
-                </a:schemeClr>
-              </a:solidFill>
-              <a:latin typeface="+mn-lt"/>
-              <a:cs typeface="Calibri" panose="020F0502020204030204" pitchFamily="34" charset="0"/>
-            </a:endParaRPr>
           </a:p>
         </p:txBody>
       </p:sp>
@@ -22301,21 +21988,21 @@
           <a:lstStyle/>
           <a:p>
             <a:r>
-              <a:rPr lang="pt-BR" dirty="0" smtClean="0"/>
+              <a:rPr lang="pt-BR" dirty="0"/>
               <a:t>Destruindo uma variável</a:t>
             </a:r>
           </a:p>
           <a:p>
             <a:pPr lvl="1"/>
             <a:r>
-              <a:rPr lang="pt-BR" dirty="0" smtClean="0"/>
+              <a:rPr lang="pt-BR" dirty="0"/>
               <a:t>Caso uma variável não seja mais necessária é possível remove-lá da memória</a:t>
             </a:r>
           </a:p>
           <a:p>
             <a:pPr lvl="1"/>
             <a:r>
-              <a:rPr lang="pt-BR" dirty="0" smtClean="0"/>
+              <a:rPr lang="pt-BR" dirty="0"/>
               <a:t>Isto é feito pelo método unset();</a:t>
             </a:r>
           </a:p>
@@ -22349,7 +22036,13 @@
                 <a:tableStyleId>{5C22544A-7EE6-4342-B048-85BDC9FD1C3A}</a:tableStyleId>
               </a:tblPr>
               <a:tblGrid>
-                <a:gridCol w="7489225"/>
+                <a:gridCol w="7489225">
+                  <a:extLst>
+                    <a:ext uri="{9D8B030D-6E8A-4147-A177-3AD203B41FA5}">
+                      <a16:colId xmlns:a16="http://schemas.microsoft.com/office/drawing/2014/main" val="20000"/>
+                    </a:ext>
+                  </a:extLst>
+                </a:gridCol>
               </a:tblGrid>
               <a:tr h="2857520">
                 <a:tc>
@@ -22358,40 +22051,39 @@
                     <a:lstStyle/>
                     <a:p>
                       <a:r>
-                        <a:rPr lang="pt-BR" sz="3200" dirty="0" smtClean="0"/>
+                        <a:rPr lang="pt-BR" sz="3200" dirty="0"/>
                         <a:t>&lt;?php</a:t>
                       </a:r>
                     </a:p>
                     <a:p>
                       <a:r>
-                        <a:rPr lang="pt-BR" sz="3200" dirty="0" smtClean="0"/>
+                        <a:rPr lang="pt-BR" sz="3200" dirty="0"/>
                         <a:t>    $variavel = 1;</a:t>
                       </a:r>
                     </a:p>
                     <a:p>
                       <a:r>
-                        <a:rPr lang="pt-BR" sz="3200" dirty="0" smtClean="0"/>
+                        <a:rPr lang="pt-BR" sz="3200" dirty="0"/>
                         <a:t>    echo $variavel;</a:t>
                       </a:r>
                     </a:p>
                     <a:p>
                       <a:r>
-                        <a:rPr lang="pt-BR" sz="3200" dirty="0" smtClean="0"/>
+                        <a:rPr lang="pt-BR" sz="3200" dirty="0"/>
                         <a:t>	</a:t>
                       </a:r>
                     </a:p>
                     <a:p>
                       <a:r>
-                        <a:rPr lang="pt-BR" sz="3200" dirty="0" smtClean="0"/>
+                        <a:rPr lang="pt-BR" sz="3200" dirty="0"/>
                         <a:t>    unset($variavel);</a:t>
                       </a:r>
                     </a:p>
                     <a:p>
                       <a:r>
-                        <a:rPr lang="pt-BR" sz="3200" dirty="0" smtClean="0"/>
+                        <a:rPr lang="pt-BR" sz="3200" dirty="0"/>
                         <a:t>?&gt;</a:t>
                       </a:r>
-                      <a:endParaRPr lang="pt-BR" sz="3200" dirty="0"/>
                     </a:p>
                   </a:txBody>
                   <a:tcPr>
@@ -22433,6 +22125,11 @@
                     </a:lnB>
                   </a:tcPr>
                 </a:tc>
+                <a:extLst>
+                  <a:ext uri="{0D108BD9-81ED-4DB2-BD59-A6C34878D82A}">
+                    <a16:rowId xmlns:a16="http://schemas.microsoft.com/office/drawing/2014/main" val="10000"/>
+                  </a:ext>
+                </a:extLst>
               </a:tr>
             </a:tbl>
           </a:graphicData>
@@ -22448,13 +22145,6 @@
   <p:clrMapOvr>
     <a:masterClrMapping/>
   </p:clrMapOvr>
-  <p:timing>
-    <p:tnLst>
-      <p:par>
-        <p:cTn id="1" dur="indefinite" restart="never" nodeType="tmRoot"/>
-      </p:par>
-    </p:tnLst>
-  </p:timing>
 </p:sld>
 </file>
 
@@ -22713,7 +22403,7 @@
   <a:extraClrSchemeLst/>
   <a:extLst>
     <a:ext uri="{05A4C25C-085E-4340-85A3-A5531E510DB2}">
-      <thm15:themeFamily xmlns="" xmlns:thm15="http://schemas.microsoft.com/office/thememl/2012/main" name="Office Theme" id="{62F939B6-93AF-4DB8-9C6B-D6C7DFDC589F}" vid="{4A3C46E8-61CC-4603-A589-7422A47A8E4A}"/>
+      <thm15:themeFamily xmlns:thm15="http://schemas.microsoft.com/office/thememl/2012/main" name="Office Theme" id="{62F939B6-93AF-4DB8-9C6B-D6C7DFDC589F}" vid="{4A3C46E8-61CC-4603-A589-7422A47A8E4A}"/>
     </a:ext>
   </a:extLst>
 </a:theme>
@@ -23008,7 +22698,7 @@
   <a:extraClrSchemeLst/>
   <a:extLst>
     <a:ext uri="{05A4C25C-085E-4340-85A3-A5531E510DB2}">
-      <thm15:themeFamily xmlns="" xmlns:thm15="http://schemas.microsoft.com/office/thememl/2012/main" name="Office Theme" id="{62F939B6-93AF-4DB8-9C6B-D6C7DFDC589F}" vid="{4A3C46E8-61CC-4603-A589-7422A47A8E4A}"/>
+      <thm15:themeFamily xmlns:thm15="http://schemas.microsoft.com/office/thememl/2012/main" name="Office Theme" id="{62F939B6-93AF-4DB8-9C6B-D6C7DFDC589F}" vid="{4A3C46E8-61CC-4603-A589-7422A47A8E4A}"/>
     </a:ext>
   </a:extLst>
 </a:theme>
